--- a/slides/KeyStone PCI Express.pptx
+++ b/slides/KeyStone PCI Express.pptx
@@ -5,7 +5,7 @@
     <p:sldMasterId id="2147483725" r:id="rId1"/>
   </p:sldMasterIdLst>
   <p:notesMasterIdLst>
-    <p:notesMasterId r:id="rId25"/>
+    <p:notesMasterId r:id="rId24"/>
   </p:notesMasterIdLst>
   <p:sldIdLst>
     <p:sldId id="259" r:id="rId2"/>
@@ -18,24 +18,23 @@
     <p:sldId id="303" r:id="rId9"/>
     <p:sldId id="310" r:id="rId10"/>
     <p:sldId id="316" r:id="rId11"/>
-    <p:sldId id="317" r:id="rId12"/>
-    <p:sldId id="318" r:id="rId13"/>
-    <p:sldId id="319" r:id="rId14"/>
-    <p:sldId id="320" r:id="rId15"/>
-    <p:sldId id="321" r:id="rId16"/>
-    <p:sldId id="322" r:id="rId17"/>
-    <p:sldId id="323" r:id="rId18"/>
-    <p:sldId id="324" r:id="rId19"/>
-    <p:sldId id="275" r:id="rId20"/>
-    <p:sldId id="288" r:id="rId21"/>
-    <p:sldId id="297" r:id="rId22"/>
-    <p:sldId id="325" r:id="rId23"/>
-    <p:sldId id="327" r:id="rId24"/>
+    <p:sldId id="330" r:id="rId12"/>
+    <p:sldId id="328" r:id="rId13"/>
+    <p:sldId id="332" r:id="rId14"/>
+    <p:sldId id="331" r:id="rId15"/>
+    <p:sldId id="318" r:id="rId16"/>
+    <p:sldId id="329" r:id="rId17"/>
+    <p:sldId id="319" r:id="rId18"/>
+    <p:sldId id="320" r:id="rId19"/>
+    <p:sldId id="321" r:id="rId20"/>
+    <p:sldId id="322" r:id="rId21"/>
+    <p:sldId id="323" r:id="rId22"/>
+    <p:sldId id="327" r:id="rId23"/>
   </p:sldIdLst>
   <p:sldSz cx="9144000" cy="6858000" type="screen4x3"/>
   <p:notesSz cx="7315200" cy="9601200"/>
   <p:custDataLst>
-    <p:tags r:id="rId26"/>
+    <p:tags r:id="rId25"/>
   </p:custDataLst>
   <p:defaultTextStyle>
     <a:defPPr>
@@ -229,7 +228,7 @@
             </a:lvl1pPr>
           </a:lstStyle>
           <a:p>
-            <a:endParaRPr lang="en-US"/>
+            <a:endParaRPr lang="en-US" dirty="0"/>
           </a:p>
         </p:txBody>
       </p:sp>
@@ -272,7 +271,7 @@
             </a:lvl1pPr>
           </a:lstStyle>
           <a:p>
-            <a:endParaRPr lang="en-US"/>
+            <a:endParaRPr lang="en-US" dirty="0"/>
           </a:p>
         </p:txBody>
       </p:sp>
@@ -416,7 +415,7 @@
             </a:lvl1pPr>
           </a:lstStyle>
           <a:p>
-            <a:endParaRPr lang="en-US"/>
+            <a:endParaRPr lang="en-US" dirty="0"/>
           </a:p>
         </p:txBody>
       </p:sp>
@@ -464,7 +463,7 @@
               <a:pPr/>
               <a:t>‹#›</a:t>
             </a:fld>
-            <a:endParaRPr lang="en-US"/>
+            <a:endParaRPr lang="en-US" dirty="0"/>
           </a:p>
         </p:txBody>
       </p:sp>
@@ -635,7 +634,7 @@
               <a:pPr/>
               <a:t>1</a:t>
             </a:fld>
-            <a:endParaRPr lang="en-US"/>
+            <a:endParaRPr lang="en-US" dirty="0"/>
           </a:p>
         </p:txBody>
       </p:sp>
@@ -668,7 +667,7 @@
           <a:bodyPr/>
           <a:lstStyle/>
           <a:p>
-            <a:endParaRPr lang="en-US"/>
+            <a:endParaRPr lang="en-US" dirty="0"/>
           </a:p>
         </p:txBody>
       </p:sp>
@@ -1054,7 +1053,7 @@
           </a:bodyPr>
           <a:lstStyle/>
           <a:p>
-            <a:endParaRPr lang="en-US"/>
+            <a:endParaRPr lang="en-US" dirty="0"/>
           </a:p>
         </p:txBody>
       </p:sp>
@@ -1078,7 +1077,7 @@
               <a:pPr/>
               <a:t>14</a:t>
             </a:fld>
-            <a:endParaRPr lang="en-US"/>
+            <a:endParaRPr lang="en-US" dirty="0"/>
           </a:p>
         </p:txBody>
       </p:sp>
@@ -1136,7 +1135,7 @@
           </a:bodyPr>
           <a:lstStyle/>
           <a:p>
-            <a:endParaRPr lang="en-US"/>
+            <a:endParaRPr lang="en-US" dirty="0"/>
           </a:p>
         </p:txBody>
       </p:sp>
@@ -1160,7 +1159,7 @@
               <a:pPr/>
               <a:t>15</a:t>
             </a:fld>
-            <a:endParaRPr lang="en-US"/>
+            <a:endParaRPr lang="en-US" dirty="0"/>
           </a:p>
         </p:txBody>
       </p:sp>
@@ -1218,7 +1217,7 @@
           </a:bodyPr>
           <a:lstStyle/>
           <a:p>
-            <a:endParaRPr lang="en-US"/>
+            <a:endParaRPr lang="en-US" dirty="0"/>
           </a:p>
         </p:txBody>
       </p:sp>
@@ -1242,7 +1241,7 @@
               <a:pPr/>
               <a:t>16</a:t>
             </a:fld>
-            <a:endParaRPr lang="en-US"/>
+            <a:endParaRPr lang="en-US" dirty="0"/>
           </a:p>
         </p:txBody>
       </p:sp>
@@ -1300,7 +1299,7 @@
           </a:bodyPr>
           <a:lstStyle/>
           <a:p>
-            <a:endParaRPr lang="en-US"/>
+            <a:endParaRPr lang="en-US" dirty="0"/>
           </a:p>
         </p:txBody>
       </p:sp>
@@ -1324,7 +1323,7 @@
               <a:pPr/>
               <a:t>17</a:t>
             </a:fld>
-            <a:endParaRPr lang="en-US"/>
+            <a:endParaRPr lang="en-US" dirty="0"/>
           </a:p>
         </p:txBody>
       </p:sp>
@@ -1382,7 +1381,7 @@
           </a:bodyPr>
           <a:lstStyle/>
           <a:p>
-            <a:endParaRPr lang="en-US"/>
+            <a:endParaRPr lang="en-US" dirty="0"/>
           </a:p>
         </p:txBody>
       </p:sp>
@@ -1406,7 +1405,7 @@
               <a:pPr/>
               <a:t>18</a:t>
             </a:fld>
-            <a:endParaRPr lang="en-US"/>
+            <a:endParaRPr lang="en-US" dirty="0"/>
           </a:p>
         </p:txBody>
       </p:sp>
@@ -1437,49 +1436,21 @@
       </p:grpSpPr>
       <p:sp>
         <p:nvSpPr>
-          <p:cNvPr id="7" name="Rectangle 7"/>
+          <p:cNvPr id="2" name="Slide Image Placeholder 1"/>
           <p:cNvSpPr>
-            <a:spLocks noGrp="1" noChangeArrowheads="1"/>
-          </p:cNvSpPr>
-          <p:nvPr>
-            <p:ph type="sldNum" sz="quarter" idx="5"/>
-          </p:nvPr>
-        </p:nvSpPr>
-        <p:spPr>
-          <a:ln/>
-        </p:spPr>
-        <p:txBody>
-          <a:bodyPr/>
-          <a:lstStyle/>
-          <a:p>
-            <a:fld id="{B3CFDAF9-0B1A-4D87-ADA2-A3F7EB2F6672}" type="slidenum">
-              <a:rPr lang="en-US"/>
-              <a:pPr/>
-              <a:t>19</a:t>
-            </a:fld>
-            <a:endParaRPr lang="en-US"/>
-          </a:p>
-        </p:txBody>
-      </p:sp>
-      <p:sp>
-        <p:nvSpPr>
-          <p:cNvPr id="191490" name="Rectangle 2"/>
-          <p:cNvSpPr>
-            <a:spLocks noGrp="1" noRot="1" noChangeAspect="1" noChangeArrowheads="1" noTextEdit="1"/>
+            <a:spLocks noGrp="1" noRot="1" noChangeAspect="1"/>
           </p:cNvSpPr>
           <p:nvPr>
             <p:ph type="sldImg"/>
           </p:nvPr>
         </p:nvSpPr>
-        <p:spPr>
-          <a:ln/>
-        </p:spPr>
+        <p:spPr/>
       </p:sp>
       <p:sp>
         <p:nvSpPr>
-          <p:cNvPr id="191491" name="Rectangle 3"/>
+          <p:cNvPr id="3" name="Notes Placeholder 2"/>
           <p:cNvSpPr>
-            <a:spLocks noGrp="1" noChangeArrowheads="1"/>
+            <a:spLocks noGrp="1"/>
           </p:cNvSpPr>
           <p:nvPr>
             <p:ph type="body" idx="1"/>
@@ -1487,10 +1458,36 @@
         </p:nvSpPr>
         <p:spPr/>
         <p:txBody>
+          <a:bodyPr>
+            <a:normAutofit/>
+          </a:bodyPr>
+          <a:lstStyle/>
+          <a:p>
+            <a:endParaRPr lang="en-US" dirty="0"/>
+          </a:p>
+        </p:txBody>
+      </p:sp>
+      <p:sp>
+        <p:nvSpPr>
+          <p:cNvPr id="4" name="Slide Number Placeholder 3"/>
+          <p:cNvSpPr>
+            <a:spLocks noGrp="1"/>
+          </p:cNvSpPr>
+          <p:nvPr>
+            <p:ph type="sldNum" sz="quarter" idx="10"/>
+          </p:nvPr>
+        </p:nvSpPr>
+        <p:spPr/>
+        <p:txBody>
           <a:bodyPr/>
           <a:lstStyle/>
           <a:p>
-            <a:endParaRPr lang="en-US"/>
+            <a:fld id="{7D85CFDE-532E-417C-A2AD-0C5C8E337136}" type="slidenum">
+              <a:rPr lang="en-US" smtClean="0"/>
+              <a:pPr/>
+              <a:t>19</a:t>
+            </a:fld>
+            <a:endParaRPr lang="en-US" dirty="0"/>
           </a:p>
         </p:txBody>
       </p:sp>
@@ -1548,7 +1545,7 @@
           </a:bodyPr>
           <a:lstStyle/>
           <a:p>
-            <a:endParaRPr lang="en-US"/>
+            <a:endParaRPr lang="en-US" dirty="0"/>
           </a:p>
         </p:txBody>
       </p:sp>
@@ -1572,7 +1569,7 @@
               <a:pPr/>
               <a:t>2</a:t>
             </a:fld>
-            <a:endParaRPr lang="en-US"/>
+            <a:endParaRPr lang="en-US" dirty="0"/>
           </a:p>
         </p:txBody>
       </p:sp>
@@ -1585,174 +1582,6 @@
 </file>
 
 <file path=ppt/notesSlides/notesSlide20.xml><?xml version="1.0" encoding="utf-8"?>
-<p:notes xmlns:a="http://schemas.openxmlformats.org/drawingml/2006/main" xmlns:r="http://schemas.openxmlformats.org/officeDocument/2006/relationships" xmlns:p="http://schemas.openxmlformats.org/presentationml/2006/main">
-  <p:cSld>
-    <p:spTree>
-      <p:nvGrpSpPr>
-        <p:cNvPr id="1" name=""/>
-        <p:cNvGrpSpPr/>
-        <p:nvPr/>
-      </p:nvGrpSpPr>
-      <p:grpSpPr>
-        <a:xfrm>
-          <a:off x="0" y="0"/>
-          <a:ext cx="0" cy="0"/>
-          <a:chOff x="0" y="0"/>
-          <a:chExt cx="0" cy="0"/>
-        </a:xfrm>
-      </p:grpSpPr>
-      <p:sp>
-        <p:nvSpPr>
-          <p:cNvPr id="7" name="Rectangle 7"/>
-          <p:cNvSpPr>
-            <a:spLocks noGrp="1" noChangeArrowheads="1"/>
-          </p:cNvSpPr>
-          <p:nvPr>
-            <p:ph type="sldNum" sz="quarter" idx="5"/>
-          </p:nvPr>
-        </p:nvSpPr>
-        <p:spPr>
-          <a:ln/>
-        </p:spPr>
-        <p:txBody>
-          <a:bodyPr/>
-          <a:lstStyle/>
-          <a:p>
-            <a:fld id="{228C8C02-5EE8-4262-862F-A8551B7626C9}" type="slidenum">
-              <a:rPr lang="en-US"/>
-              <a:pPr/>
-              <a:t>20</a:t>
-            </a:fld>
-            <a:endParaRPr lang="en-US"/>
-          </a:p>
-        </p:txBody>
-      </p:sp>
-      <p:sp>
-        <p:nvSpPr>
-          <p:cNvPr id="207874" name="Rectangle 2"/>
-          <p:cNvSpPr>
-            <a:spLocks noGrp="1" noRot="1" noChangeAspect="1" noChangeArrowheads="1" noTextEdit="1"/>
-          </p:cNvSpPr>
-          <p:nvPr>
-            <p:ph type="sldImg"/>
-          </p:nvPr>
-        </p:nvSpPr>
-        <p:spPr>
-          <a:ln/>
-        </p:spPr>
-      </p:sp>
-      <p:sp>
-        <p:nvSpPr>
-          <p:cNvPr id="207875" name="Rectangle 3"/>
-          <p:cNvSpPr>
-            <a:spLocks noGrp="1" noChangeArrowheads="1"/>
-          </p:cNvSpPr>
-          <p:nvPr>
-            <p:ph type="body" idx="1"/>
-          </p:nvPr>
-        </p:nvSpPr>
-        <p:spPr/>
-        <p:txBody>
-          <a:bodyPr/>
-          <a:lstStyle/>
-          <a:p>
-            <a:endParaRPr lang="en-US"/>
-          </a:p>
-        </p:txBody>
-      </p:sp>
-    </p:spTree>
-  </p:cSld>
-  <p:clrMapOvr>
-    <a:masterClrMapping/>
-  </p:clrMapOvr>
-</p:notes>
-</file>
-
-<file path=ppt/notesSlides/notesSlide21.xml><?xml version="1.0" encoding="utf-8"?>
-<p:notes xmlns:a="http://schemas.openxmlformats.org/drawingml/2006/main" xmlns:r="http://schemas.openxmlformats.org/officeDocument/2006/relationships" xmlns:p="http://schemas.openxmlformats.org/presentationml/2006/main">
-  <p:cSld>
-    <p:spTree>
-      <p:nvGrpSpPr>
-        <p:cNvPr id="1" name=""/>
-        <p:cNvGrpSpPr/>
-        <p:nvPr/>
-      </p:nvGrpSpPr>
-      <p:grpSpPr>
-        <a:xfrm>
-          <a:off x="0" y="0"/>
-          <a:ext cx="0" cy="0"/>
-          <a:chOff x="0" y="0"/>
-          <a:chExt cx="0" cy="0"/>
-        </a:xfrm>
-      </p:grpSpPr>
-      <p:sp>
-        <p:nvSpPr>
-          <p:cNvPr id="7" name="Rectangle 7"/>
-          <p:cNvSpPr>
-            <a:spLocks noGrp="1" noChangeArrowheads="1"/>
-          </p:cNvSpPr>
-          <p:nvPr>
-            <p:ph type="sldNum" sz="quarter" idx="5"/>
-          </p:nvPr>
-        </p:nvSpPr>
-        <p:spPr>
-          <a:ln/>
-        </p:spPr>
-        <p:txBody>
-          <a:bodyPr/>
-          <a:lstStyle/>
-          <a:p>
-            <a:fld id="{6311ADA9-E6CB-404B-9DE6-A13F939C631D}" type="slidenum">
-              <a:rPr lang="en-US"/>
-              <a:pPr/>
-              <a:t>21</a:t>
-            </a:fld>
-            <a:endParaRPr lang="en-US"/>
-          </a:p>
-        </p:txBody>
-      </p:sp>
-      <p:sp>
-        <p:nvSpPr>
-          <p:cNvPr id="226306" name="Rectangle 2"/>
-          <p:cNvSpPr>
-            <a:spLocks noGrp="1" noRot="1" noChangeAspect="1" noChangeArrowheads="1" noTextEdit="1"/>
-          </p:cNvSpPr>
-          <p:nvPr>
-            <p:ph type="sldImg"/>
-          </p:nvPr>
-        </p:nvSpPr>
-        <p:spPr>
-          <a:ln/>
-        </p:spPr>
-      </p:sp>
-      <p:sp>
-        <p:nvSpPr>
-          <p:cNvPr id="226307" name="Rectangle 3"/>
-          <p:cNvSpPr>
-            <a:spLocks noGrp="1" noChangeArrowheads="1"/>
-          </p:cNvSpPr>
-          <p:nvPr>
-            <p:ph type="body" idx="1"/>
-          </p:nvPr>
-        </p:nvSpPr>
-        <p:spPr/>
-        <p:txBody>
-          <a:bodyPr/>
-          <a:lstStyle/>
-          <a:p>
-            <a:endParaRPr lang="en-US"/>
-          </a:p>
-        </p:txBody>
-      </p:sp>
-    </p:spTree>
-  </p:cSld>
-  <p:clrMapOvr>
-    <a:masterClrMapping/>
-  </p:clrMapOvr>
-</p:notes>
-</file>
-
-<file path=ppt/notesSlides/notesSlide22.xml><?xml version="1.0" encoding="utf-8"?>
 <p:notes xmlns:a="http://schemas.openxmlformats.org/drawingml/2006/main" xmlns:r="http://schemas.openxmlformats.org/officeDocument/2006/relationships" xmlns:p="http://schemas.openxmlformats.org/presentationml/2006/main">
   <p:cSld>
     <p:spTree>
@@ -1798,7 +1627,7 @@
           </a:bodyPr>
           <a:lstStyle/>
           <a:p>
-            <a:endParaRPr lang="en-US"/>
+            <a:endParaRPr lang="en-US" dirty="0"/>
           </a:p>
         </p:txBody>
       </p:sp>
@@ -1820,9 +1649,9 @@
             <a:fld id="{7D85CFDE-532E-417C-A2AD-0C5C8E337136}" type="slidenum">
               <a:rPr lang="en-US" smtClean="0"/>
               <a:pPr/>
-              <a:t>22</a:t>
+              <a:t>20</a:t>
             </a:fld>
-            <a:endParaRPr lang="en-US"/>
+            <a:endParaRPr lang="en-US" dirty="0"/>
           </a:p>
         </p:txBody>
       </p:sp>
@@ -1834,7 +1663,89 @@
 </p:notes>
 </file>
 
-<file path=ppt/notesSlides/notesSlide23.xml><?xml version="1.0" encoding="utf-8"?>
+<file path=ppt/notesSlides/notesSlide21.xml><?xml version="1.0" encoding="utf-8"?>
+<p:notes xmlns:a="http://schemas.openxmlformats.org/drawingml/2006/main" xmlns:r="http://schemas.openxmlformats.org/officeDocument/2006/relationships" xmlns:p="http://schemas.openxmlformats.org/presentationml/2006/main">
+  <p:cSld>
+    <p:spTree>
+      <p:nvGrpSpPr>
+        <p:cNvPr id="1" name=""/>
+        <p:cNvGrpSpPr/>
+        <p:nvPr/>
+      </p:nvGrpSpPr>
+      <p:grpSpPr>
+        <a:xfrm>
+          <a:off x="0" y="0"/>
+          <a:ext cx="0" cy="0"/>
+          <a:chOff x="0" y="0"/>
+          <a:chExt cx="0" cy="0"/>
+        </a:xfrm>
+      </p:grpSpPr>
+      <p:sp>
+        <p:nvSpPr>
+          <p:cNvPr id="2" name="Slide Image Placeholder 1"/>
+          <p:cNvSpPr>
+            <a:spLocks noGrp="1" noRot="1" noChangeAspect="1"/>
+          </p:cNvSpPr>
+          <p:nvPr>
+            <p:ph type="sldImg"/>
+          </p:nvPr>
+        </p:nvSpPr>
+        <p:spPr/>
+      </p:sp>
+      <p:sp>
+        <p:nvSpPr>
+          <p:cNvPr id="3" name="Notes Placeholder 2"/>
+          <p:cNvSpPr>
+            <a:spLocks noGrp="1"/>
+          </p:cNvSpPr>
+          <p:nvPr>
+            <p:ph type="body" idx="1"/>
+          </p:nvPr>
+        </p:nvSpPr>
+        <p:spPr/>
+        <p:txBody>
+          <a:bodyPr>
+            <a:normAutofit/>
+          </a:bodyPr>
+          <a:lstStyle/>
+          <a:p>
+            <a:endParaRPr lang="en-US" dirty="0"/>
+          </a:p>
+        </p:txBody>
+      </p:sp>
+      <p:sp>
+        <p:nvSpPr>
+          <p:cNvPr id="4" name="Slide Number Placeholder 3"/>
+          <p:cNvSpPr>
+            <a:spLocks noGrp="1"/>
+          </p:cNvSpPr>
+          <p:nvPr>
+            <p:ph type="sldNum" sz="quarter" idx="10"/>
+          </p:nvPr>
+        </p:nvSpPr>
+        <p:spPr/>
+        <p:txBody>
+          <a:bodyPr/>
+          <a:lstStyle/>
+          <a:p>
+            <a:fld id="{7D85CFDE-532E-417C-A2AD-0C5C8E337136}" type="slidenum">
+              <a:rPr lang="en-US" smtClean="0"/>
+              <a:pPr/>
+              <a:t>21</a:t>
+            </a:fld>
+            <a:endParaRPr lang="en-US" dirty="0"/>
+          </a:p>
+        </p:txBody>
+      </p:sp>
+    </p:spTree>
+  </p:cSld>
+  <p:clrMapOvr>
+    <a:masterClrMapping/>
+  </p:clrMapOvr>
+</p:notes>
+</file>
+
+<file path=ppt/notesSlides/notesSlide22.xml><?xml version="1.0" encoding="utf-8"?>
 <p:notes xmlns:a="http://schemas.openxmlformats.org/drawingml/2006/main" xmlns:r="http://schemas.openxmlformats.org/officeDocument/2006/relationships" xmlns:p="http://schemas.openxmlformats.org/presentationml/2006/main">
   <p:cSld>
     <p:spTree>
@@ -1884,7 +1795,7 @@
           <a:lstStyle/>
           <a:p>
             <a:r>
-              <a:rPr lang="en-US" smtClean="0">
+              <a:rPr lang="en-US" dirty="0" smtClean="0">
                 <a:latin typeface="Arial" pitchFamily="34" charset="0"/>
               </a:rPr>
               <a:t>NEW</a:t>
@@ -1918,7 +1829,7 @@
                 <a:latin typeface="Arial" pitchFamily="34" charset="0"/>
               </a:rPr>
               <a:pPr defTabSz="943567"/>
-              <a:t>23</a:t>
+              <a:t>22</a:t>
             </a:fld>
             <a:endParaRPr lang="en-US" dirty="0" smtClean="0">
               <a:solidFill>
@@ -1983,7 +1894,7 @@
           </a:bodyPr>
           <a:lstStyle/>
           <a:p>
-            <a:endParaRPr lang="en-US"/>
+            <a:endParaRPr lang="en-US" dirty="0"/>
           </a:p>
         </p:txBody>
       </p:sp>
@@ -2007,7 +1918,7 @@
               <a:pPr/>
               <a:t>3</a:t>
             </a:fld>
-            <a:endParaRPr lang="en-US"/>
+            <a:endParaRPr lang="en-US" dirty="0"/>
           </a:p>
         </p:txBody>
       </p:sp>
@@ -2065,7 +1976,7 @@
           </a:bodyPr>
           <a:lstStyle/>
           <a:p>
-            <a:endParaRPr lang="en-US"/>
+            <a:endParaRPr lang="en-US" dirty="0"/>
           </a:p>
         </p:txBody>
       </p:sp>
@@ -2089,7 +2000,7 @@
               <a:pPr/>
               <a:t>4</a:t>
             </a:fld>
-            <a:endParaRPr lang="en-US"/>
+            <a:endParaRPr lang="en-US" dirty="0"/>
           </a:p>
         </p:txBody>
       </p:sp>
@@ -2198,31 +2109,7 @@
           <a:p>
             <a:r>
               <a:rPr lang="en-US" dirty="0" smtClean="0"/>
-              <a:t>Shannon expands on </a:t>
-            </a:r>
-            <a:r>
-              <a:rPr lang="en-US" dirty="0" err="1" smtClean="0"/>
-              <a:t>Nyquist</a:t>
-            </a:r>
-            <a:r>
-              <a:rPr lang="en-US" dirty="0" smtClean="0"/>
-              <a:t> ‘s processing power by doubling the C66x DSP core count to 8. This configuration provides a high performing IP Network Transport solution and excels at the layer 2 and even addresses layer 3 processing requirements of wireless base station while offering significantly lower power consumption than traditional GPPs. Layer 2, 3 and IP network/transport Coprocessor for fast path processing along with Linux support are provided in Shannon resulting in an excellent platform for layer 2 and 3 processing. The Shannon and </a:t>
-            </a:r>
-            <a:r>
-              <a:rPr lang="en-US" dirty="0" err="1" smtClean="0"/>
-              <a:t>Nyquist</a:t>
-            </a:r>
-            <a:r>
-              <a:rPr lang="en-US" dirty="0" smtClean="0"/>
-              <a:t> / Turbo </a:t>
-            </a:r>
-            <a:r>
-              <a:rPr lang="en-US" dirty="0" err="1" smtClean="0"/>
-              <a:t>Nyquist</a:t>
-            </a:r>
-            <a:r>
-              <a:rPr lang="en-US" dirty="0" smtClean="0"/>
-              <a:t> combination are ideal for large scale Macro base stations.</a:t>
+              <a:t>Shannon expands on Nyquist ‘s processing power by doubling the C66x DSP core count to 8. This configuration provides a high performing IP Network Transport solution and excels at the layer 2 and even addresses layer 3 processing requirements of wireless base station while offering significantly lower power consumption than traditional GPPs. Layer 2, 3 and IP network/transport Coprocessor for fast path processing along with Linux support are provided in Shannon resulting in an excellent platform for layer 2 and 3 processing. The Shannon and Nyquist / Turbo Nyquist combination are ideal for large scale Macro base stations.</a:t>
             </a:r>
           </a:p>
           <a:p>
@@ -2231,47 +2118,7 @@
           <a:p>
             <a:r>
               <a:rPr lang="en-US" dirty="0" smtClean="0"/>
-              <a:t>Using Hyperlink 50 Shannon can also be configured as an extension of </a:t>
-            </a:r>
-            <a:r>
-              <a:rPr lang="en-US" dirty="0" err="1" smtClean="0"/>
-              <a:t>Nyquist</a:t>
-            </a:r>
-            <a:r>
-              <a:rPr lang="en-US" dirty="0" smtClean="0"/>
-              <a:t> / Turbo </a:t>
-            </a:r>
-            <a:r>
-              <a:rPr lang="en-US" dirty="0" err="1" smtClean="0"/>
-              <a:t>Nyquist</a:t>
-            </a:r>
-            <a:r>
-              <a:rPr lang="en-US" dirty="0" smtClean="0"/>
-              <a:t>. HyperLink 50 is a very low latency (&lt;200ns), high data rate (50 </a:t>
-            </a:r>
-            <a:r>
-              <a:rPr lang="en-US" dirty="0" err="1" smtClean="0"/>
-              <a:t>Gbps</a:t>
-            </a:r>
-            <a:r>
-              <a:rPr lang="en-US" dirty="0" smtClean="0"/>
-              <a:t>) interface which is typically used as a bridge Shannon and Turbo </a:t>
-            </a:r>
-            <a:r>
-              <a:rPr lang="en-US" dirty="0" err="1" smtClean="0"/>
-              <a:t>Nyquist</a:t>
-            </a:r>
-            <a:r>
-              <a:rPr lang="en-US" dirty="0" smtClean="0"/>
-              <a:t>. In addition to its low latency and high data rate this connection is transparent to the software. A Shannon / Turbo </a:t>
-            </a:r>
-            <a:r>
-              <a:rPr lang="en-US" dirty="0" err="1" smtClean="0"/>
-              <a:t>Nyquist</a:t>
-            </a:r>
-            <a:r>
-              <a:rPr lang="en-US" dirty="0" smtClean="0"/>
-              <a:t> pairing can combine into a very high performance 12 core </a:t>
+              <a:t>Using Hyperlink 50 Shannon can also be configured as an extension of Nyquist / Turbo Nyquist. HyperLink 50 is a very low latency (&lt;200ns), high data rate (50 Gbps) interface which is typically used as a bridge Shannon and Turbo Nyquist. In addition to its low latency and high data rate this connection is transparent to the software. A Shannon / Turbo Nyquist pairing can combine into a very high performance 12 core </a:t>
             </a:r>
             <a:r>
               <a:rPr lang="en-US" dirty="0" err="1" smtClean="0"/>
@@ -2869,7 +2716,7 @@
             </a:lvl1pPr>
           </a:lstStyle>
           <a:p>
-            <a:endParaRPr lang="en-US"/>
+            <a:endParaRPr lang="en-US" dirty="0"/>
           </a:p>
         </p:txBody>
       </p:sp>
@@ -2900,7 +2747,7 @@
             </a:lvl1pPr>
           </a:lstStyle>
           <a:p>
-            <a:endParaRPr lang="en-US"/>
+            <a:endParaRPr lang="en-US" dirty="0"/>
           </a:p>
         </p:txBody>
       </p:sp>
@@ -2936,7 +2783,7 @@
               <a:pPr/>
               <a:t>‹#›</a:t>
             </a:fld>
-            <a:endParaRPr lang="en-US"/>
+            <a:endParaRPr lang="en-US" dirty="0"/>
           </a:p>
         </p:txBody>
       </p:sp>
@@ -3013,7 +2860,7 @@
           <a:bodyPr/>
           <a:lstStyle/>
           <a:p>
-            <a:endParaRPr lang="en-US"/>
+            <a:endParaRPr lang="en-US" dirty="0"/>
           </a:p>
         </p:txBody>
       </p:sp>
@@ -3044,7 +2891,7 @@
             </a:lvl1pPr>
           </a:lstStyle>
           <a:p>
-            <a:endParaRPr lang="en-US"/>
+            <a:endParaRPr lang="en-US" dirty="0"/>
           </a:p>
         </p:txBody>
       </p:sp>
@@ -3075,7 +2922,7 @@
             </a:lvl1pPr>
           </a:lstStyle>
           <a:p>
-            <a:endParaRPr lang="en-US"/>
+            <a:endParaRPr lang="en-US" dirty="0"/>
           </a:p>
         </p:txBody>
       </p:sp>
@@ -3111,7 +2958,7 @@
               <a:pPr/>
               <a:t>‹#›</a:t>
             </a:fld>
-            <a:endParaRPr lang="en-US"/>
+            <a:endParaRPr lang="en-US" dirty="0"/>
           </a:p>
         </p:txBody>
       </p:sp>
@@ -3309,7 +3156,7 @@
             </a:lvl1pPr>
           </a:lstStyle>
           <a:p>
-            <a:endParaRPr lang="en-US"/>
+            <a:endParaRPr lang="en-US" dirty="0"/>
           </a:p>
         </p:txBody>
       </p:sp>
@@ -3340,7 +3187,7 @@
             </a:lvl1pPr>
           </a:lstStyle>
           <a:p>
-            <a:endParaRPr lang="en-US"/>
+            <a:endParaRPr lang="en-US" dirty="0"/>
           </a:p>
         </p:txBody>
       </p:sp>
@@ -3376,7 +3223,7 @@
               <a:pPr/>
               <a:t>‹#›</a:t>
             </a:fld>
-            <a:endParaRPr lang="en-US"/>
+            <a:endParaRPr lang="en-US" dirty="0"/>
           </a:p>
         </p:txBody>
       </p:sp>
@@ -3565,7 +3412,7 @@
               </a:spcAft>
               <a:defRPr/>
             </a:pPr>
-            <a:endParaRPr lang="en-US">
+            <a:endParaRPr lang="en-US" dirty="0">
               <a:solidFill>
                 <a:srgbClr val="000000"/>
               </a:solidFill>
@@ -4131,23 +3978,7 @@
                   <a:schemeClr val="tx1"/>
                 </a:solidFill>
               </a:rPr>
-              <a:t>Keystone </a:t>
-            </a:r>
-            <a:r>
-              <a:rPr lang="en-US" dirty="0" err="1" smtClean="0">
-                <a:solidFill>
-                  <a:schemeClr val="tx1"/>
-                </a:solidFill>
-              </a:rPr>
-              <a:t>PCIe</a:t>
-            </a:r>
-            <a:r>
-              <a:rPr lang="en-US" dirty="0" smtClean="0">
-                <a:solidFill>
-                  <a:schemeClr val="tx1"/>
-                </a:solidFill>
-              </a:rPr>
-              <a:t> Usage</a:t>
+              <a:t>Keystone PCIe Usage</a:t>
             </a:r>
             <a:endParaRPr lang="en-US" dirty="0">
               <a:solidFill>
@@ -4173,12 +4004,12 @@
           <a:lstStyle/>
           <a:p>
             <a:r>
-              <a:rPr lang="en-US"/>
+              <a:rPr lang="en-US" dirty="0"/>
               <a:t>Eric Ding</a:t>
             </a:r>
           </a:p>
           <a:p>
-            <a:endParaRPr lang="en-US"/>
+            <a:endParaRPr lang="en-US" dirty="0"/>
           </a:p>
         </p:txBody>
       </p:sp>
@@ -4230,9 +4061,98 @@
           <a:lstStyle/>
           <a:p>
             <a:r>
-              <a:rPr lang="en-US"/>
-              <a:t>Outbound Translation - 2</a:t>
+              <a:rPr lang="en-US" dirty="0"/>
+              <a:t>Outbound Translation - </a:t>
             </a:r>
+            <a:r>
+              <a:rPr lang="en-US" dirty="0" smtClean="0"/>
+              <a:t>2</a:t>
+            </a:r>
+            <a:endParaRPr lang="en-US" dirty="0"/>
+          </a:p>
+        </p:txBody>
+      </p:sp>
+      <p:pic>
+        <p:nvPicPr>
+          <p:cNvPr id="273410" name="Picture 2"/>
+          <p:cNvPicPr>
+            <a:picLocks noChangeAspect="1" noChangeArrowheads="1"/>
+          </p:cNvPicPr>
+          <p:nvPr/>
+        </p:nvPicPr>
+        <p:blipFill>
+          <a:blip r:embed="rId3" cstate="print"/>
+          <a:srcRect/>
+          <a:stretch>
+            <a:fillRect/>
+          </a:stretch>
+        </p:blipFill>
+        <p:spPr bwMode="auto">
+          <a:xfrm>
+            <a:off x="414338" y="1700213"/>
+            <a:ext cx="8315325" cy="3457575"/>
+          </a:xfrm>
+          <a:prstGeom prst="rect">
+            <a:avLst/>
+          </a:prstGeom>
+          <a:noFill/>
+          <a:ln w="9525">
+            <a:noFill/>
+            <a:miter lim="800000"/>
+            <a:headEnd/>
+            <a:tailEnd/>
+          </a:ln>
+        </p:spPr>
+      </p:pic>
+    </p:spTree>
+  </p:cSld>
+  <p:clrMapOvr>
+    <a:masterClrMapping/>
+  </p:clrMapOvr>
+</p:sld>
+</file>
+
+<file path=ppt/slides/slide11.xml><?xml version="1.0" encoding="utf-8"?>
+<p:sld xmlns:a="http://schemas.openxmlformats.org/drawingml/2006/main" xmlns:r="http://schemas.openxmlformats.org/officeDocument/2006/relationships" xmlns:p="http://schemas.openxmlformats.org/presentationml/2006/main">
+  <p:cSld>
+    <p:spTree>
+      <p:nvGrpSpPr>
+        <p:cNvPr id="1" name=""/>
+        <p:cNvGrpSpPr/>
+        <p:nvPr/>
+      </p:nvGrpSpPr>
+      <p:grpSpPr>
+        <a:xfrm>
+          <a:off x="0" y="0"/>
+          <a:ext cx="0" cy="0"/>
+          <a:chOff x="0" y="0"/>
+          <a:chExt cx="0" cy="0"/>
+        </a:xfrm>
+      </p:grpSpPr>
+      <p:sp>
+        <p:nvSpPr>
+          <p:cNvPr id="257026" name="Rectangle 2"/>
+          <p:cNvSpPr>
+            <a:spLocks noGrp="1" noChangeArrowheads="1"/>
+          </p:cNvSpPr>
+          <p:nvPr>
+            <p:ph type="title"/>
+          </p:nvPr>
+        </p:nvSpPr>
+        <p:spPr/>
+        <p:txBody>
+          <a:bodyPr/>
+          <a:lstStyle/>
+          <a:p>
+            <a:r>
+              <a:rPr lang="en-US" dirty="0"/>
+              <a:t>Outbound Translation - </a:t>
+            </a:r>
+            <a:r>
+              <a:rPr lang="en-US" dirty="0" smtClean="0"/>
+              <a:t>3</a:t>
+            </a:r>
+            <a:endParaRPr lang="en-US" dirty="0"/>
           </a:p>
         </p:txBody>
       </p:sp>
@@ -5666,16 +5586,9 @@
             </a:pPr>
             <a:r>
               <a:rPr lang="en-US" dirty="0"/>
-              <a:t>OB_SIZE: 1 MB; OB_OFFSET_INDEX0 = 0x9000_0001; OB_OFFSET0_HI = 0x0; PCIE data space address: 0x6001_5678; What is the translated </a:t>
+              <a:t>OB_SIZE: 1 MB; </a:t>
             </a:r>
-            <a:r>
-              <a:rPr lang="en-US" dirty="0" smtClean="0"/>
-              <a:t>PCIe </a:t>
-            </a:r>
-            <a:r>
-              <a:rPr lang="en-US" dirty="0"/>
-              <a:t>address?</a:t>
-            </a:r>
+            <a:endParaRPr lang="en-US" dirty="0" smtClean="0"/>
           </a:p>
           <a:p>
             <a:pPr marL="742950" lvl="1" indent="-285750">
@@ -5689,8 +5602,246 @@
               <a:buChar char="–"/>
             </a:pPr>
             <a:r>
+              <a:rPr lang="en-US" dirty="0" smtClean="0"/>
+              <a:t>OB_OFFSET_INDEX0 </a:t>
+            </a:r>
+            <a:r>
               <a:rPr lang="en-US" dirty="0"/>
-              <a:t>Calculation:</a:t>
+              <a:t>= 0x9000_0001; </a:t>
+            </a:r>
+            <a:endParaRPr lang="en-US" dirty="0" smtClean="0"/>
+          </a:p>
+          <a:p>
+            <a:pPr marL="742950" lvl="1" indent="-285750">
+              <a:lnSpc>
+                <a:spcPct val="90000"/>
+              </a:lnSpc>
+              <a:spcBef>
+                <a:spcPct val="20000"/>
+              </a:spcBef>
+              <a:buFontTx/>
+              <a:buChar char="–"/>
+            </a:pPr>
+            <a:r>
+              <a:rPr lang="en-US" dirty="0" smtClean="0"/>
+              <a:t>OB_OFFSET0_HI </a:t>
+            </a:r>
+            <a:r>
+              <a:rPr lang="en-US" dirty="0"/>
+              <a:t>= 0x0; </a:t>
+            </a:r>
+            <a:endParaRPr lang="en-US" dirty="0" smtClean="0"/>
+          </a:p>
+          <a:p>
+            <a:pPr marL="742950" lvl="1" indent="-285750">
+              <a:lnSpc>
+                <a:spcPct val="90000"/>
+              </a:lnSpc>
+              <a:spcBef>
+                <a:spcPct val="20000"/>
+              </a:spcBef>
+              <a:buFontTx/>
+              <a:buChar char="–"/>
+            </a:pPr>
+            <a:r>
+              <a:rPr lang="en-US" dirty="0" smtClean="0"/>
+              <a:t>PCIE </a:t>
+            </a:r>
+            <a:r>
+              <a:rPr lang="en-US" dirty="0"/>
+              <a:t>data space address: 0x6001_5678; </a:t>
+            </a:r>
+            <a:endParaRPr lang="en-US" dirty="0" smtClean="0"/>
+          </a:p>
+          <a:p>
+            <a:pPr marL="742950" lvl="1" indent="-285750">
+              <a:lnSpc>
+                <a:spcPct val="90000"/>
+              </a:lnSpc>
+              <a:spcBef>
+                <a:spcPct val="20000"/>
+              </a:spcBef>
+              <a:buFontTx/>
+              <a:buChar char="–"/>
+            </a:pPr>
+            <a:endParaRPr lang="en-US" dirty="0" smtClean="0"/>
+          </a:p>
+          <a:p>
+            <a:pPr marL="285750" indent="-285750">
+              <a:lnSpc>
+                <a:spcPct val="90000"/>
+              </a:lnSpc>
+              <a:spcBef>
+                <a:spcPct val="20000"/>
+              </a:spcBef>
+              <a:buFontTx/>
+              <a:buChar char="–"/>
+            </a:pPr>
+            <a:r>
+              <a:rPr lang="en-US" dirty="0" smtClean="0"/>
+              <a:t>What </a:t>
+            </a:r>
+            <a:r>
+              <a:rPr lang="en-US" dirty="0"/>
+              <a:t>is the translated </a:t>
+            </a:r>
+            <a:r>
+              <a:rPr lang="en-US" dirty="0" smtClean="0"/>
+              <a:t>PCIe </a:t>
+            </a:r>
+            <a:r>
+              <a:rPr lang="en-US" dirty="0"/>
+              <a:t>address</a:t>
+            </a:r>
+            <a:r>
+              <a:rPr lang="en-US" dirty="0" smtClean="0"/>
+              <a:t>?</a:t>
+            </a:r>
+            <a:endParaRPr lang="en-US" dirty="0"/>
+          </a:p>
+        </p:txBody>
+      </p:sp>
+    </p:spTree>
+  </p:cSld>
+  <p:clrMapOvr>
+    <a:masterClrMapping/>
+  </p:clrMapOvr>
+</p:sld>
+</file>
+
+<file path=ppt/slides/slide12.xml><?xml version="1.0" encoding="utf-8"?>
+<p:sld xmlns:a="http://schemas.openxmlformats.org/drawingml/2006/main" xmlns:r="http://schemas.openxmlformats.org/officeDocument/2006/relationships" xmlns:p="http://schemas.openxmlformats.org/presentationml/2006/main">
+  <p:cSld>
+    <p:spTree>
+      <p:nvGrpSpPr>
+        <p:cNvPr id="1" name=""/>
+        <p:cNvGrpSpPr/>
+        <p:nvPr/>
+      </p:nvGrpSpPr>
+      <p:grpSpPr>
+        <a:xfrm>
+          <a:off x="0" y="0"/>
+          <a:ext cx="0" cy="0"/>
+          <a:chOff x="0" y="0"/>
+          <a:chExt cx="0" cy="0"/>
+        </a:xfrm>
+      </p:grpSpPr>
+      <p:sp>
+        <p:nvSpPr>
+          <p:cNvPr id="257026" name="Rectangle 2"/>
+          <p:cNvSpPr>
+            <a:spLocks noGrp="1" noChangeArrowheads="1"/>
+          </p:cNvSpPr>
+          <p:nvPr>
+            <p:ph type="title"/>
+          </p:nvPr>
+        </p:nvSpPr>
+        <p:spPr/>
+        <p:txBody>
+          <a:bodyPr/>
+          <a:lstStyle/>
+          <a:p>
+            <a:r>
+              <a:rPr lang="en-US" dirty="0"/>
+              <a:t>Outbound Translation - </a:t>
+            </a:r>
+            <a:r>
+              <a:rPr lang="en-US" dirty="0" smtClean="0"/>
+              <a:t>4</a:t>
+            </a:r>
+            <a:endParaRPr lang="en-US" dirty="0"/>
+          </a:p>
+        </p:txBody>
+      </p:sp>
+      <p:sp>
+        <p:nvSpPr>
+          <p:cNvPr id="257102" name="Rectangle 78"/>
+          <p:cNvSpPr>
+            <a:spLocks noChangeArrowheads="1"/>
+          </p:cNvSpPr>
+          <p:nvPr/>
+        </p:nvSpPr>
+        <p:spPr bwMode="auto">
+          <a:xfrm>
+            <a:off x="512763" y="1161288"/>
+            <a:ext cx="8467725" cy="4937887"/>
+          </a:xfrm>
+          <a:prstGeom prst="rect">
+            <a:avLst/>
+          </a:prstGeom>
+          <a:noFill/>
+          <a:ln w="9525">
+            <a:noFill/>
+            <a:miter lim="800000"/>
+            <a:headEnd/>
+            <a:tailEnd/>
+          </a:ln>
+          <a:effectLst/>
+        </p:spPr>
+        <p:txBody>
+          <a:bodyPr lIns="91350" tIns="45677" rIns="91350" bIns="45677"/>
+          <a:lstStyle/>
+          <a:p>
+            <a:pPr marL="342900" indent="-342900">
+              <a:lnSpc>
+                <a:spcPct val="90000"/>
+              </a:lnSpc>
+              <a:spcBef>
+                <a:spcPct val="20000"/>
+              </a:spcBef>
+              <a:buFontTx/>
+              <a:buChar char="•"/>
+            </a:pPr>
+            <a:r>
+              <a:rPr lang="en-US" altLang="zh-CN" sz="2400" dirty="0" smtClean="0">
+                <a:ea typeface="宋体" charset="-122"/>
+              </a:rPr>
+              <a:t>Example continues:</a:t>
+            </a:r>
+          </a:p>
+          <a:p>
+            <a:pPr marL="342900" indent="-342900">
+              <a:lnSpc>
+                <a:spcPct val="90000"/>
+              </a:lnSpc>
+              <a:spcBef>
+                <a:spcPct val="20000"/>
+              </a:spcBef>
+            </a:pPr>
+            <a:endParaRPr lang="en-US" altLang="zh-CN" sz="2400" dirty="0">
+              <a:ea typeface="宋体" charset="-122"/>
+            </a:endParaRPr>
+          </a:p>
+          <a:p>
+            <a:pPr marL="685800" lvl="1" indent="-228600">
+              <a:lnSpc>
+                <a:spcPct val="90000"/>
+              </a:lnSpc>
+              <a:spcBef>
+                <a:spcPct val="20000"/>
+              </a:spcBef>
+              <a:buFontTx/>
+              <a:buChar char="•"/>
+            </a:pPr>
+            <a:r>
+              <a:rPr lang="en-US" sz="1600" dirty="0" smtClean="0"/>
+              <a:t>Because OB_SIZE </a:t>
+            </a:r>
+            <a:r>
+              <a:rPr lang="en-US" sz="1600" dirty="0"/>
+              <a:t>=  1 MB ==</a:t>
+            </a:r>
+            <a:r>
+              <a:rPr lang="en-US" sz="1600" dirty="0">
+                <a:sym typeface="Wingdings" pitchFamily="2" charset="2"/>
+              </a:rPr>
+              <a:t> using bit [24:20] for region </a:t>
+            </a:r>
+            <a:r>
+              <a:rPr lang="en-US" sz="1600" dirty="0" smtClean="0">
+                <a:sym typeface="Wingdings" pitchFamily="2" charset="2"/>
+              </a:rPr>
+              <a:t>indexing</a:t>
             </a:r>
           </a:p>
           <a:p>
@@ -5705,19 +5856,25 @@
               <a:buChar char="•"/>
             </a:pPr>
             <a:r>
-              <a:rPr lang="en-US" sz="1600" dirty="0"/>
-              <a:t>OB_SIZE =  1 MB ==</a:t>
-            </a:r>
-            <a:r>
-              <a:rPr lang="en-US" sz="1600" dirty="0">
+              <a:rPr lang="en-US" sz="1600" dirty="0" smtClean="0">
                 <a:sym typeface="Wingdings" pitchFamily="2" charset="2"/>
               </a:rPr>
-              <a:t> using bit [24:20] for region indexing</a:t>
+              <a:t>Thus the index region is 0, and the next 20 bits – bit 0 to 19 determine the offset into the region</a:t>
             </a:r>
+          </a:p>
+          <a:p>
+            <a:pPr marL="1143000" lvl="2" indent="-228600">
+              <a:lnSpc>
+                <a:spcPct val="90000"/>
+              </a:lnSpc>
+              <a:spcBef>
+                <a:spcPct val="20000"/>
+              </a:spcBef>
+            </a:pPr>
             <a:endParaRPr lang="en-US" sz="1600" dirty="0"/>
           </a:p>
           <a:p>
-            <a:pPr marL="1143000" lvl="2" indent="-228600">
+            <a:pPr marL="685800" lvl="1" indent="-228600">
               <a:lnSpc>
                 <a:spcPct val="90000"/>
               </a:lnSpc>
@@ -5728,18 +5885,16 @@
               <a:buChar char="•"/>
             </a:pPr>
             <a:r>
-              <a:rPr lang="en-US" sz="1600" dirty="0"/>
-              <a:t>Bits [24:20] of 0x6001_5678 = 00000b = 0 ==</a:t>
-            </a:r>
-            <a:r>
-              <a:rPr lang="en-US" sz="1600" dirty="0">
-                <a:sym typeface="Wingdings" pitchFamily="2" charset="2"/>
-              </a:rPr>
-              <a:t> </a:t>
+              <a:rPr lang="en-US" sz="1600" dirty="0" smtClean="0"/>
+              <a:t>Using </a:t>
             </a:r>
             <a:r>
               <a:rPr lang="en-US" sz="1600" dirty="0"/>
-              <a:t>so Region 0</a:t>
+              <a:t>OB_OFFSET_INDEX0 and </a:t>
+            </a:r>
+            <a:r>
+              <a:rPr lang="en-US" sz="1600" dirty="0" smtClean="0"/>
+              <a:t>OB_OFFSET0_HI</a:t>
             </a:r>
           </a:p>
           <a:p>
@@ -5754,12 +5909,48 @@
               <a:buChar char="•"/>
             </a:pPr>
             <a:r>
-              <a:rPr lang="en-US" sz="1600" dirty="0"/>
-              <a:t>Using OB_OFFSET_INDEX0 and OB_OFFSET0_HI</a:t>
+              <a:rPr lang="en-US" sz="1600" dirty="0" smtClean="0"/>
+              <a:t>The region upper base address is the OB_OFFSET0_HI = 0 and the upper 12 bits of the OB_OFFSET_INDEX0 register is bits 31:20 of the base address, so the combined based address of region 0 is </a:t>
             </a:r>
           </a:p>
           <a:p>
             <a:pPr marL="1143000" lvl="2" indent="-228600">
+              <a:lnSpc>
+                <a:spcPct val="90000"/>
+              </a:lnSpc>
+              <a:spcBef>
+                <a:spcPct val="20000"/>
+              </a:spcBef>
+            </a:pPr>
+            <a:r>
+              <a:rPr lang="en-US" sz="1600" dirty="0" smtClean="0"/>
+              <a:t>0x0000 0000   900 X  XXXX</a:t>
+            </a:r>
+          </a:p>
+          <a:p>
+            <a:pPr marL="1143000" lvl="2" indent="-228600">
+              <a:lnSpc>
+                <a:spcPct val="90000"/>
+              </a:lnSpc>
+              <a:spcBef>
+                <a:spcPct val="20000"/>
+              </a:spcBef>
+            </a:pPr>
+            <a:endParaRPr lang="en-US" sz="1600" dirty="0" smtClean="0"/>
+          </a:p>
+          <a:p>
+            <a:pPr marL="1143000" lvl="2" indent="-228600">
+              <a:lnSpc>
+                <a:spcPct val="90000"/>
+              </a:lnSpc>
+              <a:spcBef>
+                <a:spcPct val="20000"/>
+              </a:spcBef>
+            </a:pPr>
+            <a:endParaRPr lang="en-US" sz="1600" dirty="0"/>
+          </a:p>
+          <a:p>
+            <a:pPr marL="685800" lvl="1" indent="-228600">
               <a:lnSpc>
                 <a:spcPct val="90000"/>
               </a:lnSpc>
@@ -5792,7 +5983,7 @@
 </p:sld>
 </file>
 
-<file path=ppt/slides/slide11.xml><?xml version="1.0" encoding="utf-8"?>
+<file path=ppt/slides/slide13.xml><?xml version="1.0" encoding="utf-8"?>
 <p:sld xmlns:a="http://schemas.openxmlformats.org/drawingml/2006/main" xmlns:r="http://schemas.openxmlformats.org/officeDocument/2006/relationships" xmlns:p="http://schemas.openxmlformats.org/presentationml/2006/main">
   <p:cSld>
     <p:spTree>
@@ -5825,7 +6016,7 @@
           <a:lstStyle/>
           <a:p>
             <a:r>
-              <a:rPr lang="en-US"/>
+              <a:rPr lang="en-US" dirty="0"/>
               <a:t>Inbound Translation - 1</a:t>
             </a:r>
           </a:p>
@@ -5861,7 +6052,11 @@
             </a:r>
             <a:r>
               <a:rPr lang="en-US" sz="2400" dirty="0"/>
-              <a:t> register</a:t>
+              <a:t> </a:t>
+            </a:r>
+            <a:r>
+              <a:rPr lang="en-US" sz="2400" dirty="0" smtClean="0"/>
+              <a:t>register</a:t>
             </a:r>
           </a:p>
           <a:p>
@@ -5871,10 +6066,8 @@
               </a:lnSpc>
             </a:pPr>
             <a:r>
-              <a:rPr lang="en-US" altLang="zh-CN" sz="2400" dirty="0">
-                <a:ea typeface="宋体" charset="-122"/>
-              </a:rPr>
-              <a:t>Registers for IB</a:t>
+              <a:rPr lang="en-US" sz="2400" dirty="0" smtClean="0"/>
+              <a:t>During negotiation, the RC and the EP exchange memory requests. These values are saved in the BAR registers</a:t>
             </a:r>
           </a:p>
           <a:p>
@@ -5884,12 +6077,12 @@
               </a:lnSpc>
             </a:pPr>
             <a:r>
-              <a:rPr lang="en-US" sz="2000" b="1" dirty="0" err="1"/>
+              <a:rPr lang="en-US" sz="2000" b="1" dirty="0" err="1" smtClean="0"/>
               <a:t>BARn</a:t>
             </a:r>
             <a:r>
-              <a:rPr lang="en-US" sz="2000" dirty="0"/>
-              <a:t>: two BARs (BAR0~1) in RC mode and six BARs (BAR0~5) in EP mode; overlay with BAR mask</a:t>
+              <a:rPr lang="en-US" sz="2000" dirty="0" smtClean="0"/>
+              <a:t>: two BARs (BAR0~1) in RC mode and six BARs (BAR0~5) in EP mode;  Each register overlays initial address and MASK (based on DBI_CS2 bit in the CMD_STATUS register)</a:t>
             </a:r>
           </a:p>
           <a:p>
@@ -5899,120 +6092,28 @@
               </a:lnSpc>
             </a:pPr>
             <a:r>
-              <a:rPr lang="en-US" sz="2000" dirty="0"/>
-              <a:t>Four IB regions</a:t>
+              <a:rPr lang="en-US" sz="2000" dirty="0" smtClean="0"/>
+              <a:t>BAR0 cannot be remapped to any other location than to PCIe application registers (starting from 0x2180_0000 in KeyStone device). It allows the RC device to control EP in the absence of dedicated software running on EP</a:t>
             </a:r>
           </a:p>
           <a:p>
-            <a:pPr lvl="2">
+            <a:pPr>
               <a:lnSpc>
                 <a:spcPct val="90000"/>
               </a:lnSpc>
             </a:pPr>
             <a:r>
-              <a:rPr lang="en-US" sz="1800" b="1" dirty="0" err="1"/>
-              <a:t>IB_BARn</a:t>
-            </a:r>
-            <a:r>
-              <a:rPr lang="en-US" sz="1800" dirty="0"/>
-              <a:t>: which BAR for inbound transaction</a:t>
+              <a:rPr lang="en-US" sz="2400" dirty="0" smtClean="0"/>
+              <a:t>During initialization, the values in the BAR are used to build (up to) four memory regions.</a:t>
             </a:r>
           </a:p>
           <a:p>
-            <a:pPr lvl="2">
+            <a:pPr>
               <a:lnSpc>
                 <a:spcPct val="90000"/>
               </a:lnSpc>
             </a:pPr>
-            <a:r>
-              <a:rPr lang="en-US" sz="1800" b="1" dirty="0" err="1"/>
-              <a:t>IB_STARTn_LO</a:t>
-            </a:r>
-            <a:r>
-              <a:rPr lang="en-US" sz="1800" dirty="0"/>
-              <a:t>: the starting address bits [31:0] in </a:t>
-            </a:r>
-            <a:r>
-              <a:rPr lang="en-US" sz="1800" dirty="0" smtClean="0"/>
-              <a:t>PCIe </a:t>
-            </a:r>
-            <a:r>
-              <a:rPr lang="en-US" sz="1800" dirty="0"/>
-              <a:t>address</a:t>
-            </a:r>
-          </a:p>
-          <a:p>
-            <a:pPr lvl="2">
-              <a:lnSpc>
-                <a:spcPct val="90000"/>
-              </a:lnSpc>
-            </a:pPr>
-            <a:r>
-              <a:rPr lang="en-US" sz="1800" b="1" dirty="0" err="1"/>
-              <a:t>IB_STARTn_HI</a:t>
-            </a:r>
-            <a:r>
-              <a:rPr lang="en-US" sz="1800" b="1" dirty="0"/>
-              <a:t>:</a:t>
-            </a:r>
-            <a:r>
-              <a:rPr lang="en-US" sz="1800" dirty="0"/>
-              <a:t> the starting address bits [63:32] in </a:t>
-            </a:r>
-            <a:r>
-              <a:rPr lang="en-US" sz="1800" dirty="0" smtClean="0"/>
-              <a:t>PCIe </a:t>
-            </a:r>
-            <a:r>
-              <a:rPr lang="en-US" sz="1800" dirty="0"/>
-              <a:t>address</a:t>
-            </a:r>
-          </a:p>
-          <a:p>
-            <a:pPr lvl="2">
-              <a:lnSpc>
-                <a:spcPct val="90000"/>
-              </a:lnSpc>
-            </a:pPr>
-            <a:r>
-              <a:rPr lang="en-US" sz="1800" b="1" dirty="0" err="1"/>
-              <a:t>IB_OFFSETn</a:t>
-            </a:r>
-            <a:r>
-              <a:rPr lang="en-US" sz="1800" b="1" dirty="0"/>
-              <a:t>:</a:t>
-            </a:r>
-            <a:r>
-              <a:rPr lang="en-US" sz="1800" dirty="0"/>
-              <a:t> the internal bus address that will be the starting point of the mapped or translated </a:t>
-            </a:r>
-            <a:r>
-              <a:rPr lang="en-US" sz="1800" dirty="0" smtClean="0"/>
-              <a:t>PCIe </a:t>
-            </a:r>
-            <a:r>
-              <a:rPr lang="en-US" sz="1800" dirty="0"/>
-              <a:t>address region</a:t>
-            </a:r>
-          </a:p>
-          <a:p>
-            <a:pPr lvl="1">
-              <a:lnSpc>
-                <a:spcPct val="90000"/>
-              </a:lnSpc>
-            </a:pPr>
-            <a:r>
-              <a:rPr lang="en-US" sz="2000" dirty="0"/>
-              <a:t>BAR0 cannot be remapped to any other location than to </a:t>
-            </a:r>
-            <a:r>
-              <a:rPr lang="en-US" sz="2000" dirty="0" smtClean="0"/>
-              <a:t>PCIe </a:t>
-            </a:r>
-            <a:r>
-              <a:rPr lang="en-US" sz="2000" dirty="0"/>
-              <a:t>application registers (starting from 0x2180_0000 in KeyStone device). It allows the RC device to control EP in the absence of dedicated software running on EP.</a:t>
-            </a:r>
+            <a:endParaRPr lang="en-US" sz="2400" dirty="0"/>
           </a:p>
         </p:txBody>
       </p:sp>
@@ -6024,7 +6125,190 @@
 </p:sld>
 </file>
 
-<file path=ppt/slides/slide12.xml><?xml version="1.0" encoding="utf-8"?>
+<file path=ppt/slides/slide14.xml><?xml version="1.0" encoding="utf-8"?>
+<p:sld xmlns:a="http://schemas.openxmlformats.org/drawingml/2006/main" xmlns:r="http://schemas.openxmlformats.org/officeDocument/2006/relationships" xmlns:p="http://schemas.openxmlformats.org/presentationml/2006/main">
+  <p:cSld>
+    <p:spTree>
+      <p:nvGrpSpPr>
+        <p:cNvPr id="1" name=""/>
+        <p:cNvGrpSpPr/>
+        <p:nvPr/>
+      </p:nvGrpSpPr>
+      <p:grpSpPr>
+        <a:xfrm>
+          <a:off x="0" y="0"/>
+          <a:ext cx="0" cy="0"/>
+          <a:chOff x="0" y="0"/>
+          <a:chExt cx="0" cy="0"/>
+        </a:xfrm>
+      </p:grpSpPr>
+      <p:sp>
+        <p:nvSpPr>
+          <p:cNvPr id="259074" name="Rectangle 2"/>
+          <p:cNvSpPr>
+            <a:spLocks noGrp="1" noChangeArrowheads="1"/>
+          </p:cNvSpPr>
+          <p:nvPr>
+            <p:ph type="title"/>
+          </p:nvPr>
+        </p:nvSpPr>
+        <p:spPr/>
+        <p:txBody>
+          <a:bodyPr/>
+          <a:lstStyle/>
+          <a:p>
+            <a:r>
+              <a:rPr lang="en-US" dirty="0"/>
+              <a:t>Inbound Translation - </a:t>
+            </a:r>
+            <a:r>
+              <a:rPr lang="en-US" dirty="0" smtClean="0"/>
+              <a:t>2</a:t>
+            </a:r>
+            <a:endParaRPr lang="en-US" dirty="0"/>
+          </a:p>
+        </p:txBody>
+      </p:sp>
+      <p:sp>
+        <p:nvSpPr>
+          <p:cNvPr id="259075" name="Rectangle 3"/>
+          <p:cNvSpPr>
+            <a:spLocks noGrp="1" noChangeArrowheads="1"/>
+          </p:cNvSpPr>
+          <p:nvPr>
+            <p:ph idx="1"/>
+          </p:nvPr>
+        </p:nvSpPr>
+        <p:spPr/>
+        <p:txBody>
+          <a:bodyPr/>
+          <a:lstStyle/>
+          <a:p>
+            <a:pPr>
+              <a:lnSpc>
+                <a:spcPct val="90000"/>
+              </a:lnSpc>
+            </a:pPr>
+            <a:r>
+              <a:rPr lang="en-US" sz="2400" dirty="0" smtClean="0"/>
+              <a:t>Each memory region has the following </a:t>
+            </a:r>
+          </a:p>
+          <a:p>
+            <a:pPr>
+              <a:lnSpc>
+                <a:spcPct val="90000"/>
+              </a:lnSpc>
+            </a:pPr>
+            <a:endParaRPr lang="en-US" sz="2000" dirty="0" smtClean="0"/>
+          </a:p>
+          <a:p>
+            <a:pPr lvl="1"/>
+            <a:r>
+              <a:rPr lang="en-US" sz="2000" dirty="0" smtClean="0"/>
+              <a:t>IB_BAR Inbound Translation Match Register </a:t>
+            </a:r>
+            <a:r>
+              <a:rPr lang="en-US" sz="2000" dirty="0" smtClean="0"/>
+              <a:t>(write </a:t>
+            </a:r>
+            <a:r>
+              <a:rPr lang="en-US" sz="2000" dirty="0" smtClean="0"/>
+              <a:t>the  MASK </a:t>
+            </a:r>
+            <a:r>
+              <a:rPr lang="en-US" sz="2000" dirty="0" smtClean="0"/>
+              <a:t>into IB_BAR, read gives the BAR set number)</a:t>
+            </a:r>
+            <a:endParaRPr lang="en-US" sz="2000" dirty="0" smtClean="0"/>
+          </a:p>
+          <a:p>
+            <a:pPr lvl="1"/>
+            <a:r>
+              <a:rPr lang="en-US" sz="2000" dirty="0" smtClean="0"/>
+              <a:t>IB_START_LO Inbound Translation Start Address Low Register</a:t>
+            </a:r>
+          </a:p>
+          <a:p>
+            <a:pPr lvl="1"/>
+            <a:r>
+              <a:rPr lang="en-US" sz="2000" dirty="0" smtClean="0"/>
+              <a:t>IB_START_HI Inbound Translation  Start Address High Register</a:t>
+            </a:r>
+          </a:p>
+          <a:p>
+            <a:pPr lvl="1"/>
+            <a:r>
+              <a:rPr lang="en-US" sz="2000" dirty="0" smtClean="0"/>
+              <a:t>IB_OFFSET Inbound Translation device base address</a:t>
+            </a:r>
+          </a:p>
+          <a:p>
+            <a:pPr lvl="1"/>
+            <a:endParaRPr lang="en-US" sz="2000" dirty="0" smtClean="0"/>
+          </a:p>
+          <a:p>
+            <a:r>
+              <a:rPr lang="en-US" sz="2400" dirty="0" smtClean="0"/>
+              <a:t>For inbound address A that arrives the following happens:</a:t>
+            </a:r>
+          </a:p>
+          <a:p>
+            <a:pPr lvl="2"/>
+            <a:r>
+              <a:rPr lang="en-US" sz="1600" dirty="0" smtClean="0"/>
+              <a:t>Using a IB_BAR MASK register, A is compared with the low and high address to see if there is a match</a:t>
+            </a:r>
+          </a:p>
+          <a:p>
+            <a:pPr lvl="2"/>
+            <a:r>
+              <a:rPr lang="en-US" sz="1600" dirty="0" smtClean="0"/>
+              <a:t>If there is no match, the address is rejected</a:t>
+            </a:r>
+          </a:p>
+          <a:p>
+            <a:pPr lvl="2"/>
+            <a:r>
+              <a:rPr lang="en-US" sz="1600" dirty="0" smtClean="0"/>
+              <a:t>If there is a match, the internal device address is calculated as follows:</a:t>
+            </a:r>
+          </a:p>
+          <a:p>
+            <a:pPr lvl="2">
+              <a:buNone/>
+            </a:pPr>
+            <a:r>
+              <a:rPr lang="en-US" sz="1600" dirty="0" smtClean="0"/>
+              <a:t>The difference between A – IB_START (64 bit, high and low) is calculated</a:t>
+            </a:r>
+          </a:p>
+          <a:p>
+            <a:pPr lvl="2">
+              <a:buNone/>
+            </a:pPr>
+            <a:r>
+              <a:rPr lang="en-US" sz="1600" dirty="0" smtClean="0"/>
+              <a:t>The result is added to the device base address </a:t>
+            </a:r>
+          </a:p>
+          <a:p>
+            <a:pPr lvl="2">
+              <a:buNone/>
+            </a:pPr>
+            <a:endParaRPr lang="en-US" sz="1600" dirty="0"/>
+          </a:p>
+        </p:txBody>
+      </p:sp>
+    </p:spTree>
+  </p:cSld>
+  <p:clrMapOvr>
+    <a:masterClrMapping/>
+  </p:clrMapOvr>
+</p:sld>
+</file>
+
+<file path=ppt/slides/slide15.xml><?xml version="1.0" encoding="utf-8"?>
 <p:sld xmlns:a="http://schemas.openxmlformats.org/drawingml/2006/main" xmlns:r="http://schemas.openxmlformats.org/officeDocument/2006/relationships" xmlns:p="http://schemas.openxmlformats.org/presentationml/2006/main">
   <p:cSld>
     <p:spTree>
@@ -6057,9 +6341,14 @@
           <a:lstStyle/>
           <a:p>
             <a:r>
-              <a:rPr lang="en-US"/>
-              <a:t>Inbound Translation - 2</a:t>
+              <a:rPr lang="en-US" dirty="0"/>
+              <a:t>Inbound Translation - </a:t>
             </a:r>
+            <a:r>
+              <a:rPr lang="en-US" dirty="0" smtClean="0"/>
+              <a:t>3</a:t>
+            </a:r>
+            <a:endParaRPr lang="en-US" dirty="0"/>
           </a:p>
         </p:txBody>
       </p:sp>
@@ -6089,37 +6378,195 @@
               <a:rPr lang="en-US" altLang="zh-CN" dirty="0">
                 <a:ea typeface="宋体" charset="-122"/>
               </a:rPr>
-              <a:t>For a 32-bit BAR, BAR1 = 0xF740_0000; IB_BAR0 = 1; IB_START0_LO = 0xF740_0000; IB_START0_HI = 0x0; IB_OFFSET0 = 0x1080_0000 </a:t>
+              <a:t>For a 32-bit BAR, </a:t>
+            </a:r>
+            <a:endParaRPr lang="en-US" altLang="zh-CN" dirty="0" smtClean="0">
+              <a:ea typeface="宋体" charset="-122"/>
+            </a:endParaRPr>
+          </a:p>
+          <a:p>
+            <a:pPr lvl="1"/>
+            <a:r>
+              <a:rPr lang="en-US" altLang="zh-CN" dirty="0" smtClean="0">
+                <a:ea typeface="宋体" charset="-122"/>
+              </a:rPr>
+              <a:t>IB_BAR0 </a:t>
+            </a:r>
+            <a:r>
+              <a:rPr lang="en-US" altLang="zh-CN" dirty="0">
+                <a:ea typeface="宋体" charset="-122"/>
+              </a:rPr>
+              <a:t>= </a:t>
+            </a:r>
+            <a:r>
+              <a:rPr lang="en-US" altLang="zh-CN" dirty="0" smtClean="0">
+                <a:ea typeface="宋体" charset="-122"/>
+              </a:rPr>
+              <a:t>1 -&gt;  BAR1_MASK = 0x000F FFFF</a:t>
             </a:r>
           </a:p>
           <a:p>
             <a:pPr lvl="1"/>
             <a:r>
+              <a:rPr lang="en-US" altLang="zh-CN" dirty="0" smtClean="0">
+                <a:ea typeface="宋体" charset="-122"/>
+              </a:rPr>
+              <a:t>IB_START0_LO </a:t>
+            </a:r>
+            <a:r>
               <a:rPr lang="en-US" altLang="zh-CN" dirty="0">
                 <a:ea typeface="宋体" charset="-122"/>
               </a:rPr>
-              <a:t>For </a:t>
+              <a:t>= 0xF740_0000; </a:t>
+            </a:r>
+            <a:endParaRPr lang="en-US" altLang="zh-CN" dirty="0" smtClean="0">
+              <a:ea typeface="宋体" charset="-122"/>
+            </a:endParaRPr>
+          </a:p>
+          <a:p>
+            <a:pPr lvl="1"/>
+            <a:r>
+              <a:rPr lang="en-US" altLang="zh-CN" dirty="0" smtClean="0">
+                <a:ea typeface="宋体" charset="-122"/>
+              </a:rPr>
+              <a:t>IB_START0_HI </a:t>
+            </a:r>
+            <a:r>
+              <a:rPr lang="en-US" altLang="zh-CN" dirty="0">
+                <a:ea typeface="宋体" charset="-122"/>
+              </a:rPr>
+              <a:t>= 0x0; </a:t>
+            </a:r>
+            <a:endParaRPr lang="en-US" altLang="zh-CN" dirty="0" smtClean="0">
+              <a:ea typeface="宋体" charset="-122"/>
+            </a:endParaRPr>
+          </a:p>
+          <a:p>
+            <a:pPr lvl="1"/>
+            <a:r>
+              <a:rPr lang="en-US" altLang="zh-CN" dirty="0" smtClean="0">
+                <a:ea typeface="宋体" charset="-122"/>
+              </a:rPr>
+              <a:t>IB_OFFSET0 </a:t>
+            </a:r>
+            <a:r>
+              <a:rPr lang="en-US" altLang="zh-CN" dirty="0">
+                <a:ea typeface="宋体" charset="-122"/>
+              </a:rPr>
+              <a:t>= 0x1080_0000 </a:t>
+            </a:r>
+            <a:endParaRPr lang="en-US" altLang="zh-CN" dirty="0" smtClean="0">
+              <a:ea typeface="宋体" charset="-122"/>
+            </a:endParaRPr>
+          </a:p>
+          <a:p>
+            <a:pPr lvl="1"/>
+            <a:r>
+              <a:rPr lang="en-US" altLang="zh-CN" dirty="0" smtClean="0">
+                <a:ea typeface="宋体" charset="-122"/>
+              </a:rPr>
+              <a:t>For PCIe </a:t>
+            </a:r>
+            <a:r>
+              <a:rPr lang="en-US" altLang="zh-CN" dirty="0">
+                <a:ea typeface="宋体" charset="-122"/>
+              </a:rPr>
+              <a:t>address 0xF740_1234, what is the DSP device’s internal address</a:t>
             </a:r>
             <a:r>
               <a:rPr lang="en-US" altLang="zh-CN" dirty="0" smtClean="0">
                 <a:ea typeface="宋体" charset="-122"/>
               </a:rPr>
-              <a:t>PCIe </a:t>
+              <a:t>?</a:t>
+            </a:r>
+            <a:endParaRPr lang="en-US" altLang="zh-CN" dirty="0">
+              <a:ea typeface="宋体" charset="-122"/>
+            </a:endParaRPr>
+          </a:p>
+        </p:txBody>
+      </p:sp>
+    </p:spTree>
+  </p:cSld>
+  <p:clrMapOvr>
+    <a:masterClrMapping/>
+  </p:clrMapOvr>
+</p:sld>
+</file>
+
+<file path=ppt/slides/slide16.xml><?xml version="1.0" encoding="utf-8"?>
+<p:sld xmlns:a="http://schemas.openxmlformats.org/drawingml/2006/main" xmlns:r="http://schemas.openxmlformats.org/officeDocument/2006/relationships" xmlns:p="http://schemas.openxmlformats.org/presentationml/2006/main">
+  <p:cSld>
+    <p:spTree>
+      <p:nvGrpSpPr>
+        <p:cNvPr id="1" name=""/>
+        <p:cNvGrpSpPr/>
+        <p:nvPr/>
+      </p:nvGrpSpPr>
+      <p:grpSpPr>
+        <a:xfrm>
+          <a:off x="0" y="0"/>
+          <a:ext cx="0" cy="0"/>
+          <a:chOff x="0" y="0"/>
+          <a:chExt cx="0" cy="0"/>
+        </a:xfrm>
+      </p:grpSpPr>
+      <p:sp>
+        <p:nvSpPr>
+          <p:cNvPr id="260098" name="Rectangle 2"/>
+          <p:cNvSpPr>
+            <a:spLocks noGrp="1" noChangeArrowheads="1"/>
+          </p:cNvSpPr>
+          <p:nvPr>
+            <p:ph type="title"/>
+          </p:nvPr>
+        </p:nvSpPr>
+        <p:spPr/>
+        <p:txBody>
+          <a:bodyPr/>
+          <a:lstStyle/>
+          <a:p>
+            <a:r>
+              <a:rPr lang="en-US" dirty="0"/>
+              <a:t>Inbound Translation - </a:t>
+            </a:r>
+            <a:r>
+              <a:rPr lang="en-US" dirty="0" smtClean="0"/>
+              <a:t>4</a:t>
+            </a:r>
+            <a:endParaRPr lang="en-US" dirty="0"/>
+          </a:p>
+        </p:txBody>
+      </p:sp>
+      <p:sp>
+        <p:nvSpPr>
+          <p:cNvPr id="260099" name="Rectangle 3"/>
+          <p:cNvSpPr>
+            <a:spLocks noGrp="1" noChangeArrowheads="1"/>
+          </p:cNvSpPr>
+          <p:nvPr>
+            <p:ph idx="1"/>
+          </p:nvPr>
+        </p:nvSpPr>
+        <p:spPr/>
+        <p:txBody>
+          <a:bodyPr/>
+          <a:lstStyle/>
+          <a:p>
+            <a:r>
+              <a:rPr lang="en-US" dirty="0" smtClean="0"/>
+              <a:t>Example </a:t>
+            </a:r>
+            <a:r>
+              <a:rPr lang="en-US" altLang="zh-CN" dirty="0" smtClean="0">
+                <a:ea typeface="宋体" charset="-122"/>
+              </a:rPr>
+              <a:t>Calculation</a:t>
             </a:r>
             <a:r>
               <a:rPr lang="en-US" altLang="zh-CN" dirty="0">
                 <a:ea typeface="宋体" charset="-122"/>
               </a:rPr>
-              <a:t>address 0xF740_1234, what is the DSP device’s internal address?</a:t>
-            </a:r>
-          </a:p>
-          <a:p>
-            <a:pPr lvl="1"/>
-            <a:r>
-              <a:rPr lang="en-US" altLang="zh-CN" dirty="0">
-                <a:ea typeface="宋体" charset="-122"/>
-              </a:rPr>
-              <a:t>Calculation:</a:t>
+              <a:t>:</a:t>
             </a:r>
           </a:p>
           <a:p>
@@ -6128,32 +6575,72 @@
               <a:rPr lang="en-US" altLang="zh-CN" dirty="0">
                 <a:ea typeface="宋体" charset="-122"/>
               </a:rPr>
-              <a:t>The incoming address of 0xF740_1234 matches the range  (determined by BAR mask) of BAR1, it is accepted</a:t>
+              <a:t>The incoming address of 0xF740_1234 </a:t>
+            </a:r>
+            <a:r>
+              <a:rPr lang="en-US" altLang="zh-CN" dirty="0" smtClean="0">
+                <a:ea typeface="宋体" charset="-122"/>
+              </a:rPr>
+              <a:t> with the MASK (Read from  BAR 1) 0x000F FFFF gives 0xF740 0000.  Matches </a:t>
+            </a:r>
+            <a:r>
+              <a:rPr lang="en-US" altLang="zh-CN" dirty="0">
+                <a:ea typeface="宋体" charset="-122"/>
+              </a:rPr>
+              <a:t>the </a:t>
+            </a:r>
+            <a:r>
+              <a:rPr lang="en-US" altLang="zh-CN" dirty="0" smtClean="0">
+                <a:ea typeface="宋体" charset="-122"/>
+              </a:rPr>
+              <a:t>address of IB_START1 register, </a:t>
+            </a:r>
+            <a:r>
+              <a:rPr lang="en-US" altLang="zh-CN" dirty="0">
+                <a:ea typeface="宋体" charset="-122"/>
+              </a:rPr>
+              <a:t>it is accepted</a:t>
             </a:r>
           </a:p>
           <a:p>
             <a:pPr lvl="2"/>
+            <a:endParaRPr lang="en-US" altLang="zh-CN" dirty="0" smtClean="0">
+              <a:ea typeface="宋体" charset="-122"/>
+            </a:endParaRPr>
+          </a:p>
+          <a:p>
+            <a:pPr lvl="2"/>
+            <a:r>
+              <a:rPr lang="en-US" altLang="zh-CN" dirty="0" smtClean="0">
+                <a:ea typeface="宋体" charset="-122"/>
+              </a:rPr>
+              <a:t>DSP </a:t>
+            </a:r>
             <a:r>
               <a:rPr lang="en-US" altLang="zh-CN" dirty="0">
                 <a:ea typeface="宋体" charset="-122"/>
               </a:rPr>
-              <a:t>IB_BAR0 = 1 ==</a:t>
+              <a:t>internal address: </a:t>
+            </a:r>
+            <a:endParaRPr lang="en-US" altLang="zh-CN" dirty="0" smtClean="0">
+              <a:ea typeface="宋体" charset="-122"/>
+            </a:endParaRPr>
+          </a:p>
+          <a:p>
+            <a:pPr lvl="2">
+              <a:buNone/>
+            </a:pPr>
+            <a:r>
+              <a:rPr lang="en-US" altLang="zh-CN" dirty="0" smtClean="0">
+                <a:ea typeface="宋体" charset="-122"/>
+              </a:rPr>
+              <a:t>	0xF740_1234 &amp; 0x000F FFFF </a:t>
             </a:r>
             <a:r>
               <a:rPr lang="en-US" altLang="zh-CN" dirty="0">
                 <a:ea typeface="宋体" charset="-122"/>
-                <a:sym typeface="Wingdings" pitchFamily="2" charset="2"/>
               </a:rPr>
-              <a:t> the first IB region is used</a:t>
-            </a:r>
-          </a:p>
-          <a:p>
-            <a:pPr lvl="2"/>
-            <a:r>
-              <a:rPr lang="en-US" altLang="zh-CN" dirty="0">
-                <a:ea typeface="宋体" charset="-122"/>
-              </a:rPr>
-              <a:t>DSP internal address: 0xF740_1234 – 0xF740_0000 + 0x1080_0000 = 0x1080_1234 (local L2) </a:t>
+              <a:t>+ 0x1080_0000 = 0x1080_1234 (local L2) </a:t>
             </a:r>
           </a:p>
         </p:txBody>
@@ -6166,7 +6653,7 @@
 </p:sld>
 </file>
 
-<file path=ppt/slides/slide13.xml><?xml version="1.0" encoding="utf-8"?>
+<file path=ppt/slides/slide17.xml><?xml version="1.0" encoding="utf-8"?>
 <p:sld xmlns:a="http://schemas.openxmlformats.org/drawingml/2006/main" xmlns:r="http://schemas.openxmlformats.org/officeDocument/2006/relationships" xmlns:p="http://schemas.openxmlformats.org/presentationml/2006/main">
   <p:cSld>
     <p:spTree>
@@ -6199,7 +6686,7 @@
           <a:lstStyle/>
           <a:p>
             <a:r>
-              <a:rPr lang="en-US"/>
+              <a:rPr lang="en-US" dirty="0"/>
               <a:t>Agenda</a:t>
             </a:r>
           </a:p>
@@ -6251,28 +6738,10 @@
               <a:t>PCIe </a:t>
             </a:r>
             <a:r>
-              <a:rPr lang="en-US" altLang="zh-CN" dirty="0">
-                <a:ea typeface="宋体" charset="-122"/>
-              </a:rPr>
-              <a:t>B</a:t>
-            </a:r>
-            <a:r>
               <a:rPr lang="en-US" altLang="zh-CN" dirty="0" smtClean="0">
                 <a:ea typeface="宋体" charset="-122"/>
               </a:rPr>
-              <a:t>oot </a:t>
-            </a:r>
-            <a:r>
-              <a:rPr lang="en-US" altLang="zh-CN" dirty="0">
-                <a:ea typeface="宋体" charset="-122"/>
-              </a:rPr>
-              <a:t>D</a:t>
-            </a:r>
-            <a:r>
-              <a:rPr lang="en-US" altLang="zh-CN" dirty="0" smtClean="0">
-                <a:ea typeface="宋体" charset="-122"/>
-              </a:rPr>
-              <a:t>emo </a:t>
+              <a:t>Demo </a:t>
             </a:r>
             <a:endParaRPr lang="en-US" altLang="zh-CN" dirty="0">
               <a:ea typeface="宋体" charset="-122"/>
@@ -6288,7 +6757,7 @@
 </p:sld>
 </file>
 
-<file path=ppt/slides/slide14.xml><?xml version="1.0" encoding="utf-8"?>
+<file path=ppt/slides/slide18.xml><?xml version="1.0" encoding="utf-8"?>
 <p:sld xmlns:a="http://schemas.openxmlformats.org/drawingml/2006/main" xmlns:r="http://schemas.openxmlformats.org/officeDocument/2006/relationships" xmlns:p="http://schemas.openxmlformats.org/presentationml/2006/main">
   <p:cSld>
     <p:spTree>
@@ -6566,7 +7035,7 @@
 </p:sld>
 </file>
 
-<file path=ppt/slides/slide15.xml><?xml version="1.0" encoding="utf-8"?>
+<file path=ppt/slides/slide19.xml><?xml version="1.0" encoding="utf-8"?>
 <p:sld xmlns:a="http://schemas.openxmlformats.org/drawingml/2006/main" xmlns:r="http://schemas.openxmlformats.org/officeDocument/2006/relationships" xmlns:p="http://schemas.openxmlformats.org/presentationml/2006/main">
   <p:cSld>
     <p:spTree>
@@ -6667,833 +7136,6 @@
 </p:sld>
 </file>
 
-<file path=ppt/slides/slide16.xml><?xml version="1.0" encoding="utf-8"?>
-<p:sld xmlns:a="http://schemas.openxmlformats.org/drawingml/2006/main" xmlns:r="http://schemas.openxmlformats.org/officeDocument/2006/relationships" xmlns:p="http://schemas.openxmlformats.org/presentationml/2006/main">
-  <p:cSld>
-    <p:spTree>
-      <p:nvGrpSpPr>
-        <p:cNvPr id="1" name=""/>
-        <p:cNvGrpSpPr/>
-        <p:nvPr/>
-      </p:nvGrpSpPr>
-      <p:grpSpPr>
-        <a:xfrm>
-          <a:off x="0" y="0"/>
-          <a:ext cx="0" cy="0"/>
-          <a:chOff x="0" y="0"/>
-          <a:chExt cx="0" cy="0"/>
-        </a:xfrm>
-      </p:grpSpPr>
-      <p:sp>
-        <p:nvSpPr>
-          <p:cNvPr id="265218" name="Rectangle 2"/>
-          <p:cNvSpPr>
-            <a:spLocks noGrp="1" noChangeArrowheads="1"/>
-          </p:cNvSpPr>
-          <p:nvPr>
-            <p:ph type="title"/>
-          </p:nvPr>
-        </p:nvSpPr>
-        <p:spPr/>
-        <p:txBody>
-          <a:bodyPr/>
-          <a:lstStyle/>
-          <a:p>
-            <a:r>
-              <a:rPr lang="en-US"/>
-              <a:t>Agenda</a:t>
-            </a:r>
-          </a:p>
-        </p:txBody>
-      </p:sp>
-      <p:sp>
-        <p:nvSpPr>
-          <p:cNvPr id="265219" name="Rectangle 3"/>
-          <p:cNvSpPr>
-            <a:spLocks noGrp="1" noChangeArrowheads="1"/>
-          </p:cNvSpPr>
-          <p:nvPr>
-            <p:ph idx="1"/>
-          </p:nvPr>
-        </p:nvSpPr>
-        <p:spPr/>
-        <p:txBody>
-          <a:bodyPr/>
-          <a:lstStyle/>
-          <a:p>
-            <a:r>
-              <a:rPr lang="en-US" dirty="0" smtClean="0"/>
-              <a:t>PCIe </a:t>
-            </a:r>
-            <a:r>
-              <a:rPr lang="en-US" dirty="0"/>
-              <a:t>Overview</a:t>
-            </a:r>
-          </a:p>
-          <a:p>
-            <a:r>
-              <a:rPr lang="en-US" dirty="0"/>
-              <a:t>Address Translation</a:t>
-            </a:r>
-          </a:p>
-          <a:p>
-            <a:r>
-              <a:rPr lang="en-US" altLang="zh-CN" dirty="0">
-                <a:ea typeface="宋体" charset="-122"/>
-              </a:rPr>
-              <a:t>Configuration</a:t>
-            </a:r>
-          </a:p>
-          <a:p>
-            <a:r>
-              <a:rPr lang="en-US" altLang="zh-CN" b="1" dirty="0" smtClean="0">
-                <a:ea typeface="宋体" charset="-122"/>
-              </a:rPr>
-              <a:t>PCIe </a:t>
-            </a:r>
-            <a:r>
-              <a:rPr lang="en-US" altLang="zh-CN" b="1" dirty="0">
-                <a:ea typeface="宋体" charset="-122"/>
-              </a:rPr>
-              <a:t>B</a:t>
-            </a:r>
-            <a:r>
-              <a:rPr lang="en-US" altLang="zh-CN" b="1" dirty="0" smtClean="0">
-                <a:ea typeface="宋体" charset="-122"/>
-              </a:rPr>
-              <a:t>oot </a:t>
-            </a:r>
-            <a:r>
-              <a:rPr lang="en-US" altLang="zh-CN" b="1" dirty="0">
-                <a:ea typeface="宋体" charset="-122"/>
-              </a:rPr>
-              <a:t>D</a:t>
-            </a:r>
-            <a:r>
-              <a:rPr lang="en-US" altLang="zh-CN" b="1" dirty="0" smtClean="0">
-                <a:ea typeface="宋体" charset="-122"/>
-              </a:rPr>
-              <a:t>emo </a:t>
-            </a:r>
-            <a:endParaRPr lang="en-US" altLang="zh-CN" b="1" dirty="0">
-              <a:ea typeface="宋体" charset="-122"/>
-            </a:endParaRPr>
-          </a:p>
-        </p:txBody>
-      </p:sp>
-    </p:spTree>
-  </p:cSld>
-  <p:clrMapOvr>
-    <a:masterClrMapping/>
-  </p:clrMapOvr>
-</p:sld>
-</file>
-
-<file path=ppt/slides/slide17.xml><?xml version="1.0" encoding="utf-8"?>
-<p:sld xmlns:a="http://schemas.openxmlformats.org/drawingml/2006/main" xmlns:r="http://schemas.openxmlformats.org/officeDocument/2006/relationships" xmlns:p="http://schemas.openxmlformats.org/presentationml/2006/main">
-  <p:cSld>
-    <p:spTree>
-      <p:nvGrpSpPr>
-        <p:cNvPr id="1" name=""/>
-        <p:cNvGrpSpPr/>
-        <p:nvPr/>
-      </p:nvGrpSpPr>
-      <p:grpSpPr>
-        <a:xfrm>
-          <a:off x="0" y="0"/>
-          <a:ext cx="0" cy="0"/>
-          <a:chOff x="0" y="0"/>
-          <a:chExt cx="0" cy="0"/>
-        </a:xfrm>
-      </p:grpSpPr>
-      <p:sp>
-        <p:nvSpPr>
-          <p:cNvPr id="266242" name="Rectangle 2"/>
-          <p:cNvSpPr>
-            <a:spLocks noGrp="1" noChangeArrowheads="1"/>
-          </p:cNvSpPr>
-          <p:nvPr>
-            <p:ph type="title"/>
-          </p:nvPr>
-        </p:nvSpPr>
-        <p:spPr/>
-        <p:txBody>
-          <a:bodyPr/>
-          <a:lstStyle/>
-          <a:p>
-            <a:r>
-              <a:rPr lang="en-US"/>
-              <a:t>Demo Setup </a:t>
-            </a:r>
-          </a:p>
-        </p:txBody>
-      </p:sp>
-      <p:sp>
-        <p:nvSpPr>
-          <p:cNvPr id="266243" name="Rectangle 3"/>
-          <p:cNvSpPr>
-            <a:spLocks noGrp="1" noChangeArrowheads="1"/>
-          </p:cNvSpPr>
-          <p:nvPr>
-            <p:ph type="body" sz="half" idx="1"/>
-          </p:nvPr>
-        </p:nvSpPr>
-        <p:spPr>
-          <a:xfrm>
-            <a:off x="333375" y="1185863"/>
-            <a:ext cx="8115300" cy="1914525"/>
-          </a:xfrm>
-        </p:spPr>
-        <p:txBody>
-          <a:bodyPr/>
-          <a:lstStyle/>
-          <a:p>
-            <a:r>
-              <a:rPr lang="en-US" sz="2400" dirty="0"/>
-              <a:t>An AMC to </a:t>
-            </a:r>
-            <a:r>
-              <a:rPr lang="en-US" sz="2400" dirty="0" smtClean="0"/>
-              <a:t>PCIe </a:t>
-            </a:r>
-            <a:r>
-              <a:rPr lang="en-US" sz="2400" dirty="0"/>
-              <a:t>adaptor card</a:t>
-            </a:r>
-          </a:p>
-          <a:p>
-            <a:r>
-              <a:rPr lang="en-US" sz="2400" dirty="0"/>
-              <a:t>A TMS320C66xxL EVM card</a:t>
-            </a:r>
-          </a:p>
-          <a:p>
-            <a:r>
-              <a:rPr lang="en-US" sz="2400" dirty="0"/>
-              <a:t>A Linux PC (Tested on </a:t>
-            </a:r>
-            <a:r>
-              <a:rPr lang="en-US" sz="2400" dirty="0" err="1"/>
-              <a:t>Ubuntu</a:t>
-            </a:r>
-            <a:r>
-              <a:rPr lang="en-US" sz="2400" dirty="0"/>
-              <a:t> 10.04, 32/64-bit)</a:t>
-            </a:r>
-          </a:p>
-          <a:p>
-            <a:r>
-              <a:rPr lang="en-US" sz="2400" dirty="0"/>
-              <a:t>A UART cable</a:t>
-            </a:r>
-          </a:p>
-        </p:txBody>
-      </p:sp>
-      <p:graphicFrame>
-        <p:nvGraphicFramePr>
-          <p:cNvPr id="266245" name="Object 5"/>
-          <p:cNvGraphicFramePr>
-            <a:graphicFrameLocks noChangeAspect="1"/>
-          </p:cNvGraphicFramePr>
-          <p:nvPr>
-            <p:ph sz="half" idx="2"/>
-          </p:nvPr>
-        </p:nvGraphicFramePr>
-        <p:xfrm>
-          <a:off x="1365995" y="3051746"/>
-          <a:ext cx="5878610" cy="3339910"/>
-        </p:xfrm>
-        <a:graphic>
-          <a:graphicData uri="http://schemas.openxmlformats.org/presentationml/2006/ole">
-            <p:oleObj spid="_x0000_s266245" name="Visio" r:id="rId4" imgW="4076395" imgH="2316175" progId="Visio.Drawing.11">
-              <p:embed/>
-            </p:oleObj>
-          </a:graphicData>
-        </a:graphic>
-      </p:graphicFrame>
-    </p:spTree>
-  </p:cSld>
-  <p:clrMapOvr>
-    <a:masterClrMapping/>
-  </p:clrMapOvr>
-</p:sld>
-</file>
-
-<file path=ppt/slides/slide18.xml><?xml version="1.0" encoding="utf-8"?>
-<p:sld xmlns:a="http://schemas.openxmlformats.org/drawingml/2006/main" xmlns:r="http://schemas.openxmlformats.org/officeDocument/2006/relationships" xmlns:p="http://schemas.openxmlformats.org/presentationml/2006/main">
-  <p:cSld>
-    <p:spTree>
-      <p:nvGrpSpPr>
-        <p:cNvPr id="1" name=""/>
-        <p:cNvGrpSpPr/>
-        <p:nvPr/>
-      </p:nvGrpSpPr>
-      <p:grpSpPr>
-        <a:xfrm>
-          <a:off x="0" y="0"/>
-          <a:ext cx="0" cy="0"/>
-          <a:chOff x="0" y="0"/>
-          <a:chExt cx="0" cy="0"/>
-        </a:xfrm>
-      </p:grpSpPr>
-      <p:sp>
-        <p:nvSpPr>
-          <p:cNvPr id="268290" name="Rectangle 2"/>
-          <p:cNvSpPr>
-            <a:spLocks noGrp="1" noChangeArrowheads="1"/>
-          </p:cNvSpPr>
-          <p:nvPr>
-            <p:ph type="title"/>
-          </p:nvPr>
-        </p:nvSpPr>
-        <p:spPr/>
-        <p:txBody>
-          <a:bodyPr/>
-          <a:lstStyle/>
-          <a:p>
-            <a:r>
-              <a:rPr lang="en-US" dirty="0" smtClean="0"/>
-              <a:t>PCIe </a:t>
-            </a:r>
-            <a:r>
-              <a:rPr lang="en-US" dirty="0"/>
-              <a:t>Enumeration </a:t>
-            </a:r>
-          </a:p>
-        </p:txBody>
-      </p:sp>
-      <p:sp>
-        <p:nvSpPr>
-          <p:cNvPr id="268291" name="Rectangle 3"/>
-          <p:cNvSpPr>
-            <a:spLocks noGrp="1" noChangeArrowheads="1"/>
-          </p:cNvSpPr>
-          <p:nvPr>
-            <p:ph type="body" sz="half" idx="1"/>
-          </p:nvPr>
-        </p:nvSpPr>
-        <p:spPr>
-          <a:xfrm>
-            <a:off x="333374" y="1185863"/>
-            <a:ext cx="8627746" cy="4803775"/>
-          </a:xfrm>
-        </p:spPr>
-        <p:txBody>
-          <a:bodyPr/>
-          <a:lstStyle/>
-          <a:p>
-            <a:r>
-              <a:rPr lang="en-US" sz="2400" dirty="0" smtClean="0"/>
-              <a:t>PCIe </a:t>
-            </a:r>
-            <a:r>
-              <a:rPr lang="en-US" sz="2400" dirty="0"/>
-              <a:t>Enumeration</a:t>
-            </a:r>
-          </a:p>
-          <a:p>
-            <a:pPr lvl="1"/>
-            <a:r>
-              <a:rPr lang="en-US" sz="2000" dirty="0"/>
-              <a:t>From Linux</a:t>
-            </a:r>
-          </a:p>
-          <a:p>
-            <a:pPr lvl="4"/>
-            <a:r>
-              <a:rPr lang="en-US" sz="1200" dirty="0">
-                <a:latin typeface="Courier New" pitchFamily="49" charset="0"/>
-                <a:cs typeface="Courier New" pitchFamily="49" charset="0"/>
-              </a:rPr>
-              <a:t>local-</a:t>
-            </a:r>
-            <a:r>
-              <a:rPr lang="en-US" sz="1200" dirty="0" err="1">
-                <a:latin typeface="Courier New" pitchFamily="49" charset="0"/>
-                <a:cs typeface="Courier New" pitchFamily="49" charset="0"/>
-              </a:rPr>
-              <a:t>ubuntu</a:t>
-            </a:r>
-            <a:r>
-              <a:rPr lang="en-US" sz="1200" dirty="0">
-                <a:latin typeface="Courier New" pitchFamily="49" charset="0"/>
-                <a:cs typeface="Courier New" pitchFamily="49" charset="0"/>
-              </a:rPr>
-              <a:t>:~$ </a:t>
-            </a:r>
-            <a:r>
-              <a:rPr lang="en-US" sz="1200" b="1" i="1" dirty="0" err="1">
-                <a:latin typeface="Courier New" pitchFamily="49" charset="0"/>
-                <a:cs typeface="Courier New" pitchFamily="49" charset="0"/>
-              </a:rPr>
-              <a:t>lspci</a:t>
-            </a:r>
-            <a:r>
-              <a:rPr lang="en-US" sz="1200" b="1" i="1" dirty="0">
-                <a:latin typeface="Courier New" pitchFamily="49" charset="0"/>
-                <a:cs typeface="Courier New" pitchFamily="49" charset="0"/>
-              </a:rPr>
-              <a:t> –n</a:t>
-            </a:r>
-          </a:p>
-          <a:p>
-            <a:pPr lvl="4"/>
-            <a:r>
-              <a:rPr lang="en-US" sz="1200" dirty="0">
-                <a:latin typeface="Courier New" pitchFamily="49" charset="0"/>
-                <a:cs typeface="Courier New" pitchFamily="49" charset="0"/>
-              </a:rPr>
-              <a:t>….</a:t>
-            </a:r>
-          </a:p>
-          <a:p>
-            <a:pPr lvl="4"/>
-            <a:r>
-              <a:rPr lang="en-US" sz="1200" dirty="0">
-                <a:latin typeface="Courier New" pitchFamily="49" charset="0"/>
-                <a:cs typeface="Courier New" pitchFamily="49" charset="0"/>
-              </a:rPr>
-              <a:t>00:1f.3 0c05: 8086:27da (rev 01)</a:t>
-            </a:r>
-          </a:p>
-          <a:p>
-            <a:pPr lvl="4"/>
-            <a:r>
-              <a:rPr lang="en-US" sz="1200" b="1" dirty="0">
-                <a:latin typeface="Courier New" pitchFamily="49" charset="0"/>
-                <a:cs typeface="Courier New" pitchFamily="49" charset="0"/>
-              </a:rPr>
-              <a:t>01:00.0 0480: 104c:b005 (rev 01)</a:t>
-            </a:r>
-          </a:p>
-          <a:p>
-            <a:pPr lvl="4"/>
-            <a:r>
-              <a:rPr lang="en-US" sz="1200" dirty="0">
-                <a:latin typeface="Courier New" pitchFamily="49" charset="0"/>
-                <a:cs typeface="Courier New" pitchFamily="49" charset="0"/>
-              </a:rPr>
-              <a:t>03:00.0 0200: 14e4:1677 (rev 01)</a:t>
-            </a:r>
-          </a:p>
-          <a:p>
-            <a:pPr lvl="4">
-              <a:buFontTx/>
-              <a:buNone/>
-            </a:pPr>
-            <a:r>
-              <a:rPr lang="en-US" sz="1400" dirty="0"/>
-              <a:t>Or </a:t>
-            </a:r>
-          </a:p>
-          <a:p>
-            <a:pPr lvl="4"/>
-            <a:r>
-              <a:rPr lang="en-US" sz="1200" dirty="0">
-                <a:latin typeface="Courier New" pitchFamily="49" charset="0"/>
-                <a:cs typeface="Courier New" pitchFamily="49" charset="0"/>
-              </a:rPr>
-              <a:t>local-</a:t>
-            </a:r>
-            <a:r>
-              <a:rPr lang="en-US" sz="1200" dirty="0" err="1">
-                <a:latin typeface="Courier New" pitchFamily="49" charset="0"/>
-                <a:cs typeface="Courier New" pitchFamily="49" charset="0"/>
-              </a:rPr>
-              <a:t>ubuntu</a:t>
-            </a:r>
-            <a:r>
-              <a:rPr lang="en-US" sz="1200" dirty="0">
-                <a:latin typeface="Courier New" pitchFamily="49" charset="0"/>
-                <a:cs typeface="Courier New" pitchFamily="49" charset="0"/>
-              </a:rPr>
-              <a:t>:~$ </a:t>
-            </a:r>
-            <a:r>
-              <a:rPr lang="en-US" sz="1200" dirty="0" err="1">
-                <a:latin typeface="Courier New" pitchFamily="49" charset="0"/>
-                <a:cs typeface="Courier New" pitchFamily="49" charset="0"/>
-              </a:rPr>
-              <a:t>lspci</a:t>
-            </a:r>
-            <a:endParaRPr lang="en-US" sz="1200" dirty="0">
-              <a:latin typeface="Courier New" pitchFamily="49" charset="0"/>
-              <a:cs typeface="Courier New" pitchFamily="49" charset="0"/>
-            </a:endParaRPr>
-          </a:p>
-          <a:p>
-            <a:pPr lvl="4"/>
-            <a:r>
-              <a:rPr lang="en-US" sz="1200" dirty="0">
-                <a:latin typeface="Courier New" pitchFamily="49" charset="0"/>
-                <a:cs typeface="Courier New" pitchFamily="49" charset="0"/>
-              </a:rPr>
-              <a:t>….</a:t>
-            </a:r>
-          </a:p>
-          <a:p>
-            <a:pPr lvl="4"/>
-            <a:r>
-              <a:rPr lang="en-US" sz="1200" dirty="0">
-                <a:latin typeface="Courier New" pitchFamily="49" charset="0"/>
-                <a:cs typeface="Courier New" pitchFamily="49" charset="0"/>
-              </a:rPr>
-              <a:t>00:1f.3 </a:t>
-            </a:r>
-            <a:r>
-              <a:rPr lang="en-US" sz="1200" dirty="0" err="1">
-                <a:latin typeface="Courier New" pitchFamily="49" charset="0"/>
-                <a:cs typeface="Courier New" pitchFamily="49" charset="0"/>
-              </a:rPr>
-              <a:t>SMBus</a:t>
-            </a:r>
-            <a:r>
-              <a:rPr lang="en-US" sz="1200" dirty="0">
-                <a:latin typeface="Courier New" pitchFamily="49" charset="0"/>
-                <a:cs typeface="Courier New" pitchFamily="49" charset="0"/>
-              </a:rPr>
-              <a:t>: Intel Corporation N10/ICH 7 Family </a:t>
-            </a:r>
-            <a:r>
-              <a:rPr lang="en-US" sz="1200" dirty="0" err="1">
-                <a:latin typeface="Courier New" pitchFamily="49" charset="0"/>
-                <a:cs typeface="Courier New" pitchFamily="49" charset="0"/>
-              </a:rPr>
-              <a:t>SMBus</a:t>
-            </a:r>
-            <a:r>
-              <a:rPr lang="en-US" sz="1200" dirty="0">
-                <a:latin typeface="Courier New" pitchFamily="49" charset="0"/>
-                <a:cs typeface="Courier New" pitchFamily="49" charset="0"/>
-              </a:rPr>
-              <a:t> Controller (rev 01)</a:t>
-            </a:r>
-          </a:p>
-          <a:p>
-            <a:pPr lvl="4"/>
-            <a:r>
-              <a:rPr lang="en-US" sz="1200" b="1" dirty="0">
-                <a:latin typeface="Courier New" pitchFamily="49" charset="0"/>
-                <a:cs typeface="Courier New" pitchFamily="49" charset="0"/>
-              </a:rPr>
-              <a:t>01:00.0 Multimedia controller: Texas Instruments Device b005 (rev 01)</a:t>
-            </a:r>
-          </a:p>
-          <a:p>
-            <a:pPr lvl="4">
-              <a:buFontTx/>
-              <a:buNone/>
-            </a:pPr>
-            <a:endParaRPr lang="en-US" sz="1200" b="1" dirty="0"/>
-          </a:p>
-          <a:p>
-            <a:pPr lvl="1"/>
-            <a:r>
-              <a:rPr lang="en-US" sz="2000" dirty="0"/>
-              <a:t>From DSP (JTAG if available)</a:t>
-            </a:r>
-          </a:p>
-          <a:p>
-            <a:endParaRPr lang="en-US" sz="1200" dirty="0"/>
-          </a:p>
-        </p:txBody>
-      </p:sp>
-      <p:pic>
-        <p:nvPicPr>
-          <p:cNvPr id="268294" name="Picture 6"/>
-          <p:cNvPicPr>
-            <a:picLocks noChangeAspect="1" noChangeArrowheads="1"/>
-          </p:cNvPicPr>
-          <p:nvPr/>
-        </p:nvPicPr>
-        <p:blipFill>
-          <a:blip r:embed="rId3" cstate="print"/>
-          <a:srcRect/>
-          <a:stretch>
-            <a:fillRect/>
-          </a:stretch>
-        </p:blipFill>
-        <p:spPr bwMode="auto">
-          <a:xfrm>
-            <a:off x="1645920" y="4856932"/>
-            <a:ext cx="4914856" cy="1168964"/>
-          </a:xfrm>
-          <a:prstGeom prst="rect">
-            <a:avLst/>
-          </a:prstGeom>
-          <a:noFill/>
-          <a:ln w="9525">
-            <a:noFill/>
-            <a:miter lim="800000"/>
-            <a:headEnd/>
-            <a:tailEnd/>
-          </a:ln>
-        </p:spPr>
-      </p:pic>
-    </p:spTree>
-  </p:cSld>
-  <p:clrMapOvr>
-    <a:masterClrMapping/>
-  </p:clrMapOvr>
-  <p:timing>
-    <p:tnLst>
-      <p:par>
-        <p:cTn id="1" dur="indefinite" restart="never" nodeType="tmRoot"/>
-      </p:par>
-    </p:tnLst>
-  </p:timing>
-</p:sld>
-</file>
-
-<file path=ppt/slides/slide19.xml><?xml version="1.0" encoding="utf-8"?>
-<p:sld xmlns:a="http://schemas.openxmlformats.org/drawingml/2006/main" xmlns:r="http://schemas.openxmlformats.org/officeDocument/2006/relationships" xmlns:p="http://schemas.openxmlformats.org/presentationml/2006/main">
-  <p:cSld>
-    <p:spTree>
-      <p:nvGrpSpPr>
-        <p:cNvPr id="1" name=""/>
-        <p:cNvGrpSpPr/>
-        <p:nvPr/>
-      </p:nvGrpSpPr>
-      <p:grpSpPr>
-        <a:xfrm>
-          <a:off x="0" y="0"/>
-          <a:ext cx="0" cy="0"/>
-          <a:chOff x="0" y="0"/>
-          <a:chExt cx="0" cy="0"/>
-        </a:xfrm>
-      </p:grpSpPr>
-      <p:sp>
-        <p:nvSpPr>
-          <p:cNvPr id="171010" name="Rectangle 2"/>
-          <p:cNvSpPr>
-            <a:spLocks noGrp="1" noChangeArrowheads="1"/>
-          </p:cNvSpPr>
-          <p:nvPr>
-            <p:ph type="title"/>
-          </p:nvPr>
-        </p:nvSpPr>
-        <p:spPr/>
-        <p:txBody>
-          <a:bodyPr/>
-          <a:lstStyle/>
-          <a:p>
-            <a:r>
-              <a:rPr lang="en-US" dirty="0" smtClean="0"/>
-              <a:t>PCIe </a:t>
-            </a:r>
-            <a:r>
-              <a:rPr lang="en-US" dirty="0"/>
-              <a:t>Linux Host Loader Code</a:t>
-            </a:r>
-          </a:p>
-        </p:txBody>
-      </p:sp>
-      <p:sp>
-        <p:nvSpPr>
-          <p:cNvPr id="171011" name="Rectangle 3"/>
-          <p:cNvSpPr>
-            <a:spLocks noGrp="1" noChangeArrowheads="1"/>
-          </p:cNvSpPr>
-          <p:nvPr>
-            <p:ph idx="1"/>
-          </p:nvPr>
-        </p:nvSpPr>
-        <p:spPr>
-          <a:xfrm>
-            <a:off x="219456" y="990600"/>
-            <a:ext cx="8924544" cy="5334000"/>
-          </a:xfrm>
-        </p:spPr>
-        <p:txBody>
-          <a:bodyPr/>
-          <a:lstStyle/>
-          <a:p>
-            <a:r>
-              <a:rPr lang="en-US" sz="2400" dirty="0"/>
-              <a:t>Mapping between PC memory and DSP memory </a:t>
-            </a:r>
-          </a:p>
-          <a:p>
-            <a:r>
-              <a:rPr lang="en-US" sz="2400" dirty="0"/>
-              <a:t>Configure the </a:t>
-            </a:r>
-            <a:r>
-              <a:rPr lang="en-US" sz="2400" dirty="0" smtClean="0"/>
-              <a:t>PCIe </a:t>
-            </a:r>
-            <a:r>
-              <a:rPr lang="en-US" sz="2400" dirty="0"/>
-              <a:t>inbound/outbound address </a:t>
-            </a:r>
-            <a:r>
-              <a:rPr lang="en-US" sz="2400" dirty="0" smtClean="0"/>
-              <a:t>translation. </a:t>
-            </a:r>
-            <a:endParaRPr lang="en-US" dirty="0"/>
-          </a:p>
-          <a:p>
-            <a:r>
-              <a:rPr lang="en-US" sz="2400" dirty="0"/>
-              <a:t>Provide DSP memory read/write API:</a:t>
-            </a:r>
-          </a:p>
-          <a:p>
-            <a:pPr lvl="1"/>
-            <a:r>
-              <a:rPr lang="en-US" sz="1200" b="1" dirty="0">
-                <a:latin typeface="Courier New" pitchFamily="49" charset="0"/>
-                <a:cs typeface="Courier New" pitchFamily="49" charset="0"/>
-              </a:rPr>
-              <a:t>Uint32 </a:t>
-            </a:r>
-            <a:r>
-              <a:rPr lang="en-US" sz="1200" b="1" dirty="0" err="1">
-                <a:latin typeface="Courier New" pitchFamily="49" charset="0"/>
-                <a:cs typeface="Courier New" pitchFamily="49" charset="0"/>
-              </a:rPr>
-              <a:t>ReadDSPMemory</a:t>
-            </a:r>
-            <a:r>
-              <a:rPr lang="en-US" sz="1200" b="1" dirty="0">
-                <a:latin typeface="Courier New" pitchFamily="49" charset="0"/>
-                <a:cs typeface="Courier New" pitchFamily="49" charset="0"/>
-              </a:rPr>
-              <a:t>(Uint32 </a:t>
-            </a:r>
-            <a:r>
-              <a:rPr lang="en-US" sz="1200" b="1" dirty="0" err="1">
-                <a:latin typeface="Courier New" pitchFamily="49" charset="0"/>
-                <a:cs typeface="Courier New" pitchFamily="49" charset="0"/>
-              </a:rPr>
-              <a:t>coreNum</a:t>
-            </a:r>
-            <a:r>
-              <a:rPr lang="en-US" sz="1200" b="1" dirty="0">
-                <a:latin typeface="Courier New" pitchFamily="49" charset="0"/>
-                <a:cs typeface="Courier New" pitchFamily="49" charset="0"/>
-              </a:rPr>
-              <a:t>, Uint32 </a:t>
-            </a:r>
-            <a:r>
-              <a:rPr lang="en-US" sz="1200" b="1" dirty="0" err="1">
-                <a:latin typeface="Courier New" pitchFamily="49" charset="0"/>
-                <a:cs typeface="Courier New" pitchFamily="49" charset="0"/>
-              </a:rPr>
-              <a:t>DSPMemAddr</a:t>
-            </a:r>
-            <a:r>
-              <a:rPr lang="en-US" sz="1200" b="1" dirty="0">
-                <a:latin typeface="Courier New" pitchFamily="49" charset="0"/>
-                <a:cs typeface="Courier New" pitchFamily="49" charset="0"/>
-              </a:rPr>
-              <a:t>, Uint32 *buffer, Uint32 length)</a:t>
-            </a:r>
-          </a:p>
-          <a:p>
-            <a:pPr lvl="1"/>
-            <a:r>
-              <a:rPr lang="en-US" sz="1200" b="1" dirty="0">
-                <a:latin typeface="Courier New" pitchFamily="49" charset="0"/>
-                <a:cs typeface="Courier New" pitchFamily="49" charset="0"/>
-              </a:rPr>
-              <a:t>Uint32 </a:t>
-            </a:r>
-            <a:r>
-              <a:rPr lang="en-US" sz="1200" b="1" dirty="0" err="1">
-                <a:latin typeface="Courier New" pitchFamily="49" charset="0"/>
-                <a:cs typeface="Courier New" pitchFamily="49" charset="0"/>
-              </a:rPr>
-              <a:t>WriteDSPMemory</a:t>
-            </a:r>
-            <a:r>
-              <a:rPr lang="en-US" sz="1200" b="1" dirty="0">
-                <a:latin typeface="Courier New" pitchFamily="49" charset="0"/>
-                <a:cs typeface="Courier New" pitchFamily="49" charset="0"/>
-              </a:rPr>
-              <a:t>(Uint32 </a:t>
-            </a:r>
-            <a:r>
-              <a:rPr lang="en-US" sz="1200" b="1" dirty="0" err="1">
-                <a:latin typeface="Courier New" pitchFamily="49" charset="0"/>
-                <a:cs typeface="Courier New" pitchFamily="49" charset="0"/>
-              </a:rPr>
-              <a:t>coreNum</a:t>
-            </a:r>
-            <a:r>
-              <a:rPr lang="en-US" sz="1200" b="1" dirty="0">
-                <a:latin typeface="Courier New" pitchFamily="49" charset="0"/>
-                <a:cs typeface="Courier New" pitchFamily="49" charset="0"/>
-              </a:rPr>
-              <a:t>, Uint32 </a:t>
-            </a:r>
-            <a:r>
-              <a:rPr lang="en-US" sz="1200" b="1" dirty="0" err="1">
-                <a:latin typeface="Courier New" pitchFamily="49" charset="0"/>
-                <a:cs typeface="Courier New" pitchFamily="49" charset="0"/>
-              </a:rPr>
-              <a:t>DSPMemAddr</a:t>
-            </a:r>
-            <a:r>
-              <a:rPr lang="en-US" sz="1200" b="1" dirty="0">
-                <a:latin typeface="Courier New" pitchFamily="49" charset="0"/>
-                <a:cs typeface="Courier New" pitchFamily="49" charset="0"/>
-              </a:rPr>
-              <a:t>, Uint32 *buffer, Uint32 length)</a:t>
-            </a:r>
-          </a:p>
-          <a:p>
-            <a:r>
-              <a:rPr lang="en-US" sz="2400" dirty="0"/>
-              <a:t>Parse the boot example header array to load data into </a:t>
-            </a:r>
-            <a:r>
-              <a:rPr lang="en-US" sz="2400" dirty="0" smtClean="0"/>
-              <a:t>DSP.</a:t>
-            </a:r>
-            <a:endParaRPr lang="en-US" sz="2400" dirty="0"/>
-          </a:p>
-          <a:p>
-            <a:r>
-              <a:rPr lang="en-US" sz="2400" dirty="0"/>
-              <a:t>Write the boot entry address into the magic address on core 0 to jump </a:t>
-            </a:r>
-            <a:r>
-              <a:rPr lang="en-US" sz="2400" dirty="0" smtClean="0"/>
-              <a:t>start.</a:t>
-            </a:r>
-            <a:endParaRPr lang="en-US" sz="2400" dirty="0"/>
-          </a:p>
-          <a:p>
-            <a:r>
-              <a:rPr lang="en-US" sz="2400" dirty="0" smtClean="0"/>
-              <a:t>Needs </a:t>
-            </a:r>
-            <a:r>
-              <a:rPr lang="en-US" sz="2400" dirty="0"/>
-              <a:t>to be compiled and inserted as kernel module</a:t>
-            </a:r>
-          </a:p>
-          <a:p>
-            <a:endParaRPr lang="en-US" sz="2400" dirty="0"/>
-          </a:p>
-        </p:txBody>
-      </p:sp>
-    </p:spTree>
-  </p:cSld>
-  <p:clrMapOvr>
-    <a:masterClrMapping/>
-  </p:clrMapOvr>
-  <p:timing>
-    <p:tnLst>
-      <p:par>
-        <p:cTn id="1" dur="indefinite" restart="never" nodeType="tmRoot"/>
-      </p:par>
-    </p:tnLst>
-  </p:timing>
-</p:sld>
-</file>
-
 <file path=ppt/slides/slide2.xml><?xml version="1.0" encoding="utf-8"?>
 <p:sld xmlns:a="http://schemas.openxmlformats.org/drawingml/2006/main" xmlns:r="http://schemas.openxmlformats.org/officeDocument/2006/relationships" xmlns:p="http://schemas.openxmlformats.org/presentationml/2006/main">
   <p:cSld>
@@ -7527,7 +7169,7 @@
           <a:lstStyle/>
           <a:p>
             <a:r>
-              <a:rPr lang="en-US"/>
+              <a:rPr lang="en-US" dirty="0"/>
               <a:t>Agenda</a:t>
             </a:r>
           </a:p>
@@ -7579,28 +7221,10 @@
               <a:t>PCIe </a:t>
             </a:r>
             <a:r>
-              <a:rPr lang="en-US" altLang="zh-CN" dirty="0">
-                <a:ea typeface="宋体" charset="-122"/>
-              </a:rPr>
-              <a:t>B</a:t>
-            </a:r>
-            <a:r>
               <a:rPr lang="en-US" altLang="zh-CN" dirty="0" smtClean="0">
                 <a:ea typeface="宋体" charset="-122"/>
               </a:rPr>
-              <a:t>oot </a:t>
-            </a:r>
-            <a:r>
-              <a:rPr lang="en-US" altLang="zh-CN" dirty="0">
-                <a:ea typeface="宋体" charset="-122"/>
-              </a:rPr>
-              <a:t>D</a:t>
-            </a:r>
-            <a:r>
-              <a:rPr lang="en-US" altLang="zh-CN" dirty="0" smtClean="0">
-                <a:ea typeface="宋体" charset="-122"/>
-              </a:rPr>
-              <a:t>emo </a:t>
+              <a:t>Demo </a:t>
             </a:r>
             <a:endParaRPr lang="en-US" altLang="zh-CN" dirty="0">
               <a:ea typeface="宋体" charset="-122"/>
@@ -7635,7 +7259,7 @@
       </p:grpSpPr>
       <p:sp>
         <p:nvSpPr>
-          <p:cNvPr id="206850" name="Rectangle 2"/>
+          <p:cNvPr id="265218" name="Rectangle 2"/>
           <p:cNvSpPr>
             <a:spLocks noGrp="1" noChangeArrowheads="1"/>
           </p:cNvSpPr>
@@ -7649,19 +7273,15 @@
           <a:lstStyle/>
           <a:p>
             <a:r>
-              <a:rPr lang="en-US" dirty="0" smtClean="0"/>
-              <a:t>PCIe </a:t>
-            </a:r>
-            <a:r>
               <a:rPr lang="en-US" dirty="0"/>
-              <a:t>Boot Examples</a:t>
+              <a:t>Agenda</a:t>
             </a:r>
           </a:p>
         </p:txBody>
       </p:sp>
       <p:sp>
         <p:nvSpPr>
-          <p:cNvPr id="206851" name="Rectangle 3"/>
+          <p:cNvPr id="265219" name="Rectangle 3"/>
           <p:cNvSpPr>
             <a:spLocks noGrp="1" noChangeArrowheads="1"/>
           </p:cNvSpPr>
@@ -7675,38 +7295,38 @@
           <a:lstStyle/>
           <a:p>
             <a:r>
-              <a:rPr lang="en-US"/>
-              <a:t>“Hello world” and POST examples under MCSDK </a:t>
+              <a:rPr lang="en-US" dirty="0" smtClean="0"/>
+              <a:t>PCIe </a:t>
             </a:r>
             <a:r>
-              <a:rPr lang="en-US" sz="1800"/>
-              <a:t>(</a:t>
-            </a:r>
-            <a:r>
-              <a:rPr lang="en-US" sz="1800">
-                <a:hlinkClick r:id="rId3"/>
-              </a:rPr>
-              <a:t>http://software-dl.ti.com/sdoemb/sdoemb_public_sw/bios_mcsdk/latest/index_FDS.html</a:t>
-            </a:r>
-            <a:r>
-              <a:rPr lang="en-US" sz="1800"/>
-              <a:t>)</a:t>
+              <a:rPr lang="en-US" dirty="0"/>
+              <a:t>Overview</a:t>
             </a:r>
           </a:p>
           <a:p>
             <a:r>
-              <a:rPr lang="en-US"/>
-              <a:t>Convert the ELF out file into header file (data array) to be loaded by Linux host into DSP</a:t>
+              <a:rPr lang="en-US" dirty="0"/>
+              <a:t>Address Translation</a:t>
             </a:r>
           </a:p>
           <a:p>
             <a:r>
-              <a:rPr lang="en-US"/>
-              <a:t>View the results via UART (minicom on Linux)</a:t>
+              <a:rPr lang="en-US" altLang="zh-CN" dirty="0">
+                <a:ea typeface="宋体" charset="-122"/>
+              </a:rPr>
+              <a:t>Configuration</a:t>
             </a:r>
           </a:p>
           <a:p>
-            <a:endParaRPr lang="en-US"/>
+            <a:r>
+              <a:rPr lang="en-US" altLang="zh-CN" b="1" dirty="0" smtClean="0">
+                <a:ea typeface="宋体" charset="-122"/>
+              </a:rPr>
+              <a:t>PCIe Demo </a:t>
+            </a:r>
+            <a:endParaRPr lang="en-US" altLang="zh-CN" b="1" dirty="0">
+              <a:ea typeface="宋体" charset="-122"/>
+            </a:endParaRPr>
           </a:p>
         </p:txBody>
       </p:sp>
@@ -7715,13 +7335,6 @@
   <p:clrMapOvr>
     <a:masterClrMapping/>
   </p:clrMapOvr>
-  <p:timing>
-    <p:tnLst>
-      <p:par>
-        <p:cTn id="1" dur="indefinite" restart="never" nodeType="tmRoot"/>
-      </p:par>
-    </p:tnLst>
-  </p:timing>
 </p:sld>
 </file>
 
@@ -7744,7 +7357,7 @@
       </p:grpSpPr>
       <p:sp>
         <p:nvSpPr>
-          <p:cNvPr id="225282" name="Rectangle 2"/>
+          <p:cNvPr id="266242" name="Rectangle 2"/>
           <p:cNvSpPr>
             <a:spLocks noGrp="1" noChangeArrowheads="1"/>
           </p:cNvSpPr>
@@ -7758,527 +7371,38 @@
           <a:lstStyle/>
           <a:p>
             <a:r>
-              <a:rPr lang="en-US"/>
-              <a:t>Demo - UART</a:t>
+              <a:rPr lang="en-US" dirty="0" smtClean="0"/>
+              <a:t>Demo</a:t>
             </a:r>
+            <a:endParaRPr lang="en-US" dirty="0"/>
           </a:p>
         </p:txBody>
       </p:sp>
-      <p:pic>
-        <p:nvPicPr>
-          <p:cNvPr id="225293" name="Picture 13"/>
-          <p:cNvPicPr>
-            <a:picLocks noGrp="1" noChangeAspect="1" noChangeArrowheads="1"/>
-          </p:cNvPicPr>
-          <p:nvPr>
-            <p:ph idx="1"/>
-          </p:nvPr>
-        </p:nvPicPr>
-        <p:blipFill>
-          <a:blip r:embed="rId3" cstate="print"/>
-          <a:stretch>
-            <a:fillRect/>
-          </a:stretch>
-        </p:blipFill>
-        <p:spPr>
-          <a:xfrm>
-            <a:off x="2436186" y="990600"/>
-            <a:ext cx="4271627" cy="5334000"/>
-          </a:xfrm>
-          <a:noFill/>
-          <a:ln/>
-        </p:spPr>
-      </p:pic>
-      <p:pic>
-        <p:nvPicPr>
-          <p:cNvPr id="225288" name="Picture 8"/>
-          <p:cNvPicPr>
-            <a:picLocks noChangeAspect="1" noChangeArrowheads="1"/>
-          </p:cNvPicPr>
-          <p:nvPr/>
-        </p:nvPicPr>
-        <p:blipFill>
-          <a:blip r:embed="rId4" cstate="print"/>
-          <a:srcRect/>
-          <a:stretch>
-            <a:fillRect/>
-          </a:stretch>
-        </p:blipFill>
-        <p:spPr bwMode="auto">
-          <a:xfrm>
-            <a:off x="695325" y="1344613"/>
-            <a:ext cx="3232150" cy="3314700"/>
-          </a:xfrm>
-          <a:prstGeom prst="rect">
-            <a:avLst/>
-          </a:prstGeom>
-          <a:noFill/>
-          <a:ln w="9525">
-            <a:noFill/>
-            <a:miter lim="800000"/>
-            <a:headEnd/>
-            <a:tailEnd/>
-          </a:ln>
-        </p:spPr>
-      </p:pic>
-    </p:spTree>
-  </p:cSld>
-  <p:clrMapOvr>
-    <a:masterClrMapping/>
-  </p:clrMapOvr>
-  <p:timing>
-    <p:tnLst>
-      <p:par>
-        <p:cTn id="1" dur="indefinite" restart="never" nodeType="tmRoot"/>
-      </p:par>
-    </p:tnLst>
-  </p:timing>
-</p:sld>
-</file>
-
-<file path=ppt/slides/slide22.xml><?xml version="1.0" encoding="utf-8"?>
-<p:sld xmlns:a="http://schemas.openxmlformats.org/drawingml/2006/main" xmlns:r="http://schemas.openxmlformats.org/officeDocument/2006/relationships" xmlns:p="http://schemas.openxmlformats.org/presentationml/2006/main">
-  <p:cSld>
-    <p:spTree>
-      <p:nvGrpSpPr>
-        <p:cNvPr id="1" name=""/>
-        <p:cNvGrpSpPr/>
-        <p:nvPr/>
-      </p:nvGrpSpPr>
-      <p:grpSpPr>
-        <a:xfrm>
-          <a:off x="0" y="0"/>
-          <a:ext cx="0" cy="0"/>
-          <a:chOff x="0" y="0"/>
-          <a:chExt cx="0" cy="0"/>
-        </a:xfrm>
-      </p:grpSpPr>
       <p:sp>
         <p:nvSpPr>
-          <p:cNvPr id="269314" name="Rectangle 2"/>
+          <p:cNvPr id="266243" name="Rectangle 3"/>
           <p:cNvSpPr>
             <a:spLocks noGrp="1" noChangeArrowheads="1"/>
           </p:cNvSpPr>
           <p:nvPr>
-            <p:ph type="title"/>
+            <p:ph type="body" sz="half" idx="1"/>
           </p:nvPr>
         </p:nvSpPr>
-        <p:spPr/>
+        <p:spPr>
+          <a:xfrm>
+            <a:off x="333375" y="1185863"/>
+            <a:ext cx="8115300" cy="1914525"/>
+          </a:xfrm>
+        </p:spPr>
         <p:txBody>
           <a:bodyPr/>
           <a:lstStyle/>
           <a:p>
             <a:r>
-              <a:rPr lang="en-US"/>
-              <a:t>Demo - Linux</a:t>
+              <a:rPr lang="en-US" sz="2400" dirty="0" smtClean="0"/>
+              <a:t>C:\ti\pdk_C6678_xx_yy\packages\ti\drv\pcie\example\sample</a:t>
             </a:r>
-          </a:p>
-        </p:txBody>
-      </p:sp>
-      <p:sp>
-        <p:nvSpPr>
-          <p:cNvPr id="269315" name="Rectangle 3"/>
-          <p:cNvSpPr>
-            <a:spLocks noGrp="1" noChangeArrowheads="1"/>
-          </p:cNvSpPr>
-          <p:nvPr>
-            <p:ph idx="1"/>
-          </p:nvPr>
-        </p:nvSpPr>
-        <p:spPr/>
-        <p:txBody>
-          <a:bodyPr/>
-          <a:lstStyle/>
-          <a:p>
-            <a:r>
-              <a:rPr lang="en-US"/>
-              <a:t>View results from “dmesg”</a:t>
-            </a:r>
-          </a:p>
-          <a:p>
-            <a:endParaRPr lang="en-US" altLang="zh-CN" b="1">
-              <a:ea typeface="宋体" charset="-122"/>
-            </a:endParaRPr>
-          </a:p>
-        </p:txBody>
-      </p:sp>
-      <p:sp>
-        <p:nvSpPr>
-          <p:cNvPr id="269316" name="Rectangle 4"/>
-          <p:cNvSpPr>
-            <a:spLocks noChangeArrowheads="1"/>
-          </p:cNvSpPr>
-          <p:nvPr/>
-        </p:nvSpPr>
-        <p:spPr bwMode="auto">
-          <a:xfrm>
-            <a:off x="1169988" y="1754188"/>
-            <a:ext cx="6769100" cy="4267200"/>
-          </a:xfrm>
-          <a:prstGeom prst="rect">
-            <a:avLst/>
-          </a:prstGeom>
-          <a:noFill/>
-          <a:ln w="9525">
-            <a:noFill/>
-            <a:miter lim="800000"/>
-            <a:headEnd/>
-            <a:tailEnd/>
-          </a:ln>
-          <a:effectLst/>
-        </p:spPr>
-        <p:txBody>
-          <a:bodyPr anchor="ctr">
-            <a:spAutoFit/>
-          </a:bodyPr>
-          <a:lstStyle/>
-          <a:p>
-            <a:r>
-              <a:rPr lang="en-US" sz="1200" b="1" dirty="0"/>
-              <a:t>Hello World:</a:t>
-            </a:r>
-          </a:p>
-          <a:p>
-            <a:r>
-              <a:rPr lang="en-US" sz="1000" b="1" dirty="0">
-                <a:latin typeface="Courier New" pitchFamily="49" charset="0"/>
-                <a:cs typeface="Courier New" pitchFamily="49" charset="0"/>
-              </a:rPr>
-              <a:t>[  159.915074] Finding the device....</a:t>
-            </a:r>
-          </a:p>
-          <a:p>
-            <a:r>
-              <a:rPr lang="en-US" sz="1000" b="1" dirty="0">
-                <a:latin typeface="Courier New" pitchFamily="49" charset="0"/>
-                <a:cs typeface="Courier New" pitchFamily="49" charset="0"/>
-              </a:rPr>
-              <a:t>[  159.915087] Found TI device</a:t>
-            </a:r>
-          </a:p>
-          <a:p>
-            <a:r>
-              <a:rPr lang="en-US" sz="1000" b="1" dirty="0">
-                <a:latin typeface="Courier New" pitchFamily="49" charset="0"/>
-                <a:cs typeface="Courier New" pitchFamily="49" charset="0"/>
-              </a:rPr>
-              <a:t>[  159.915089] TI device: vendor=0x104c, dev=0xb005, </a:t>
-            </a:r>
-            <a:r>
-              <a:rPr lang="en-US" sz="1000" b="1" dirty="0" err="1">
-                <a:latin typeface="Courier New" pitchFamily="49" charset="0"/>
-                <a:cs typeface="Courier New" pitchFamily="49" charset="0"/>
-              </a:rPr>
-              <a:t>irq</a:t>
-            </a:r>
-            <a:r>
-              <a:rPr lang="en-US" sz="1000" b="1" dirty="0">
-                <a:latin typeface="Courier New" pitchFamily="49" charset="0"/>
-                <a:cs typeface="Courier New" pitchFamily="49" charset="0"/>
-              </a:rPr>
-              <a:t>=0x0000000b</a:t>
-            </a:r>
-          </a:p>
-          <a:p>
-            <a:r>
-              <a:rPr lang="en-US" sz="1000" b="1" dirty="0">
-                <a:latin typeface="Courier New" pitchFamily="49" charset="0"/>
-                <a:cs typeface="Courier New" pitchFamily="49" charset="0"/>
-              </a:rPr>
-              <a:t>[  159.915090] Reading the BAR areas....</a:t>
-            </a:r>
-          </a:p>
-          <a:p>
-            <a:r>
-              <a:rPr lang="en-US" sz="1000" b="1" dirty="0">
-                <a:latin typeface="Courier New" pitchFamily="49" charset="0"/>
-                <a:cs typeface="Courier New" pitchFamily="49" charset="0"/>
-              </a:rPr>
-              <a:t>[  159.915633] Enabling the device....</a:t>
-            </a:r>
-          </a:p>
-          <a:p>
-            <a:r>
-              <a:rPr lang="en-US" sz="1000" b="1" dirty="0">
-                <a:latin typeface="Courier New" pitchFamily="49" charset="0"/>
-                <a:cs typeface="Courier New" pitchFamily="49" charset="0"/>
-              </a:rPr>
-              <a:t>[  159.915688] </a:t>
-            </a:r>
-            <a:r>
-              <a:rPr lang="en-US" sz="1000" b="1" dirty="0" err="1">
-                <a:latin typeface="Courier New" pitchFamily="49" charset="0"/>
-                <a:cs typeface="Courier New" pitchFamily="49" charset="0"/>
-              </a:rPr>
-              <a:t>pci</a:t>
-            </a:r>
-            <a:r>
-              <a:rPr lang="en-US" sz="1000" b="1" dirty="0">
-                <a:latin typeface="Courier New" pitchFamily="49" charset="0"/>
-                <a:cs typeface="Courier New" pitchFamily="49" charset="0"/>
-              </a:rPr>
-              <a:t> 0000:04:00.0: PCI INT A -&gt; GSI 16 (level, low) -&gt; IRQ 16</a:t>
-            </a:r>
-          </a:p>
-          <a:p>
-            <a:r>
-              <a:rPr lang="en-US" sz="1000" b="1" dirty="0">
-                <a:latin typeface="Courier New" pitchFamily="49" charset="0"/>
-                <a:cs typeface="Courier New" pitchFamily="49" charset="0"/>
-              </a:rPr>
-              <a:t>[  159.915693] </a:t>
-            </a:r>
-            <a:r>
-              <a:rPr lang="en-US" sz="1000" b="1" dirty="0" err="1">
-                <a:latin typeface="Courier New" pitchFamily="49" charset="0"/>
-                <a:cs typeface="Courier New" pitchFamily="49" charset="0"/>
-              </a:rPr>
-              <a:t>pci</a:t>
-            </a:r>
-            <a:r>
-              <a:rPr lang="en-US" sz="1000" b="1" dirty="0">
-                <a:latin typeface="Courier New" pitchFamily="49" charset="0"/>
-                <a:cs typeface="Courier New" pitchFamily="49" charset="0"/>
-              </a:rPr>
-              <a:t> 0000:04:00.0: setting latency timer to 64</a:t>
-            </a:r>
-          </a:p>
-          <a:p>
-            <a:r>
-              <a:rPr lang="en-US" sz="1000" b="1" dirty="0">
-                <a:latin typeface="Courier New" pitchFamily="49" charset="0"/>
-                <a:cs typeface="Courier New" pitchFamily="49" charset="0"/>
-              </a:rPr>
-              <a:t>[  159.915702] Access PCIE application register ....</a:t>
-            </a:r>
-          </a:p>
-          <a:p>
-            <a:r>
-              <a:rPr lang="en-US" sz="1000" b="1" dirty="0">
-                <a:latin typeface="Courier New" pitchFamily="49" charset="0"/>
-                <a:cs typeface="Courier New" pitchFamily="49" charset="0"/>
-              </a:rPr>
-              <a:t>[  159.915706] Registering the </a:t>
-            </a:r>
-            <a:r>
-              <a:rPr lang="en-US" sz="1000" b="1" dirty="0" err="1">
-                <a:latin typeface="Courier New" pitchFamily="49" charset="0"/>
-                <a:cs typeface="Courier New" pitchFamily="49" charset="0"/>
-              </a:rPr>
-              <a:t>irq</a:t>
-            </a:r>
-            <a:r>
-              <a:rPr lang="en-US" sz="1000" b="1" dirty="0">
-                <a:latin typeface="Courier New" pitchFamily="49" charset="0"/>
-                <a:cs typeface="Courier New" pitchFamily="49" charset="0"/>
-              </a:rPr>
-              <a:t> 11 ...</a:t>
-            </a:r>
-          </a:p>
-          <a:p>
-            <a:r>
-              <a:rPr lang="en-US" sz="1000" b="1" dirty="0">
-                <a:latin typeface="Courier New" pitchFamily="49" charset="0"/>
-                <a:cs typeface="Courier New" pitchFamily="49" charset="0"/>
-              </a:rPr>
-              <a:t>[  159.915718] Boot entry address is 0x1082cc00</a:t>
-            </a:r>
-          </a:p>
-          <a:p>
-            <a:r>
-              <a:rPr lang="en-US" sz="1000" b="1" dirty="0">
-                <a:latin typeface="Courier New" pitchFamily="49" charset="0"/>
-                <a:cs typeface="Courier New" pitchFamily="49" charset="0"/>
-              </a:rPr>
-              <a:t>[  159.918251] Total 4 sections, 0xd748 bytes of data written to core 0</a:t>
-            </a:r>
-          </a:p>
-          <a:p>
-            <a:r>
-              <a:rPr lang="en-US" sz="1000" b="1" dirty="0">
-                <a:latin typeface="Courier New" pitchFamily="49" charset="0"/>
-                <a:cs typeface="Courier New" pitchFamily="49" charset="0"/>
-              </a:rPr>
-              <a:t>[  159.976877] Boot entry address is 0x8000cd60</a:t>
-            </a:r>
-          </a:p>
-          <a:p>
-            <a:r>
-              <a:rPr lang="en-US" sz="1000" b="1" dirty="0">
-                <a:latin typeface="Courier New" pitchFamily="49" charset="0"/>
-                <a:cs typeface="Courier New" pitchFamily="49" charset="0"/>
-              </a:rPr>
-              <a:t>[  159.979045] Total 4 sections, 0xda04 bytes of data written to core 9</a:t>
-            </a:r>
-          </a:p>
-          <a:p>
-            <a:pPr lvl="1"/>
-            <a:endParaRPr lang="en-US" sz="1000" dirty="0"/>
-          </a:p>
-          <a:p>
-            <a:r>
-              <a:rPr lang="en-US" sz="1200" b="1" dirty="0" smtClean="0"/>
-              <a:t>POST</a:t>
-            </a:r>
-            <a:r>
-              <a:rPr lang="en-US" sz="1200" b="1" dirty="0"/>
-              <a:t>:</a:t>
-            </a:r>
-          </a:p>
-          <a:p>
-            <a:r>
-              <a:rPr lang="en-US" sz="1000" b="1" dirty="0">
-                <a:latin typeface="Courier New" pitchFamily="49" charset="0"/>
-                <a:cs typeface="Courier New" pitchFamily="49" charset="0"/>
-              </a:rPr>
-              <a:t>[   96.779446] Finding the device....</a:t>
-            </a:r>
-          </a:p>
-          <a:p>
-            <a:r>
-              <a:rPr lang="en-US" sz="1000" b="1" dirty="0">
-                <a:latin typeface="Courier New" pitchFamily="49" charset="0"/>
-                <a:cs typeface="Courier New" pitchFamily="49" charset="0"/>
-              </a:rPr>
-              <a:t>[   96.779463] Found TI device</a:t>
-            </a:r>
-          </a:p>
-          <a:p>
-            <a:r>
-              <a:rPr lang="en-US" sz="1000" b="1" dirty="0">
-                <a:latin typeface="Courier New" pitchFamily="49" charset="0"/>
-                <a:cs typeface="Courier New" pitchFamily="49" charset="0"/>
-              </a:rPr>
-              <a:t>[   96.779464] TI device: vendor=0x104c, dev=0xb005, </a:t>
-            </a:r>
-            <a:r>
-              <a:rPr lang="en-US" sz="1000" b="1" dirty="0" err="1">
-                <a:latin typeface="Courier New" pitchFamily="49" charset="0"/>
-                <a:cs typeface="Courier New" pitchFamily="49" charset="0"/>
-              </a:rPr>
-              <a:t>irq</a:t>
-            </a:r>
-            <a:r>
-              <a:rPr lang="en-US" sz="1000" b="1" dirty="0">
-                <a:latin typeface="Courier New" pitchFamily="49" charset="0"/>
-                <a:cs typeface="Courier New" pitchFamily="49" charset="0"/>
-              </a:rPr>
-              <a:t>=0x0000000b</a:t>
-            </a:r>
-          </a:p>
-          <a:p>
-            <a:r>
-              <a:rPr lang="en-US" sz="1000" b="1" dirty="0">
-                <a:latin typeface="Courier New" pitchFamily="49" charset="0"/>
-                <a:cs typeface="Courier New" pitchFamily="49" charset="0"/>
-              </a:rPr>
-              <a:t>[   96.779465] Reading the BAR areas....</a:t>
-            </a:r>
-          </a:p>
-          <a:p>
-            <a:r>
-              <a:rPr lang="en-US" sz="1000" b="1" dirty="0">
-                <a:latin typeface="Courier New" pitchFamily="49" charset="0"/>
-                <a:cs typeface="Courier New" pitchFamily="49" charset="0"/>
-              </a:rPr>
-              <a:t>[   96.780067] Enabling the device....</a:t>
-            </a:r>
-          </a:p>
-          <a:p>
-            <a:r>
-              <a:rPr lang="en-US" sz="1000" b="1" dirty="0">
-                <a:latin typeface="Courier New" pitchFamily="49" charset="0"/>
-                <a:cs typeface="Courier New" pitchFamily="49" charset="0"/>
-              </a:rPr>
-              <a:t>[   96.780080] </a:t>
-            </a:r>
-            <a:r>
-              <a:rPr lang="en-US" sz="1000" b="1" dirty="0" err="1">
-                <a:latin typeface="Courier New" pitchFamily="49" charset="0"/>
-                <a:cs typeface="Courier New" pitchFamily="49" charset="0"/>
-              </a:rPr>
-              <a:t>pci</a:t>
-            </a:r>
-            <a:r>
-              <a:rPr lang="en-US" sz="1000" b="1" dirty="0">
-                <a:latin typeface="Courier New" pitchFamily="49" charset="0"/>
-                <a:cs typeface="Courier New" pitchFamily="49" charset="0"/>
-              </a:rPr>
-              <a:t> 0000:04:00.0: PCI INT A -&gt; GSI 16 (level, low) -&gt; IRQ 16</a:t>
-            </a:r>
-          </a:p>
-          <a:p>
-            <a:r>
-              <a:rPr lang="en-US" sz="1000" b="1" dirty="0">
-                <a:latin typeface="Courier New" pitchFamily="49" charset="0"/>
-                <a:cs typeface="Courier New" pitchFamily="49" charset="0"/>
-              </a:rPr>
-              <a:t>[   96.780085] </a:t>
-            </a:r>
-            <a:r>
-              <a:rPr lang="en-US" sz="1000" b="1" dirty="0" err="1">
-                <a:latin typeface="Courier New" pitchFamily="49" charset="0"/>
-                <a:cs typeface="Courier New" pitchFamily="49" charset="0"/>
-              </a:rPr>
-              <a:t>pci</a:t>
-            </a:r>
-            <a:r>
-              <a:rPr lang="en-US" sz="1000" b="1" dirty="0">
-                <a:latin typeface="Courier New" pitchFamily="49" charset="0"/>
-                <a:cs typeface="Courier New" pitchFamily="49" charset="0"/>
-              </a:rPr>
-              <a:t> 0000:04:00.0: setting latency timer to 64</a:t>
-            </a:r>
-          </a:p>
-          <a:p>
-            <a:r>
-              <a:rPr lang="en-US" sz="1000" b="1" dirty="0">
-                <a:latin typeface="Courier New" pitchFamily="49" charset="0"/>
-                <a:cs typeface="Courier New" pitchFamily="49" charset="0"/>
-              </a:rPr>
-              <a:t>[   96.780094] Access PCIE application register ....</a:t>
-            </a:r>
-          </a:p>
-          <a:p>
-            <a:r>
-              <a:rPr lang="en-US" sz="1000" b="1" dirty="0">
-                <a:latin typeface="Courier New" pitchFamily="49" charset="0"/>
-                <a:cs typeface="Courier New" pitchFamily="49" charset="0"/>
-              </a:rPr>
-              <a:t>[   96.780098] Registering the </a:t>
-            </a:r>
-            <a:r>
-              <a:rPr lang="en-US" sz="1000" b="1" dirty="0" err="1">
-                <a:latin typeface="Courier New" pitchFamily="49" charset="0"/>
-                <a:cs typeface="Courier New" pitchFamily="49" charset="0"/>
-              </a:rPr>
-              <a:t>irq</a:t>
-            </a:r>
-            <a:r>
-              <a:rPr lang="en-US" sz="1000" b="1" dirty="0">
-                <a:latin typeface="Courier New" pitchFamily="49" charset="0"/>
-                <a:cs typeface="Courier New" pitchFamily="49" charset="0"/>
-              </a:rPr>
-              <a:t> 11 ...</a:t>
-            </a:r>
-          </a:p>
-          <a:p>
-            <a:r>
-              <a:rPr lang="en-US" sz="1000" b="1" dirty="0">
-                <a:latin typeface="Courier New" pitchFamily="49" charset="0"/>
-                <a:cs typeface="Courier New" pitchFamily="49" charset="0"/>
-              </a:rPr>
-              <a:t>[   96.780109] Boot entry address is 0x  83a560</a:t>
-            </a:r>
-          </a:p>
-          <a:p>
-            <a:r>
-              <a:rPr lang="en-US" sz="1000" b="1" dirty="0">
-                <a:latin typeface="Courier New" pitchFamily="49" charset="0"/>
-                <a:cs typeface="Courier New" pitchFamily="49" charset="0"/>
-              </a:rPr>
-              <a:t>[   96.782119] Total 3 sections, 0xb190 bytes of data written to core 0</a:t>
-            </a:r>
+            <a:endParaRPr lang="en-US" sz="2400" dirty="0"/>
           </a:p>
         </p:txBody>
       </p:sp>
@@ -8287,17 +7411,10 @@
   <p:clrMapOvr>
     <a:masterClrMapping/>
   </p:clrMapOvr>
-  <p:timing>
-    <p:tnLst>
-      <p:par>
-        <p:cTn id="1" dur="indefinite" restart="never" nodeType="tmRoot"/>
-      </p:par>
-    </p:tnLst>
-  </p:timing>
 </p:sld>
 </file>
 
-<file path=ppt/slides/slide23.xml><?xml version="1.0" encoding="utf-8"?>
+<file path=ppt/slides/slide22.xml><?xml version="1.0" encoding="utf-8"?>
 <p:sld xmlns:a="http://schemas.openxmlformats.org/drawingml/2006/main" xmlns:r="http://schemas.openxmlformats.org/officeDocument/2006/relationships" xmlns:p="http://schemas.openxmlformats.org/presentationml/2006/main">
   <p:cSld>
     <p:spTree>
@@ -8330,7 +7447,7 @@
           <a:lstStyle/>
           <a:p>
             <a:r>
-              <a:rPr lang="en-US" b="0" smtClean="0"/>
+              <a:rPr lang="en-US" b="0" dirty="0" smtClean="0"/>
               <a:t>For More Information</a:t>
             </a:r>
           </a:p>
@@ -8353,11 +7470,7 @@
           <a:p>
             <a:r>
               <a:rPr lang="en-US" dirty="0" smtClean="0"/>
-              <a:t>For more information, refer to </a:t>
-            </a:r>
-            <a:r>
-              <a:rPr lang="en-US" dirty="0" smtClean="0"/>
-              <a:t>the </a:t>
+              <a:t>For more information, refer to the </a:t>
             </a:r>
             <a:r>
               <a:rPr lang="en-US" dirty="0" smtClean="0">
@@ -8369,16 +7482,11 @@
               <a:rPr lang="en-US" dirty="0" smtClean="0"/>
               <a:t>.</a:t>
             </a:r>
-            <a:endParaRPr lang="en-US" dirty="0" smtClean="0"/>
           </a:p>
           <a:p>
             <a:r>
               <a:rPr lang="en-US" dirty="0" smtClean="0"/>
-              <a:t>For </a:t>
-            </a:r>
-            <a:r>
-              <a:rPr lang="en-US" dirty="0" smtClean="0"/>
-              <a:t>questions regarding topics covered in this training, visit the support forums at the</a:t>
+              <a:t>For questions regarding topics covered in this training, visit the support forums at the</a:t>
             </a:r>
             <a:br>
               <a:rPr lang="en-US" dirty="0" smtClean="0"/>
@@ -8447,7 +7555,7 @@
           <a:lstStyle/>
           <a:p>
             <a:r>
-              <a:rPr lang="en-US"/>
+              <a:rPr lang="en-US" dirty="0"/>
               <a:t>Agenda</a:t>
             </a:r>
           </a:p>
@@ -8499,28 +7607,10 @@
               <a:t>PCIe </a:t>
             </a:r>
             <a:r>
-              <a:rPr lang="en-US" altLang="zh-CN" dirty="0">
-                <a:ea typeface="宋体" charset="-122"/>
-              </a:rPr>
-              <a:t>B</a:t>
-            </a:r>
-            <a:r>
               <a:rPr lang="en-US" altLang="zh-CN" dirty="0" smtClean="0">
                 <a:ea typeface="宋体" charset="-122"/>
               </a:rPr>
-              <a:t>oot </a:t>
-            </a:r>
-            <a:r>
-              <a:rPr lang="en-US" altLang="zh-CN" dirty="0">
-                <a:ea typeface="宋体" charset="-122"/>
-              </a:rPr>
-              <a:t>D</a:t>
-            </a:r>
-            <a:r>
-              <a:rPr lang="en-US" altLang="zh-CN" dirty="0" smtClean="0">
-                <a:ea typeface="宋体" charset="-122"/>
-              </a:rPr>
-              <a:t>emo </a:t>
+              <a:t>Demo </a:t>
             </a:r>
             <a:endParaRPr lang="en-US" altLang="zh-CN" dirty="0">
               <a:ea typeface="宋体" charset="-122"/>
@@ -8750,7 +7840,6 @@
               <a:rPr lang="en-US" b="0" dirty="0" smtClean="0"/>
               <a:t>KeyStone Architecture</a:t>
             </a:r>
-            <a:endParaRPr lang="en-US" b="0" dirty="0" smtClean="0"/>
           </a:p>
         </p:txBody>
       </p:sp>
@@ -8804,15 +7893,7 @@
             </a:pPr>
             <a:r>
               <a:rPr lang="en-US" sz="1800" dirty="0" smtClean="0"/>
-              <a:t>Four high-bandwidth Serial </a:t>
-            </a:r>
-            <a:r>
-              <a:rPr lang="en-US" sz="1800" dirty="0" err="1" smtClean="0"/>
-              <a:t>RapidIO</a:t>
-            </a:r>
-            <a:r>
-              <a:rPr lang="en-US" sz="1800" dirty="0" smtClean="0"/>
-              <a:t> (SRIO) lanes for inter-DSP applications</a:t>
+              <a:t>Four high-bandwidth Serial RapidIO (SRIO) lanes for inter-DSP applications</a:t>
             </a:r>
           </a:p>
           <a:p>
@@ -8863,15 +7944,7 @@
             </a:pPr>
             <a:r>
               <a:rPr lang="en-US" sz="1800" b="1" dirty="0" smtClean="0"/>
-              <a:t>Two PCIe at 5 </a:t>
-            </a:r>
-            <a:r>
-              <a:rPr lang="en-US" sz="1800" b="1" dirty="0" err="1" smtClean="0"/>
-              <a:t>Gbps</a:t>
-            </a:r>
-            <a:r>
-              <a:rPr lang="en-US" sz="1800" b="1" dirty="0" smtClean="0"/>
-              <a:t> </a:t>
+              <a:t>Two PCIe at 5 Gbps </a:t>
             </a:r>
           </a:p>
           <a:p>
@@ -8994,7 +8067,7 @@
           <a:bodyPr wrap="none" anchor="ctr"/>
           <a:lstStyle/>
           <a:p>
-            <a:endParaRPr lang="en-US">
+            <a:endParaRPr lang="en-US" dirty="0">
               <a:solidFill>
                 <a:srgbClr val="000000"/>
               </a:solidFill>
@@ -9034,7 +8107,7 @@
           <a:p>
             <a:pPr algn="ctr"/>
             <a:r>
-              <a:rPr lang="en-US" sz="1800">
+              <a:rPr lang="en-US" sz="1800" dirty="0">
                 <a:solidFill>
                   <a:srgbClr val="000000"/>
                 </a:solidFill>
@@ -9077,7 +8150,7 @@
           <a:p>
             <a:pPr algn="ctr"/>
             <a:r>
-              <a:rPr lang="en-US" sz="1800">
+              <a:rPr lang="en-US" sz="1800" dirty="0">
                 <a:solidFill>
                   <a:srgbClr val="000000"/>
                 </a:solidFill>
@@ -9120,7 +8193,7 @@
           <a:p>
             <a:pPr algn="ctr"/>
             <a:r>
-              <a:rPr lang="en-US" sz="1800">
+              <a:rPr lang="en-US" sz="1800" dirty="0">
                 <a:solidFill>
                   <a:srgbClr val="000000"/>
                 </a:solidFill>
@@ -9163,7 +8236,7 @@
           <a:p>
             <a:pPr algn="ctr"/>
             <a:r>
-              <a:rPr lang="en-US" sz="1800">
+              <a:rPr lang="en-US" sz="1800" dirty="0">
                 <a:solidFill>
                   <a:srgbClr val="000000"/>
                 </a:solidFill>
@@ -9206,7 +8279,7 @@
           <a:p>
             <a:pPr algn="ctr"/>
             <a:r>
-              <a:rPr lang="en-US" sz="1800">
+              <a:rPr lang="en-US" sz="1800" dirty="0">
                 <a:solidFill>
                   <a:srgbClr val="000000"/>
                 </a:solidFill>
@@ -9261,7 +8334,7 @@
             <a:bodyPr/>
             <a:lstStyle/>
             <a:p>
-              <a:endParaRPr lang="en-US"/>
+              <a:endParaRPr lang="en-US" dirty="0"/>
             </a:p>
           </p:txBody>
         </p:sp>
@@ -9312,7 +8385,7 @@
               <a:lstStyle/>
               <a:p>
                 <a:pPr algn="l" eaLnBrk="0" hangingPunct="0"/>
-                <a:endParaRPr lang="en-US" sz="1800">
+                <a:endParaRPr lang="en-US" sz="1800" dirty="0">
                   <a:solidFill>
                     <a:srgbClr val="000000"/>
                   </a:solidFill>
@@ -9353,7 +8426,7 @@
               <a:lstStyle/>
               <a:p>
                 <a:pPr algn="l" eaLnBrk="0" hangingPunct="0"/>
-                <a:endParaRPr lang="en-US" sz="1800">
+                <a:endParaRPr lang="en-US" sz="1800" dirty="0">
                   <a:solidFill>
                     <a:srgbClr val="000000"/>
                   </a:solidFill>
@@ -9394,7 +8467,7 @@
               <a:lstStyle/>
               <a:p>
                 <a:pPr algn="l" eaLnBrk="0" hangingPunct="0"/>
-                <a:endParaRPr lang="en-US" sz="1800">
+                <a:endParaRPr lang="en-US" sz="1800" dirty="0">
                   <a:solidFill>
                     <a:srgbClr val="000000"/>
                   </a:solidFill>
@@ -9434,14 +8507,14 @@
               <a:p>
                 <a:pPr algn="l" eaLnBrk="0" hangingPunct="0"/>
                 <a:r>
-                  <a:rPr lang="en-US" sz="900" b="1">
+                  <a:rPr lang="en-US" sz="900" b="1" dirty="0">
                     <a:solidFill>
                       <a:srgbClr val="000000"/>
                     </a:solidFill>
                   </a:rPr>
                   <a:t>1 to 8 Cores @ up to 1.25 GHz</a:t>
                 </a:r>
-                <a:endParaRPr lang="en-US" sz="1800">
+                <a:endParaRPr lang="en-US" sz="1800" dirty="0">
                   <a:solidFill>
                     <a:srgbClr val="000000"/>
                   </a:solidFill>
@@ -9482,7 +8555,7 @@
               <a:lstStyle/>
               <a:p>
                 <a:pPr algn="l" eaLnBrk="0" hangingPunct="0"/>
-                <a:endParaRPr lang="en-US" sz="1800">
+                <a:endParaRPr lang="en-US" sz="1800" dirty="0">
                   <a:solidFill>
                     <a:srgbClr val="000000"/>
                   </a:solidFill>
@@ -9523,7 +8596,7 @@
               <a:lstStyle/>
               <a:p>
                 <a:pPr algn="l" eaLnBrk="0" hangingPunct="0"/>
-                <a:endParaRPr lang="en-US" sz="1800">
+                <a:endParaRPr lang="en-US" sz="1800" dirty="0">
                   <a:solidFill>
                     <a:srgbClr val="000000"/>
                   </a:solidFill>
@@ -9562,7 +8635,7 @@
               <a:lstStyle/>
               <a:p>
                 <a:pPr algn="l" eaLnBrk="0" hangingPunct="0"/>
-                <a:endParaRPr lang="en-US" sz="1800">
+                <a:endParaRPr lang="en-US" sz="1800" dirty="0">
                   <a:solidFill>
                     <a:srgbClr val="000000"/>
                   </a:solidFill>
@@ -9602,14 +8675,14 @@
               <a:p>
                 <a:pPr algn="l" eaLnBrk="0" hangingPunct="0"/>
                 <a:r>
-                  <a:rPr lang="en-US" sz="800" b="1">
+                  <a:rPr lang="en-US" sz="800" b="1" dirty="0">
                     <a:solidFill>
                       <a:srgbClr val="000000"/>
                     </a:solidFill>
                   </a:rPr>
                   <a:t>MSMC</a:t>
                 </a:r>
-                <a:endParaRPr lang="en-US" sz="1800">
+                <a:endParaRPr lang="en-US" sz="1800" dirty="0">
                   <a:solidFill>
                     <a:srgbClr val="000000"/>
                   </a:solidFill>
@@ -9648,7 +8721,7 @@
               <a:lstStyle/>
               <a:p>
                 <a:pPr algn="l" eaLnBrk="0" hangingPunct="0"/>
-                <a:endParaRPr lang="en-US" sz="1800">
+                <a:endParaRPr lang="en-US" sz="1800" dirty="0">
                   <a:solidFill>
                     <a:srgbClr val="000000"/>
                   </a:solidFill>
@@ -9688,14 +8761,14 @@
               <a:p>
                 <a:pPr algn="l" eaLnBrk="0" hangingPunct="0"/>
                 <a:r>
-                  <a:rPr lang="en-US" sz="800" b="1">
+                  <a:rPr lang="en-US" sz="800" b="1" dirty="0">
                     <a:solidFill>
                       <a:srgbClr val="000000"/>
                     </a:solidFill>
                   </a:rPr>
                   <a:t>MSM</a:t>
                 </a:r>
-                <a:endParaRPr lang="en-US" sz="1800">
+                <a:endParaRPr lang="en-US" sz="1800" dirty="0">
                   <a:solidFill>
                     <a:srgbClr val="000000"/>
                   </a:solidFill>
@@ -9735,14 +8808,14 @@
               <a:p>
                 <a:pPr algn="l" eaLnBrk="0" hangingPunct="0"/>
                 <a:r>
-                  <a:rPr lang="en-US" sz="800" b="1">
+                  <a:rPr lang="en-US" sz="800" b="1" dirty="0">
                     <a:solidFill>
                       <a:srgbClr val="000000"/>
                     </a:solidFill>
                   </a:rPr>
                   <a:t>SRAM</a:t>
                 </a:r>
-                <a:endParaRPr lang="en-US" sz="1800">
+                <a:endParaRPr lang="en-US" sz="1800" dirty="0">
                   <a:solidFill>
                     <a:srgbClr val="000000"/>
                   </a:solidFill>
@@ -9781,7 +8854,7 @@
               <a:lstStyle/>
               <a:p>
                 <a:pPr algn="l" eaLnBrk="0" hangingPunct="0"/>
-                <a:endParaRPr lang="en-US" sz="1800">
+                <a:endParaRPr lang="en-US" sz="1800" dirty="0">
                   <a:solidFill>
                     <a:srgbClr val="000000"/>
                   </a:solidFill>
@@ -9821,14 +8894,14 @@
               <a:p>
                 <a:pPr algn="l" eaLnBrk="0" hangingPunct="0"/>
                 <a:r>
-                  <a:rPr lang="en-US" sz="800" b="1">
+                  <a:rPr lang="en-US" sz="800" b="1" dirty="0">
                     <a:solidFill>
                       <a:srgbClr val="000000"/>
                     </a:solidFill>
                   </a:rPr>
                   <a:t>64-Bit </a:t>
                 </a:r>
-                <a:endParaRPr lang="en-US" sz="1800">
+                <a:endParaRPr lang="en-US" sz="1800" dirty="0">
                   <a:solidFill>
                     <a:srgbClr val="000000"/>
                   </a:solidFill>
@@ -9868,14 +8941,14 @@
               <a:p>
                 <a:pPr algn="l" eaLnBrk="0" hangingPunct="0"/>
                 <a:r>
-                  <a:rPr lang="en-US" sz="800" b="1">
+                  <a:rPr lang="en-US" sz="800" b="1" dirty="0">
                     <a:solidFill>
                       <a:srgbClr val="000000"/>
                     </a:solidFill>
                   </a:rPr>
                   <a:t>DDR3 EMIF</a:t>
                 </a:r>
-                <a:endParaRPr lang="en-US" sz="1800">
+                <a:endParaRPr lang="en-US" sz="1800" dirty="0">
                   <a:solidFill>
                     <a:srgbClr val="000000"/>
                   </a:solidFill>
@@ -9916,7 +8989,7 @@
               <a:lstStyle/>
               <a:p>
                 <a:pPr algn="l" eaLnBrk="0" hangingPunct="0"/>
-                <a:endParaRPr lang="en-US" sz="1800">
+                <a:endParaRPr lang="en-US" sz="1800" dirty="0">
                   <a:solidFill>
                     <a:srgbClr val="000000"/>
                   </a:solidFill>
@@ -9957,7 +9030,7 @@
               <a:lstStyle/>
               <a:p>
                 <a:pPr algn="l" eaLnBrk="0" hangingPunct="0"/>
-                <a:endParaRPr lang="en-US" sz="1800">
+                <a:endParaRPr lang="en-US" sz="1800" dirty="0">
                   <a:solidFill>
                     <a:srgbClr val="000000"/>
                   </a:solidFill>
@@ -9998,7 +9071,7 @@
               <a:lstStyle/>
               <a:p>
                 <a:pPr algn="l" eaLnBrk="0" hangingPunct="0"/>
-                <a:endParaRPr lang="en-US" sz="1800">
+                <a:endParaRPr lang="en-US" sz="1800" dirty="0">
                   <a:solidFill>
                     <a:srgbClr val="000000"/>
                   </a:solidFill>
@@ -10087,7 +9160,7 @@
               <a:bodyPr/>
               <a:lstStyle/>
               <a:p>
-                <a:endParaRPr lang="en-US"/>
+                <a:endParaRPr lang="en-US" dirty="0"/>
               </a:p>
             </p:txBody>
           </p:sp>
@@ -10217,7 +9290,7 @@
               <a:bodyPr/>
               <a:lstStyle/>
               <a:p>
-                <a:endParaRPr lang="en-US"/>
+                <a:endParaRPr lang="en-US" dirty="0"/>
               </a:p>
             </p:txBody>
           </p:sp>
@@ -10252,7 +9325,7 @@
               <a:lstStyle/>
               <a:p>
                 <a:pPr algn="l" eaLnBrk="0" hangingPunct="0"/>
-                <a:endParaRPr lang="en-US" sz="1800">
+                <a:endParaRPr lang="en-US" sz="1800" dirty="0">
                   <a:solidFill>
                     <a:srgbClr val="000000"/>
                   </a:solidFill>
@@ -10341,7 +9414,7 @@
               <a:bodyPr/>
               <a:lstStyle/>
               <a:p>
-                <a:endParaRPr lang="en-US"/>
+                <a:endParaRPr lang="en-US" dirty="0"/>
               </a:p>
             </p:txBody>
           </p:sp>
@@ -10474,7 +9547,7 @@
               <a:bodyPr/>
               <a:lstStyle/>
               <a:p>
-                <a:endParaRPr lang="en-US"/>
+                <a:endParaRPr lang="en-US" dirty="0"/>
               </a:p>
             </p:txBody>
           </p:sp>
@@ -10510,14 +9583,14 @@
               <a:p>
                 <a:pPr algn="l" eaLnBrk="0" hangingPunct="0"/>
                 <a:r>
-                  <a:rPr lang="en-US" sz="900" b="1">
+                  <a:rPr lang="en-US" sz="900" b="1" dirty="0">
                     <a:solidFill>
                       <a:srgbClr val="24211D"/>
                     </a:solidFill>
                   </a:rPr>
                   <a:t>Application-Specific</a:t>
                 </a:r>
-                <a:endParaRPr lang="en-US" sz="1800">
+                <a:endParaRPr lang="en-US" sz="1800" dirty="0">
                   <a:solidFill>
                     <a:srgbClr val="000000"/>
                   </a:solidFill>
@@ -10557,14 +9630,14 @@
               <a:p>
                 <a:pPr algn="l" eaLnBrk="0" hangingPunct="0"/>
                 <a:r>
-                  <a:rPr lang="en-US" sz="900" b="1">
+                  <a:rPr lang="en-US" sz="900" b="1" dirty="0">
                     <a:solidFill>
                       <a:srgbClr val="24211D"/>
                     </a:solidFill>
                   </a:rPr>
                   <a:t>Coprocessors</a:t>
                 </a:r>
-                <a:endParaRPr lang="en-US" sz="1800">
+                <a:endParaRPr lang="en-US" sz="1800" dirty="0">
                   <a:solidFill>
                     <a:srgbClr val="000000"/>
                   </a:solidFill>
@@ -10653,7 +9726,7 @@
               <a:bodyPr/>
               <a:lstStyle/>
               <a:p>
-                <a:endParaRPr lang="en-US"/>
+                <a:endParaRPr lang="en-US" dirty="0"/>
               </a:p>
             </p:txBody>
           </p:sp>
@@ -10783,7 +9856,7 @@
               <a:bodyPr/>
               <a:lstStyle/>
               <a:p>
-                <a:endParaRPr lang="en-US"/>
+                <a:endParaRPr lang="en-US" dirty="0"/>
               </a:p>
             </p:txBody>
           </p:sp>
@@ -10818,7 +9891,7 @@
               <a:lstStyle/>
               <a:p>
                 <a:pPr algn="l" eaLnBrk="0" hangingPunct="0"/>
-                <a:endParaRPr lang="en-US" sz="1800">
+                <a:endParaRPr lang="en-US" sz="1800" dirty="0">
                   <a:solidFill>
                     <a:srgbClr val="000000"/>
                   </a:solidFill>
@@ -10907,7 +9980,7 @@
               <a:bodyPr/>
               <a:lstStyle/>
               <a:p>
-                <a:endParaRPr lang="en-US"/>
+                <a:endParaRPr lang="en-US" dirty="0"/>
               </a:p>
             </p:txBody>
           </p:sp>
@@ -11040,7 +10113,7 @@
               <a:bodyPr/>
               <a:lstStyle/>
               <a:p>
-                <a:endParaRPr lang="en-US"/>
+                <a:endParaRPr lang="en-US" dirty="0"/>
               </a:p>
             </p:txBody>
           </p:sp>
@@ -11125,7 +10198,7 @@
               <a:bodyPr/>
               <a:lstStyle/>
               <a:p>
-                <a:endParaRPr lang="en-US"/>
+                <a:endParaRPr lang="en-US" dirty="0"/>
               </a:p>
             </p:txBody>
           </p:sp>
@@ -11252,7 +10325,7 @@
               <a:bodyPr/>
               <a:lstStyle/>
               <a:p>
-                <a:endParaRPr lang="en-US"/>
+                <a:endParaRPr lang="en-US" dirty="0"/>
               </a:p>
             </p:txBody>
           </p:sp>
@@ -11287,7 +10360,7 @@
               <a:lstStyle/>
               <a:p>
                 <a:pPr algn="l" eaLnBrk="0" hangingPunct="0"/>
-                <a:endParaRPr lang="en-US" sz="1800">
+                <a:endParaRPr lang="en-US" sz="1800" dirty="0">
                   <a:solidFill>
                     <a:srgbClr val="000000"/>
                   </a:solidFill>
@@ -11376,7 +10449,7 @@
               <a:bodyPr/>
               <a:lstStyle/>
               <a:p>
-                <a:endParaRPr lang="en-US"/>
+                <a:endParaRPr lang="en-US" dirty="0"/>
               </a:p>
             </p:txBody>
           </p:sp>
@@ -11506,7 +10579,7 @@
               <a:bodyPr/>
               <a:lstStyle/>
               <a:p>
-                <a:endParaRPr lang="en-US"/>
+                <a:endParaRPr lang="en-US" dirty="0"/>
               </a:p>
             </p:txBody>
           </p:sp>
@@ -11591,7 +10664,7 @@
               <a:bodyPr/>
               <a:lstStyle/>
               <a:p>
-                <a:endParaRPr lang="en-US"/>
+                <a:endParaRPr lang="en-US" dirty="0"/>
               </a:p>
             </p:txBody>
           </p:sp>
@@ -11721,7 +10794,7 @@
               <a:bodyPr/>
               <a:lstStyle/>
               <a:p>
-                <a:endParaRPr lang="en-US"/>
+                <a:endParaRPr lang="en-US" dirty="0"/>
               </a:p>
             </p:txBody>
           </p:sp>
@@ -11756,7 +10829,7 @@
               <a:lstStyle/>
               <a:p>
                 <a:pPr algn="l" eaLnBrk="0" hangingPunct="0"/>
-                <a:endParaRPr lang="en-US" sz="1800">
+                <a:endParaRPr lang="en-US" sz="1800" dirty="0">
                   <a:solidFill>
                     <a:srgbClr val="000000"/>
                   </a:solidFill>
@@ -11845,7 +10918,7 @@
               <a:bodyPr/>
               <a:lstStyle/>
               <a:p>
-                <a:endParaRPr lang="en-US"/>
+                <a:endParaRPr lang="en-US" dirty="0"/>
               </a:p>
             </p:txBody>
           </p:sp>
@@ -11978,7 +11051,7 @@
               <a:bodyPr/>
               <a:lstStyle/>
               <a:p>
-                <a:endParaRPr lang="en-US"/>
+                <a:endParaRPr lang="en-US" dirty="0"/>
               </a:p>
             </p:txBody>
           </p:sp>
@@ -12015,7 +11088,7 @@
               <a:lstStyle/>
               <a:p>
                 <a:pPr algn="l" eaLnBrk="0" hangingPunct="0"/>
-                <a:endParaRPr lang="en-US" sz="1800">
+                <a:endParaRPr lang="en-US" sz="1800" dirty="0">
                   <a:solidFill>
                     <a:srgbClr val="000000"/>
                   </a:solidFill>
@@ -12104,7 +11177,7 @@
               <a:bodyPr/>
               <a:lstStyle/>
               <a:p>
-                <a:endParaRPr lang="en-US"/>
+                <a:endParaRPr lang="en-US" dirty="0"/>
               </a:p>
             </p:txBody>
           </p:sp>
@@ -12231,7 +11304,7 @@
               <a:bodyPr/>
               <a:lstStyle/>
               <a:p>
-                <a:endParaRPr lang="en-US"/>
+                <a:endParaRPr lang="en-US" dirty="0"/>
               </a:p>
             </p:txBody>
           </p:sp>
@@ -12266,7 +11339,7 @@
               <a:lstStyle/>
               <a:p>
                 <a:pPr algn="l" eaLnBrk="0" hangingPunct="0"/>
-                <a:endParaRPr lang="en-US" sz="1800">
+                <a:endParaRPr lang="en-US" sz="1800" dirty="0">
                   <a:solidFill>
                     <a:srgbClr val="000000"/>
                   </a:solidFill>
@@ -12355,7 +11428,7 @@
               <a:bodyPr/>
               <a:lstStyle/>
               <a:p>
-                <a:endParaRPr lang="en-US"/>
+                <a:endParaRPr lang="en-US" dirty="0"/>
               </a:p>
             </p:txBody>
           </p:sp>
@@ -12485,7 +11558,7 @@
               <a:bodyPr/>
               <a:lstStyle/>
               <a:p>
-                <a:endParaRPr lang="en-US"/>
+                <a:endParaRPr lang="en-US" dirty="0"/>
               </a:p>
             </p:txBody>
           </p:sp>
@@ -12570,7 +11643,7 @@
               <a:bodyPr/>
               <a:lstStyle/>
               <a:p>
-                <a:endParaRPr lang="en-US"/>
+                <a:endParaRPr lang="en-US" dirty="0"/>
               </a:p>
             </p:txBody>
           </p:sp>
@@ -12769,7 +11842,7 @@
               <a:bodyPr/>
               <a:lstStyle/>
               <a:p>
-                <a:endParaRPr lang="en-US"/>
+                <a:endParaRPr lang="en-US" dirty="0"/>
               </a:p>
             </p:txBody>
           </p:sp>
@@ -12804,7 +11877,7 @@
               <a:lstStyle/>
               <a:p>
                 <a:pPr algn="l" eaLnBrk="0" hangingPunct="0"/>
-                <a:endParaRPr lang="en-US" sz="1800">
+                <a:endParaRPr lang="en-US" sz="1800" dirty="0">
                   <a:solidFill>
                     <a:srgbClr val="000000"/>
                   </a:solidFill>
@@ -12893,7 +11966,7 @@
               <a:bodyPr/>
               <a:lstStyle/>
               <a:p>
-                <a:endParaRPr lang="en-US"/>
+                <a:endParaRPr lang="en-US" dirty="0"/>
               </a:p>
             </p:txBody>
           </p:sp>
@@ -13089,7 +12162,7 @@
               <a:bodyPr/>
               <a:lstStyle/>
               <a:p>
-                <a:endParaRPr lang="en-US"/>
+                <a:endParaRPr lang="en-US" dirty="0"/>
               </a:p>
             </p:txBody>
           </p:sp>
@@ -13126,7 +12199,7 @@
               <a:lstStyle/>
               <a:p>
                 <a:pPr algn="l" eaLnBrk="0" hangingPunct="0"/>
-                <a:endParaRPr lang="en-US" sz="1800">
+                <a:endParaRPr lang="en-US" sz="1800" dirty="0">
                   <a:solidFill>
                     <a:srgbClr val="000000"/>
                   </a:solidFill>
@@ -13166,14 +12239,14 @@
               <a:p>
                 <a:pPr algn="l" eaLnBrk="0" hangingPunct="0"/>
                 <a:r>
-                  <a:rPr lang="en-US" sz="800" b="1">
+                  <a:rPr lang="en-US" sz="800" b="1" dirty="0">
                     <a:solidFill>
                       <a:srgbClr val="000000"/>
                     </a:solidFill>
                   </a:rPr>
                   <a:t>Power</a:t>
                 </a:r>
-                <a:endParaRPr lang="en-US" sz="1800">
+                <a:endParaRPr lang="en-US" sz="1800" dirty="0">
                   <a:solidFill>
                     <a:srgbClr val="000000"/>
                   </a:solidFill>
@@ -13213,14 +12286,14 @@
               <a:p>
                 <a:pPr algn="l" eaLnBrk="0" hangingPunct="0"/>
                 <a:r>
-                  <a:rPr lang="en-US" sz="800" b="1">
+                  <a:rPr lang="en-US" sz="800" b="1" dirty="0">
                     <a:solidFill>
                       <a:srgbClr val="000000"/>
                     </a:solidFill>
                   </a:rPr>
                   <a:t>Management</a:t>
                 </a:r>
-                <a:endParaRPr lang="en-US" sz="1800">
+                <a:endParaRPr lang="en-US" sz="1800" dirty="0">
                   <a:solidFill>
                     <a:srgbClr val="000000"/>
                   </a:solidFill>
@@ -13261,7 +12334,7 @@
               <a:lstStyle/>
               <a:p>
                 <a:pPr algn="l" eaLnBrk="0" hangingPunct="0"/>
-                <a:endParaRPr lang="en-US" sz="1800">
+                <a:endParaRPr lang="en-US" sz="1800" dirty="0">
                   <a:solidFill>
                     <a:srgbClr val="000000"/>
                   </a:solidFill>
@@ -13301,14 +12374,14 @@
               <a:p>
                 <a:pPr algn="l" eaLnBrk="0" hangingPunct="0"/>
                 <a:r>
-                  <a:rPr lang="en-US" sz="700" b="1">
+                  <a:rPr lang="en-US" sz="700" b="1" dirty="0">
                     <a:solidFill>
                       <a:srgbClr val="000000"/>
                     </a:solidFill>
                   </a:rPr>
                   <a:t>Debug &amp; Trace</a:t>
                 </a:r>
-                <a:endParaRPr lang="en-US" sz="700">
+                <a:endParaRPr lang="en-US" sz="700" dirty="0">
                   <a:solidFill>
                     <a:srgbClr val="000000"/>
                   </a:solidFill>
@@ -13349,7 +12422,7 @@
               <a:lstStyle/>
               <a:p>
                 <a:pPr algn="l" eaLnBrk="0" hangingPunct="0"/>
-                <a:endParaRPr lang="en-US" sz="1800">
+                <a:endParaRPr lang="en-US" sz="1800" dirty="0">
                   <a:solidFill>
                     <a:srgbClr val="000000"/>
                   </a:solidFill>
@@ -13389,14 +12462,14 @@
               <a:p>
                 <a:pPr algn="l" eaLnBrk="0" hangingPunct="0"/>
                 <a:r>
-                  <a:rPr lang="en-US" sz="800" b="1">
+                  <a:rPr lang="en-US" sz="800" b="1" dirty="0">
                     <a:solidFill>
                       <a:srgbClr val="000000"/>
                     </a:solidFill>
                   </a:rPr>
                   <a:t>Boot ROM</a:t>
                 </a:r>
-                <a:endParaRPr lang="en-US" sz="1800">
+                <a:endParaRPr lang="en-US" sz="1800" dirty="0">
                   <a:solidFill>
                     <a:srgbClr val="000000"/>
                   </a:solidFill>
@@ -13437,7 +12510,7 @@
               <a:lstStyle/>
               <a:p>
                 <a:pPr algn="l" eaLnBrk="0" hangingPunct="0"/>
-                <a:endParaRPr lang="en-US" sz="1800">
+                <a:endParaRPr lang="en-US" sz="1800" dirty="0">
                   <a:solidFill>
                     <a:srgbClr val="000000"/>
                   </a:solidFill>
@@ -13477,14 +12550,14 @@
               <a:p>
                 <a:pPr algn="l" eaLnBrk="0" hangingPunct="0"/>
                 <a:r>
-                  <a:rPr lang="en-US" sz="800" b="1">
+                  <a:rPr lang="en-US" sz="800" b="1" dirty="0">
                     <a:solidFill>
                       <a:srgbClr val="000000"/>
                     </a:solidFill>
                   </a:rPr>
                   <a:t>Semaphore</a:t>
                 </a:r>
-                <a:endParaRPr lang="en-US" sz="1800">
+                <a:endParaRPr lang="en-US" sz="1800" dirty="0">
                   <a:solidFill>
                     <a:srgbClr val="000000"/>
                   </a:solidFill>
@@ -13522,7 +12595,7 @@
               <a:bodyPr/>
               <a:lstStyle/>
               <a:p>
-                <a:endParaRPr lang="en-US"/>
+                <a:endParaRPr lang="en-US" dirty="0"/>
               </a:p>
             </p:txBody>
           </p:sp>
@@ -13607,7 +12680,7 @@
               <a:bodyPr/>
               <a:lstStyle/>
               <a:p>
-                <a:endParaRPr lang="en-US"/>
+                <a:endParaRPr lang="en-US" dirty="0"/>
               </a:p>
             </p:txBody>
           </p:sp>
@@ -13692,7 +12765,7 @@
               <a:bodyPr/>
               <a:lstStyle/>
               <a:p>
-                <a:endParaRPr lang="en-US"/>
+                <a:endParaRPr lang="en-US" dirty="0"/>
               </a:p>
             </p:txBody>
           </p:sp>
@@ -13726,7 +12799,7 @@
               <a:bodyPr/>
               <a:lstStyle/>
               <a:p>
-                <a:endParaRPr lang="en-US"/>
+                <a:endParaRPr lang="en-US" dirty="0"/>
               </a:p>
             </p:txBody>
           </p:sp>
@@ -13811,7 +12884,7 @@
               <a:bodyPr/>
               <a:lstStyle/>
               <a:p>
-                <a:endParaRPr lang="en-US"/>
+                <a:endParaRPr lang="en-US" dirty="0"/>
               </a:p>
             </p:txBody>
           </p:sp>
@@ -13896,7 +12969,7 @@
               <a:bodyPr/>
               <a:lstStyle/>
               <a:p>
-                <a:endParaRPr lang="en-US"/>
+                <a:endParaRPr lang="en-US" dirty="0"/>
               </a:p>
             </p:txBody>
           </p:sp>
@@ -13930,7 +13003,7 @@
               <a:bodyPr/>
               <a:lstStyle/>
               <a:p>
-                <a:endParaRPr lang="en-US"/>
+                <a:endParaRPr lang="en-US" dirty="0"/>
               </a:p>
             </p:txBody>
           </p:sp>
@@ -14015,7 +13088,7 @@
               <a:bodyPr/>
               <a:lstStyle/>
               <a:p>
-                <a:endParaRPr lang="en-US"/>
+                <a:endParaRPr lang="en-US" dirty="0"/>
               </a:p>
             </p:txBody>
           </p:sp>
@@ -14100,7 +13173,7 @@
               <a:bodyPr/>
               <a:lstStyle/>
               <a:p>
-                <a:endParaRPr lang="en-US"/>
+                <a:endParaRPr lang="en-US" dirty="0"/>
               </a:p>
             </p:txBody>
           </p:sp>
@@ -14136,14 +13209,14 @@
               <a:p>
                 <a:pPr algn="l" eaLnBrk="0" hangingPunct="0"/>
                 <a:r>
-                  <a:rPr lang="en-US" sz="900" b="1">
+                  <a:rPr lang="en-US" sz="900" b="1" dirty="0">
                     <a:solidFill>
                       <a:srgbClr val="24211D"/>
                     </a:solidFill>
                   </a:rPr>
                   <a:t>Memory Subsystem</a:t>
                 </a:r>
-                <a:endParaRPr lang="en-US" sz="1800">
+                <a:endParaRPr lang="en-US" sz="1800" dirty="0">
                   <a:solidFill>
                     <a:srgbClr val="000000"/>
                   </a:solidFill>
@@ -14232,7 +13305,7 @@
               <a:bodyPr/>
               <a:lstStyle/>
               <a:p>
-                <a:endParaRPr lang="en-US"/>
+                <a:endParaRPr lang="en-US" dirty="0"/>
               </a:p>
             </p:txBody>
           </p:sp>
@@ -14431,7 +13504,7 @@
               <a:bodyPr/>
               <a:lstStyle/>
               <a:p>
-                <a:endParaRPr lang="en-US"/>
+                <a:endParaRPr lang="en-US" dirty="0"/>
               </a:p>
             </p:txBody>
           </p:sp>
@@ -14466,7 +13539,7 @@
               <a:lstStyle/>
               <a:p>
                 <a:pPr algn="l" eaLnBrk="0" hangingPunct="0"/>
-                <a:endParaRPr lang="en-US" sz="1800">
+                <a:endParaRPr lang="en-US" sz="1800" dirty="0">
                   <a:solidFill>
                     <a:srgbClr val="000000"/>
                   </a:solidFill>
@@ -14555,7 +13628,7 @@
               <a:bodyPr/>
               <a:lstStyle/>
               <a:p>
-                <a:endParaRPr lang="en-US"/>
+                <a:endParaRPr lang="en-US" dirty="0"/>
               </a:p>
             </p:txBody>
           </p:sp>
@@ -14751,7 +13824,7 @@
               <a:bodyPr/>
               <a:lstStyle/>
               <a:p>
-                <a:endParaRPr lang="en-US"/>
+                <a:endParaRPr lang="en-US" dirty="0"/>
               </a:p>
             </p:txBody>
           </p:sp>
@@ -14786,7 +13859,7 @@
               <a:lstStyle/>
               <a:p>
                 <a:pPr algn="l" eaLnBrk="0" hangingPunct="0"/>
-                <a:endParaRPr lang="en-US" sz="1800">
+                <a:endParaRPr lang="en-US" sz="1800" dirty="0">
                   <a:solidFill>
                     <a:srgbClr val="000000"/>
                   </a:solidFill>
@@ -14825,7 +13898,7 @@
               <a:lstStyle/>
               <a:p>
                 <a:pPr algn="l" eaLnBrk="0" hangingPunct="0"/>
-                <a:endParaRPr lang="en-US" sz="1800">
+                <a:endParaRPr lang="en-US" sz="1800" dirty="0">
                   <a:solidFill>
                     <a:srgbClr val="000000"/>
                   </a:solidFill>
@@ -14865,14 +13938,14 @@
               <a:p>
                 <a:pPr algn="l" eaLnBrk="0" hangingPunct="0"/>
                 <a:r>
-                  <a:rPr lang="en-US" sz="1000" b="1">
+                  <a:rPr lang="en-US" sz="1000" b="1" dirty="0">
                     <a:solidFill>
                       <a:srgbClr val="000000"/>
                     </a:solidFill>
                   </a:rPr>
                   <a:t>S</a:t>
                 </a:r>
-                <a:endParaRPr lang="en-US" sz="1800">
+                <a:endParaRPr lang="en-US" sz="1800" dirty="0">
                   <a:solidFill>
                     <a:srgbClr val="000000"/>
                   </a:solidFill>
@@ -14912,14 +13985,14 @@
               <a:p>
                 <a:pPr algn="l" eaLnBrk="0" hangingPunct="0"/>
                 <a:r>
-                  <a:rPr lang="en-US" sz="1000" b="1">
+                  <a:rPr lang="en-US" sz="1000" b="1" dirty="0">
                     <a:solidFill>
                       <a:srgbClr val="000000"/>
                     </a:solidFill>
                   </a:rPr>
                   <a:t>R</a:t>
                 </a:r>
-                <a:endParaRPr lang="en-US" sz="1800">
+                <a:endParaRPr lang="en-US" sz="1800" dirty="0">
                   <a:solidFill>
                     <a:srgbClr val="000000"/>
                   </a:solidFill>
@@ -14959,14 +14032,14 @@
               <a:p>
                 <a:pPr algn="l" eaLnBrk="0" hangingPunct="0"/>
                 <a:r>
-                  <a:rPr lang="en-US" sz="1000" b="1">
+                  <a:rPr lang="en-US" sz="1000" b="1" dirty="0">
                     <a:solidFill>
                       <a:srgbClr val="000000"/>
                     </a:solidFill>
                   </a:rPr>
                   <a:t>I</a:t>
                 </a:r>
-                <a:endParaRPr lang="en-US" sz="1800">
+                <a:endParaRPr lang="en-US" sz="1800" dirty="0">
                   <a:solidFill>
                     <a:srgbClr val="000000"/>
                   </a:solidFill>
@@ -15006,14 +14079,14 @@
               <a:p>
                 <a:pPr algn="l" eaLnBrk="0" hangingPunct="0"/>
                 <a:r>
-                  <a:rPr lang="en-US" sz="1000" b="1">
+                  <a:rPr lang="en-US" sz="1000" b="1" dirty="0">
                     <a:solidFill>
                       <a:srgbClr val="000000"/>
                     </a:solidFill>
                   </a:rPr>
                   <a:t>O</a:t>
                 </a:r>
-                <a:endParaRPr lang="en-US" sz="1800">
+                <a:endParaRPr lang="en-US" sz="1800" dirty="0">
                   <a:solidFill>
                     <a:srgbClr val="000000"/>
                   </a:solidFill>
@@ -15053,14 +14126,14 @@
               <a:p>
                 <a:pPr algn="l" eaLnBrk="0" hangingPunct="0"/>
                 <a:r>
-                  <a:rPr lang="en-US" sz="1000" b="1">
+                  <a:rPr lang="en-US" sz="1000" b="1" dirty="0">
                     <a:solidFill>
                       <a:srgbClr val="000000"/>
                     </a:solidFill>
                   </a:rPr>
                   <a:t> </a:t>
                 </a:r>
-                <a:endParaRPr lang="en-US" sz="1800">
+                <a:endParaRPr lang="en-US" sz="1800" dirty="0">
                   <a:solidFill>
                     <a:srgbClr val="000000"/>
                   </a:solidFill>
@@ -15100,14 +14173,14 @@
               <a:p>
                 <a:pPr algn="l" eaLnBrk="0" hangingPunct="0"/>
                 <a:r>
-                  <a:rPr lang="en-US" sz="1000" b="1">
+                  <a:rPr lang="en-US" sz="1000" b="1" dirty="0">
                     <a:solidFill>
                       <a:srgbClr val="000000"/>
                     </a:solidFill>
                   </a:rPr>
                   <a:t> </a:t>
                 </a:r>
-                <a:endParaRPr lang="en-US" sz="1800">
+                <a:endParaRPr lang="en-US" sz="1800" dirty="0">
                   <a:solidFill>
                     <a:srgbClr val="000000"/>
                   </a:solidFill>
@@ -15147,14 +14220,14 @@
               <a:p>
                 <a:pPr algn="l" eaLnBrk="0" hangingPunct="0"/>
                 <a:r>
-                  <a:rPr lang="en-US" sz="1000" b="1">
+                  <a:rPr lang="en-US" sz="1000" b="1" dirty="0">
                     <a:solidFill>
                       <a:srgbClr val="000000"/>
                     </a:solidFill>
                   </a:rPr>
                   <a:t>x4</a:t>
                 </a:r>
-                <a:endParaRPr lang="en-US" sz="1800">
+                <a:endParaRPr lang="en-US" sz="1800" dirty="0">
                   <a:solidFill>
                     <a:srgbClr val="000000"/>
                   </a:solidFill>
@@ -15193,7 +14266,7 @@
               <a:lstStyle/>
               <a:p>
                 <a:pPr algn="l" eaLnBrk="0" hangingPunct="0"/>
-                <a:endParaRPr lang="en-US" sz="1800">
+                <a:endParaRPr lang="en-US" sz="1800" dirty="0">
                   <a:solidFill>
                     <a:srgbClr val="000000"/>
                   </a:solidFill>
@@ -15232,7 +14305,7 @@
               <a:lstStyle/>
               <a:p>
                 <a:pPr algn="l" eaLnBrk="0" hangingPunct="0"/>
-                <a:endParaRPr lang="en-US" sz="1800">
+                <a:endParaRPr lang="en-US" sz="1800" dirty="0">
                   <a:solidFill>
                     <a:srgbClr val="000000"/>
                   </a:solidFill>
@@ -15272,14 +14345,14 @@
               <a:p>
                 <a:pPr algn="l" eaLnBrk="0" hangingPunct="0"/>
                 <a:r>
-                  <a:rPr lang="en-US" sz="1000" b="1">
+                  <a:rPr lang="en-US" sz="1000" b="1" dirty="0">
                     <a:solidFill>
                       <a:srgbClr val="000000"/>
                     </a:solidFill>
                   </a:rPr>
                   <a:t>P</a:t>
                 </a:r>
-                <a:endParaRPr lang="en-US" sz="1800">
+                <a:endParaRPr lang="en-US" sz="1800" dirty="0">
                   <a:solidFill>
                     <a:srgbClr val="000000"/>
                   </a:solidFill>
@@ -15319,14 +14392,14 @@
               <a:p>
                 <a:pPr algn="l" eaLnBrk="0" hangingPunct="0"/>
                 <a:r>
-                  <a:rPr lang="en-US" sz="1000" b="1">
+                  <a:rPr lang="en-US" sz="1000" b="1" dirty="0">
                     <a:solidFill>
                       <a:srgbClr val="000000"/>
                     </a:solidFill>
                   </a:rPr>
                   <a:t>C</a:t>
                 </a:r>
-                <a:endParaRPr lang="en-US" sz="1800">
+                <a:endParaRPr lang="en-US" sz="1800" dirty="0">
                   <a:solidFill>
                     <a:srgbClr val="000000"/>
                   </a:solidFill>
@@ -15366,14 +14439,14 @@
               <a:p>
                 <a:pPr algn="l" eaLnBrk="0" hangingPunct="0"/>
                 <a:r>
-                  <a:rPr lang="en-US" sz="1000" b="1">
+                  <a:rPr lang="en-US" sz="1000" b="1" dirty="0">
                     <a:solidFill>
                       <a:srgbClr val="000000"/>
                     </a:solidFill>
                   </a:rPr>
                   <a:t>I</a:t>
                 </a:r>
-                <a:endParaRPr lang="en-US" sz="1800">
+                <a:endParaRPr lang="en-US" sz="1800" dirty="0">
                   <a:solidFill>
                     <a:srgbClr val="000000"/>
                   </a:solidFill>
@@ -15413,14 +14486,14 @@
               <a:p>
                 <a:pPr algn="l" eaLnBrk="0" hangingPunct="0"/>
                 <a:r>
-                  <a:rPr lang="en-US" sz="1000" b="1">
+                  <a:rPr lang="en-US" sz="1000" b="1" dirty="0">
                     <a:solidFill>
                       <a:srgbClr val="000000"/>
                     </a:solidFill>
                   </a:rPr>
                   <a:t>e</a:t>
                 </a:r>
-                <a:endParaRPr lang="en-US" sz="1800">
+                <a:endParaRPr lang="en-US" sz="1800" dirty="0">
                   <a:solidFill>
                     <a:srgbClr val="000000"/>
                   </a:solidFill>
@@ -15460,14 +14533,14 @@
               <a:p>
                 <a:pPr algn="l" eaLnBrk="0" hangingPunct="0"/>
                 <a:r>
-                  <a:rPr lang="en-US" sz="1000" b="1">
+                  <a:rPr lang="en-US" sz="1000" b="1" dirty="0">
                     <a:solidFill>
                       <a:srgbClr val="000000"/>
                     </a:solidFill>
                   </a:rPr>
                   <a:t> </a:t>
                 </a:r>
-                <a:endParaRPr lang="en-US" sz="1800">
+                <a:endParaRPr lang="en-US" sz="1800" dirty="0">
                   <a:solidFill>
                     <a:srgbClr val="000000"/>
                   </a:solidFill>
@@ -15507,14 +14580,14 @@
               <a:p>
                 <a:pPr algn="l" eaLnBrk="0" hangingPunct="0"/>
                 <a:r>
-                  <a:rPr lang="en-US" sz="1000" b="1">
+                  <a:rPr lang="en-US" sz="1000" b="1" dirty="0">
                     <a:solidFill>
                       <a:srgbClr val="000000"/>
                     </a:solidFill>
                   </a:rPr>
                   <a:t> </a:t>
                 </a:r>
-                <a:endParaRPr lang="en-US" sz="1800">
+                <a:endParaRPr lang="en-US" sz="1800" dirty="0">
                   <a:solidFill>
                     <a:srgbClr val="000000"/>
                   </a:solidFill>
@@ -15554,14 +14627,14 @@
               <a:p>
                 <a:pPr algn="l" eaLnBrk="0" hangingPunct="0"/>
                 <a:r>
-                  <a:rPr lang="en-US" sz="1000" b="1">
+                  <a:rPr lang="en-US" sz="1000" b="1" dirty="0">
                     <a:solidFill>
                       <a:srgbClr val="000000"/>
                     </a:solidFill>
                   </a:rPr>
                   <a:t>x2</a:t>
                 </a:r>
-                <a:endParaRPr lang="en-US" sz="1800">
+                <a:endParaRPr lang="en-US" sz="1800" dirty="0">
                   <a:solidFill>
                     <a:srgbClr val="000000"/>
                   </a:solidFill>
@@ -15602,7 +14675,7 @@
               <a:lstStyle/>
               <a:p>
                 <a:pPr algn="l" eaLnBrk="0" hangingPunct="0"/>
-                <a:endParaRPr lang="en-US" sz="1800">
+                <a:endParaRPr lang="en-US" sz="1800" dirty="0">
                   <a:solidFill>
                     <a:srgbClr val="000000"/>
                   </a:solidFill>
@@ -15642,14 +14715,14 @@
               <a:p>
                 <a:pPr algn="l" eaLnBrk="0" hangingPunct="0"/>
                 <a:r>
-                  <a:rPr lang="en-US" sz="1000" b="1">
+                  <a:rPr lang="en-US" sz="1000" b="1" dirty="0">
                     <a:solidFill>
                       <a:srgbClr val="000000"/>
                     </a:solidFill>
                   </a:rPr>
                   <a:t>U</a:t>
                 </a:r>
-                <a:endParaRPr lang="en-US" sz="1800">
+                <a:endParaRPr lang="en-US" sz="1800" dirty="0">
                   <a:solidFill>
                     <a:srgbClr val="000000"/>
                   </a:solidFill>
@@ -15689,14 +14762,14 @@
               <a:p>
                 <a:pPr algn="l" eaLnBrk="0" hangingPunct="0"/>
                 <a:r>
-                  <a:rPr lang="en-US" sz="1000" b="1">
+                  <a:rPr lang="en-US" sz="1000" b="1" dirty="0">
                     <a:solidFill>
                       <a:srgbClr val="000000"/>
                     </a:solidFill>
                   </a:rPr>
                   <a:t>A</a:t>
                 </a:r>
-                <a:endParaRPr lang="en-US" sz="1800">
+                <a:endParaRPr lang="en-US" sz="1800" dirty="0">
                   <a:solidFill>
                     <a:srgbClr val="000000"/>
                   </a:solidFill>
@@ -15736,14 +14809,14 @@
               <a:p>
                 <a:pPr algn="l" eaLnBrk="0" hangingPunct="0"/>
                 <a:r>
-                  <a:rPr lang="en-US" sz="1000" b="1">
+                  <a:rPr lang="en-US" sz="1000" b="1" dirty="0">
                     <a:solidFill>
                       <a:srgbClr val="000000"/>
                     </a:solidFill>
                   </a:rPr>
                   <a:t>R</a:t>
                 </a:r>
-                <a:endParaRPr lang="en-US" sz="1800">
+                <a:endParaRPr lang="en-US" sz="1800" dirty="0">
                   <a:solidFill>
                     <a:srgbClr val="000000"/>
                   </a:solidFill>
@@ -15783,14 +14856,14 @@
               <a:p>
                 <a:pPr algn="l" eaLnBrk="0" hangingPunct="0"/>
                 <a:r>
-                  <a:rPr lang="en-US" sz="1000" b="1">
+                  <a:rPr lang="en-US" sz="1000" b="1" dirty="0">
                     <a:solidFill>
                       <a:srgbClr val="000000"/>
                     </a:solidFill>
                   </a:rPr>
                   <a:t>T</a:t>
                 </a:r>
-                <a:endParaRPr lang="en-US" sz="1800">
+                <a:endParaRPr lang="en-US" sz="1800" dirty="0">
                   <a:solidFill>
                     <a:srgbClr val="000000"/>
                   </a:solidFill>
@@ -15829,7 +14902,7 @@
               <a:lstStyle/>
               <a:p>
                 <a:pPr algn="l" eaLnBrk="0" hangingPunct="0"/>
-                <a:endParaRPr lang="en-US" sz="1800">
+                <a:endParaRPr lang="en-US" sz="1800" dirty="0">
                   <a:solidFill>
                     <a:srgbClr val="000000"/>
                   </a:solidFill>
@@ -15868,7 +14941,7 @@
               <a:lstStyle/>
               <a:p>
                 <a:pPr algn="l" eaLnBrk="0" hangingPunct="0"/>
-                <a:endParaRPr lang="en-US" sz="1800">
+                <a:endParaRPr lang="en-US" sz="1800" dirty="0">
                   <a:solidFill>
                     <a:srgbClr val="000000"/>
                   </a:solidFill>
@@ -15908,14 +14981,14 @@
               <a:p>
                 <a:pPr algn="l" eaLnBrk="0" hangingPunct="0"/>
                 <a:r>
-                  <a:rPr lang="en-US" sz="800" b="1">
+                  <a:rPr lang="en-US" sz="800" b="1" dirty="0">
                     <a:solidFill>
                       <a:srgbClr val="000000"/>
                     </a:solidFill>
                   </a:rPr>
                   <a:t>A</a:t>
                 </a:r>
-                <a:endParaRPr lang="en-US" sz="1800">
+                <a:endParaRPr lang="en-US" sz="1800" dirty="0">
                   <a:solidFill>
                     <a:srgbClr val="000000"/>
                   </a:solidFill>
@@ -15955,14 +15028,14 @@
               <a:p>
                 <a:pPr algn="l" eaLnBrk="0" hangingPunct="0"/>
                 <a:r>
-                  <a:rPr lang="en-US" sz="800" b="1">
+                  <a:rPr lang="en-US" sz="800" b="1" dirty="0">
                     <a:solidFill>
                       <a:srgbClr val="000000"/>
                     </a:solidFill>
                   </a:rPr>
                   <a:t>p</a:t>
                 </a:r>
-                <a:endParaRPr lang="en-US" sz="1800">
+                <a:endParaRPr lang="en-US" sz="1800" dirty="0">
                   <a:solidFill>
                     <a:srgbClr val="000000"/>
                   </a:solidFill>
@@ -16002,14 +15075,14 @@
               <a:p>
                 <a:pPr algn="l" eaLnBrk="0" hangingPunct="0"/>
                 <a:r>
-                  <a:rPr lang="en-US" sz="800" b="1">
+                  <a:rPr lang="en-US" sz="800" b="1" dirty="0">
                     <a:solidFill>
                       <a:srgbClr val="000000"/>
                     </a:solidFill>
                   </a:rPr>
                   <a:t>p</a:t>
                 </a:r>
-                <a:endParaRPr lang="en-US" sz="1800">
+                <a:endParaRPr lang="en-US" sz="1800" dirty="0">
                   <a:solidFill>
                     <a:srgbClr val="000000"/>
                   </a:solidFill>
@@ -16049,14 +15122,14 @@
               <a:p>
                 <a:pPr algn="l" eaLnBrk="0" hangingPunct="0"/>
                 <a:r>
-                  <a:rPr lang="en-US" sz="800" b="1">
+                  <a:rPr lang="en-US" sz="800" b="1" dirty="0">
                     <a:solidFill>
                       <a:srgbClr val="000000"/>
                     </a:solidFill>
                   </a:rPr>
                   <a:t>l</a:t>
                 </a:r>
-                <a:endParaRPr lang="en-US" sz="1800">
+                <a:endParaRPr lang="en-US" sz="1800" dirty="0">
                   <a:solidFill>
                     <a:srgbClr val="000000"/>
                   </a:solidFill>
@@ -16096,14 +15169,14 @@
               <a:p>
                 <a:pPr algn="l" eaLnBrk="0" hangingPunct="0"/>
                 <a:r>
-                  <a:rPr lang="en-US" sz="800" b="1">
+                  <a:rPr lang="en-US" sz="800" b="1" dirty="0">
                     <a:solidFill>
                       <a:srgbClr val="000000"/>
                     </a:solidFill>
                   </a:rPr>
                   <a:t>i</a:t>
                 </a:r>
-                <a:endParaRPr lang="en-US" sz="1800">
+                <a:endParaRPr lang="en-US" sz="1800" dirty="0">
                   <a:solidFill>
                     <a:srgbClr val="000000"/>
                   </a:solidFill>
@@ -16143,14 +15216,14 @@
               <a:p>
                 <a:pPr algn="l" eaLnBrk="0" hangingPunct="0"/>
                 <a:r>
-                  <a:rPr lang="en-US" sz="800" b="1">
+                  <a:rPr lang="en-US" sz="800" b="1" dirty="0">
                     <a:solidFill>
                       <a:srgbClr val="000000"/>
                     </a:solidFill>
                   </a:rPr>
                   <a:t>c</a:t>
                 </a:r>
-                <a:endParaRPr lang="en-US" sz="1800">
+                <a:endParaRPr lang="en-US" sz="1800" dirty="0">
                   <a:solidFill>
                     <a:srgbClr val="000000"/>
                   </a:solidFill>
@@ -16190,14 +15263,14 @@
               <a:p>
                 <a:pPr algn="l" eaLnBrk="0" hangingPunct="0"/>
                 <a:r>
-                  <a:rPr lang="en-US" sz="800" b="1">
+                  <a:rPr lang="en-US" sz="800" b="1" dirty="0">
                     <a:solidFill>
                       <a:srgbClr val="000000"/>
                     </a:solidFill>
                   </a:rPr>
                   <a:t>a</a:t>
                 </a:r>
-                <a:endParaRPr lang="en-US" sz="1800">
+                <a:endParaRPr lang="en-US" sz="1800" dirty="0">
                   <a:solidFill>
                     <a:srgbClr val="000000"/>
                   </a:solidFill>
@@ -16237,14 +15310,14 @@
               <a:p>
                 <a:pPr algn="l" eaLnBrk="0" hangingPunct="0"/>
                 <a:r>
-                  <a:rPr lang="en-US" sz="800" b="1">
+                  <a:rPr lang="en-US" sz="800" b="1" dirty="0">
                     <a:solidFill>
                       <a:srgbClr val="000000"/>
                     </a:solidFill>
                   </a:rPr>
                   <a:t>t</a:t>
                 </a:r>
-                <a:endParaRPr lang="en-US" sz="1800">
+                <a:endParaRPr lang="en-US" sz="1800" dirty="0">
                   <a:solidFill>
                     <a:srgbClr val="000000"/>
                   </a:solidFill>
@@ -16284,14 +15357,14 @@
               <a:p>
                 <a:pPr algn="l" eaLnBrk="0" hangingPunct="0"/>
                 <a:r>
-                  <a:rPr lang="en-US" sz="800" b="1">
+                  <a:rPr lang="en-US" sz="800" b="1" dirty="0">
                     <a:solidFill>
                       <a:srgbClr val="000000"/>
                     </a:solidFill>
                   </a:rPr>
                   <a:t>i</a:t>
                 </a:r>
-                <a:endParaRPr lang="en-US" sz="1800">
+                <a:endParaRPr lang="en-US" sz="1800" dirty="0">
                   <a:solidFill>
                     <a:srgbClr val="000000"/>
                   </a:solidFill>
@@ -16331,14 +15404,14 @@
               <a:p>
                 <a:pPr algn="l" eaLnBrk="0" hangingPunct="0"/>
                 <a:r>
-                  <a:rPr lang="en-US" sz="800" b="1">
+                  <a:rPr lang="en-US" sz="800" b="1" dirty="0">
                     <a:solidFill>
                       <a:srgbClr val="000000"/>
                     </a:solidFill>
                   </a:rPr>
                   <a:t>o</a:t>
                 </a:r>
-                <a:endParaRPr lang="en-US" sz="1800">
+                <a:endParaRPr lang="en-US" sz="1800" dirty="0">
                   <a:solidFill>
                     <a:srgbClr val="000000"/>
                   </a:solidFill>
@@ -16378,14 +15451,14 @@
               <a:p>
                 <a:pPr algn="l" eaLnBrk="0" hangingPunct="0"/>
                 <a:r>
-                  <a:rPr lang="en-US" sz="800" b="1">
+                  <a:rPr lang="en-US" sz="800" b="1" dirty="0">
                     <a:solidFill>
                       <a:srgbClr val="000000"/>
                     </a:solidFill>
                   </a:rPr>
                   <a:t>n</a:t>
                 </a:r>
-                <a:endParaRPr lang="en-US" sz="1800">
+                <a:endParaRPr lang="en-US" sz="1800" dirty="0">
                   <a:solidFill>
                     <a:srgbClr val="000000"/>
                   </a:solidFill>
@@ -16425,14 +15498,14 @@
               <a:p>
                 <a:pPr algn="l" eaLnBrk="0" hangingPunct="0"/>
                 <a:r>
-                  <a:rPr lang="en-US" sz="800" b="1">
+                  <a:rPr lang="en-US" sz="800" b="1" dirty="0">
                     <a:solidFill>
                       <a:srgbClr val="000000"/>
                     </a:solidFill>
                   </a:rPr>
                   <a:t>-</a:t>
                 </a:r>
-                <a:endParaRPr lang="en-US" sz="1800">
+                <a:endParaRPr lang="en-US" sz="1800" dirty="0">
                   <a:solidFill>
                     <a:srgbClr val="000000"/>
                   </a:solidFill>
@@ -16472,14 +15545,14 @@
               <a:p>
                 <a:pPr algn="l" eaLnBrk="0" hangingPunct="0"/>
                 <a:r>
-                  <a:rPr lang="en-US" sz="800" b="1">
+                  <a:rPr lang="en-US" sz="800" b="1" dirty="0">
                     <a:solidFill>
                       <a:srgbClr val="000000"/>
                     </a:solidFill>
                   </a:rPr>
                   <a:t>S</a:t>
                 </a:r>
-                <a:endParaRPr lang="en-US" sz="1800">
+                <a:endParaRPr lang="en-US" sz="1800" dirty="0">
                   <a:solidFill>
                     <a:srgbClr val="000000"/>
                   </a:solidFill>
@@ -16519,14 +15592,14 @@
               <a:p>
                 <a:pPr algn="l" eaLnBrk="0" hangingPunct="0"/>
                 <a:r>
-                  <a:rPr lang="en-US" sz="800" b="1">
+                  <a:rPr lang="en-US" sz="800" b="1" dirty="0">
                     <a:solidFill>
                       <a:srgbClr val="000000"/>
                     </a:solidFill>
                   </a:rPr>
                   <a:t>p</a:t>
                 </a:r>
-                <a:endParaRPr lang="en-US" sz="1800">
+                <a:endParaRPr lang="en-US" sz="1800" dirty="0">
                   <a:solidFill>
                     <a:srgbClr val="000000"/>
                   </a:solidFill>
@@ -16566,14 +15639,14 @@
               <a:p>
                 <a:pPr algn="l" eaLnBrk="0" hangingPunct="0"/>
                 <a:r>
-                  <a:rPr lang="en-US" sz="800" b="1">
+                  <a:rPr lang="en-US" sz="800" b="1" dirty="0">
                     <a:solidFill>
                       <a:srgbClr val="000000"/>
                     </a:solidFill>
                   </a:rPr>
                   <a:t>e</a:t>
                 </a:r>
-                <a:endParaRPr lang="en-US" sz="1800">
+                <a:endParaRPr lang="en-US" sz="1800" dirty="0">
                   <a:solidFill>
                     <a:srgbClr val="000000"/>
                   </a:solidFill>
@@ -16613,14 +15686,14 @@
               <a:p>
                 <a:pPr algn="l" eaLnBrk="0" hangingPunct="0"/>
                 <a:r>
-                  <a:rPr lang="en-US" sz="800" b="1">
+                  <a:rPr lang="en-US" sz="800" b="1" dirty="0">
                     <a:solidFill>
                       <a:srgbClr val="000000"/>
                     </a:solidFill>
                   </a:rPr>
                   <a:t>c</a:t>
                 </a:r>
-                <a:endParaRPr lang="en-US" sz="1800">
+                <a:endParaRPr lang="en-US" sz="1800" dirty="0">
                   <a:solidFill>
                     <a:srgbClr val="000000"/>
                   </a:solidFill>
@@ -16660,14 +15733,14 @@
               <a:p>
                 <a:pPr algn="l" eaLnBrk="0" hangingPunct="0"/>
                 <a:r>
-                  <a:rPr lang="en-US" sz="800" b="1">
+                  <a:rPr lang="en-US" sz="800" b="1" dirty="0">
                     <a:solidFill>
                       <a:srgbClr val="000000"/>
                     </a:solidFill>
                   </a:rPr>
                   <a:t>i</a:t>
                 </a:r>
-                <a:endParaRPr lang="en-US" sz="1800">
+                <a:endParaRPr lang="en-US" sz="1800" dirty="0">
                   <a:solidFill>
                     <a:srgbClr val="000000"/>
                   </a:solidFill>
@@ -16707,14 +15780,14 @@
               <a:p>
                 <a:pPr algn="l" eaLnBrk="0" hangingPunct="0"/>
                 <a:r>
-                  <a:rPr lang="en-US" sz="800" b="1">
+                  <a:rPr lang="en-US" sz="800" b="1" dirty="0">
                     <a:solidFill>
                       <a:srgbClr val="000000"/>
                     </a:solidFill>
                   </a:rPr>
                   <a:t>f</a:t>
                 </a:r>
-                <a:endParaRPr lang="en-US" sz="1800">
+                <a:endParaRPr lang="en-US" sz="1800" dirty="0">
                   <a:solidFill>
                     <a:srgbClr val="000000"/>
                   </a:solidFill>
@@ -16754,14 +15827,14 @@
               <a:p>
                 <a:pPr algn="l" eaLnBrk="0" hangingPunct="0"/>
                 <a:r>
-                  <a:rPr lang="en-US" sz="800" b="1">
+                  <a:rPr lang="en-US" sz="800" b="1" dirty="0">
                     <a:solidFill>
                       <a:srgbClr val="000000"/>
                     </a:solidFill>
                   </a:rPr>
                   <a:t>i</a:t>
                 </a:r>
-                <a:endParaRPr lang="en-US" sz="1800">
+                <a:endParaRPr lang="en-US" sz="1800" dirty="0">
                   <a:solidFill>
                     <a:srgbClr val="000000"/>
                   </a:solidFill>
@@ -16801,14 +15874,14 @@
               <a:p>
                 <a:pPr algn="l" eaLnBrk="0" hangingPunct="0"/>
                 <a:r>
-                  <a:rPr lang="en-US" sz="800" b="1">
+                  <a:rPr lang="en-US" sz="800" b="1" dirty="0">
                     <a:solidFill>
                       <a:srgbClr val="000000"/>
                     </a:solidFill>
                   </a:rPr>
                   <a:t>c</a:t>
                 </a:r>
-                <a:endParaRPr lang="en-US" sz="1800">
+                <a:endParaRPr lang="en-US" sz="1800" dirty="0">
                   <a:solidFill>
                     <a:srgbClr val="000000"/>
                   </a:solidFill>
@@ -16848,14 +15921,14 @@
               <a:p>
                 <a:pPr algn="l" eaLnBrk="0" hangingPunct="0"/>
                 <a:r>
-                  <a:rPr lang="en-US" sz="800" b="1">
+                  <a:rPr lang="en-US" sz="800" b="1" dirty="0">
                     <a:solidFill>
                       <a:srgbClr val="000000"/>
                     </a:solidFill>
                   </a:rPr>
                   <a:t> </a:t>
                 </a:r>
-                <a:endParaRPr lang="en-US" sz="1800">
+                <a:endParaRPr lang="en-US" sz="1800" dirty="0">
                   <a:solidFill>
                     <a:srgbClr val="000000"/>
                   </a:solidFill>
@@ -16895,14 +15968,14 @@
               <a:p>
                 <a:pPr algn="l" eaLnBrk="0" hangingPunct="0"/>
                 <a:r>
-                  <a:rPr lang="en-US" sz="800" b="1">
+                  <a:rPr lang="en-US" sz="800" b="1" dirty="0">
                     <a:solidFill>
                       <a:srgbClr val="000000"/>
                     </a:solidFill>
                   </a:rPr>
                   <a:t>I</a:t>
                 </a:r>
-                <a:endParaRPr lang="en-US" sz="1800">
+                <a:endParaRPr lang="en-US" sz="1800" dirty="0">
                   <a:solidFill>
                     <a:srgbClr val="000000"/>
                   </a:solidFill>
@@ -16942,14 +16015,14 @@
               <a:p>
                 <a:pPr algn="l" eaLnBrk="0" hangingPunct="0"/>
                 <a:r>
-                  <a:rPr lang="en-US" sz="800" b="1">
+                  <a:rPr lang="en-US" sz="800" b="1" dirty="0">
                     <a:solidFill>
                       <a:srgbClr val="000000"/>
                     </a:solidFill>
                   </a:rPr>
                   <a:t>/</a:t>
                 </a:r>
-                <a:endParaRPr lang="en-US" sz="1800">
+                <a:endParaRPr lang="en-US" sz="1800" dirty="0">
                   <a:solidFill>
                     <a:srgbClr val="000000"/>
                   </a:solidFill>
@@ -16989,14 +16062,14 @@
               <a:p>
                 <a:pPr algn="l" eaLnBrk="0" hangingPunct="0"/>
                 <a:r>
-                  <a:rPr lang="en-US" sz="800" b="1">
+                  <a:rPr lang="en-US" sz="800" b="1" dirty="0">
                     <a:solidFill>
                       <a:srgbClr val="000000"/>
                     </a:solidFill>
                   </a:rPr>
                   <a:t>O</a:t>
                 </a:r>
-                <a:endParaRPr lang="en-US" sz="1800">
+                <a:endParaRPr lang="en-US" sz="1800" dirty="0">
                   <a:solidFill>
                     <a:srgbClr val="000000"/>
                   </a:solidFill>
@@ -17035,7 +16108,7 @@
               <a:lstStyle/>
               <a:p>
                 <a:pPr algn="l" eaLnBrk="0" hangingPunct="0"/>
-                <a:endParaRPr lang="en-US" sz="1800">
+                <a:endParaRPr lang="en-US" sz="1800" dirty="0">
                   <a:solidFill>
                     <a:srgbClr val="000000"/>
                   </a:solidFill>
@@ -17074,7 +16147,7 @@
               <a:lstStyle/>
               <a:p>
                 <a:pPr algn="l" eaLnBrk="0" hangingPunct="0"/>
-                <a:endParaRPr lang="en-US" sz="1800">
+                <a:endParaRPr lang="en-US" sz="1800" dirty="0">
                   <a:solidFill>
                     <a:srgbClr val="000000"/>
                   </a:solidFill>
@@ -17114,14 +16187,14 @@
               <a:p>
                 <a:pPr algn="l" eaLnBrk="0" hangingPunct="0"/>
                 <a:r>
-                  <a:rPr lang="en-US" sz="1000" b="1">
+                  <a:rPr lang="en-US" sz="1000" b="1" dirty="0">
                     <a:solidFill>
                       <a:srgbClr val="000000"/>
                     </a:solidFill>
                   </a:rPr>
                   <a:t>S</a:t>
                 </a:r>
-                <a:endParaRPr lang="en-US" sz="1800">
+                <a:endParaRPr lang="en-US" sz="1800" dirty="0">
                   <a:solidFill>
                     <a:srgbClr val="000000"/>
                   </a:solidFill>
@@ -17161,14 +16234,14 @@
               <a:p>
                 <a:pPr algn="l" eaLnBrk="0" hangingPunct="0"/>
                 <a:r>
-                  <a:rPr lang="en-US" sz="1000" b="1">
+                  <a:rPr lang="en-US" sz="1000" b="1" dirty="0">
                     <a:solidFill>
                       <a:srgbClr val="000000"/>
                     </a:solidFill>
                   </a:rPr>
                   <a:t>P</a:t>
                 </a:r>
-                <a:endParaRPr lang="en-US" sz="1800">
+                <a:endParaRPr lang="en-US" sz="1800" dirty="0">
                   <a:solidFill>
                     <a:srgbClr val="000000"/>
                   </a:solidFill>
@@ -17208,14 +16281,14 @@
               <a:p>
                 <a:pPr algn="l" eaLnBrk="0" hangingPunct="0"/>
                 <a:r>
-                  <a:rPr lang="en-US" sz="1000" b="1">
+                  <a:rPr lang="en-US" sz="1000" b="1" dirty="0">
                     <a:solidFill>
                       <a:srgbClr val="000000"/>
                     </a:solidFill>
                   </a:rPr>
                   <a:t>I</a:t>
                 </a:r>
-                <a:endParaRPr lang="en-US" sz="1800">
+                <a:endParaRPr lang="en-US" sz="1800" dirty="0">
                   <a:solidFill>
                     <a:srgbClr val="000000"/>
                   </a:solidFill>
@@ -17254,7 +16327,7 @@
               <a:lstStyle/>
               <a:p>
                 <a:pPr algn="l" eaLnBrk="0" hangingPunct="0"/>
-                <a:endParaRPr lang="en-US" sz="1800">
+                <a:endParaRPr lang="en-US" sz="1800" dirty="0">
                   <a:solidFill>
                     <a:srgbClr val="000000"/>
                   </a:solidFill>
@@ -17293,7 +16366,7 @@
               <a:lstStyle/>
               <a:p>
                 <a:pPr algn="l" eaLnBrk="0" hangingPunct="0"/>
-                <a:endParaRPr lang="en-US" sz="1800">
+                <a:endParaRPr lang="en-US" sz="1800" dirty="0">
                   <a:solidFill>
                     <a:srgbClr val="000000"/>
                   </a:solidFill>
@@ -17333,14 +16406,14 @@
               <a:p>
                 <a:pPr algn="l" eaLnBrk="0" hangingPunct="0"/>
                 <a:r>
-                  <a:rPr lang="en-US" sz="1000" b="1">
+                  <a:rPr lang="en-US" sz="1000" b="1" dirty="0">
                     <a:solidFill>
                       <a:srgbClr val="000000"/>
                     </a:solidFill>
                   </a:rPr>
                   <a:t>I</a:t>
                 </a:r>
-                <a:endParaRPr lang="en-US" sz="1800">
+                <a:endParaRPr lang="en-US" sz="1800" dirty="0">
                   <a:solidFill>
                     <a:srgbClr val="000000"/>
                   </a:solidFill>
@@ -17380,14 +16453,14 @@
               <a:p>
                 <a:pPr algn="l" eaLnBrk="0" hangingPunct="0"/>
                 <a:r>
-                  <a:rPr lang="en-US" sz="1000" b="1">
+                  <a:rPr lang="en-US" sz="1000" b="1" dirty="0">
                     <a:solidFill>
                       <a:srgbClr val="000000"/>
                     </a:solidFill>
                   </a:rPr>
                   <a:t>C</a:t>
                 </a:r>
-                <a:endParaRPr lang="en-US" sz="1800">
+                <a:endParaRPr lang="en-US" sz="1800" dirty="0">
                   <a:solidFill>
                     <a:srgbClr val="000000"/>
                   </a:solidFill>
@@ -17427,14 +16500,14 @@
               <a:p>
                 <a:pPr algn="l" eaLnBrk="0" hangingPunct="0"/>
                 <a:r>
-                  <a:rPr lang="en-US" sz="700" b="1">
+                  <a:rPr lang="en-US" sz="700" b="1" dirty="0">
                     <a:solidFill>
                       <a:srgbClr val="000000"/>
                     </a:solidFill>
                   </a:rPr>
                   <a:t>2</a:t>
                 </a:r>
-                <a:endParaRPr lang="en-US" sz="1800">
+                <a:endParaRPr lang="en-US" sz="1800" dirty="0">
                   <a:solidFill>
                     <a:srgbClr val="000000"/>
                   </a:solidFill>
@@ -17523,7 +16596,7 @@
               <a:bodyPr/>
               <a:lstStyle/>
               <a:p>
-                <a:endParaRPr lang="en-US"/>
+                <a:endParaRPr lang="en-US" dirty="0"/>
               </a:p>
             </p:txBody>
           </p:sp>
@@ -17653,7 +16726,7 @@
               <a:bodyPr/>
               <a:lstStyle/>
               <a:p>
-                <a:endParaRPr lang="en-US"/>
+                <a:endParaRPr lang="en-US" dirty="0"/>
               </a:p>
             </p:txBody>
           </p:sp>
@@ -17688,7 +16761,7 @@
               <a:lstStyle/>
               <a:p>
                 <a:pPr algn="l" eaLnBrk="0" hangingPunct="0"/>
-                <a:endParaRPr lang="en-US" sz="1800">
+                <a:endParaRPr lang="en-US" sz="1800" dirty="0">
                   <a:solidFill>
                     <a:srgbClr val="000000"/>
                   </a:solidFill>
@@ -17777,7 +16850,7 @@
               <a:bodyPr/>
               <a:lstStyle/>
               <a:p>
-                <a:endParaRPr lang="en-US"/>
+                <a:endParaRPr lang="en-US" dirty="0"/>
               </a:p>
             </p:txBody>
           </p:sp>
@@ -17910,7 +16983,7 @@
               <a:bodyPr/>
               <a:lstStyle/>
               <a:p>
-                <a:endParaRPr lang="en-US"/>
+                <a:endParaRPr lang="en-US" dirty="0"/>
               </a:p>
             </p:txBody>
           </p:sp>
@@ -17995,7 +17068,7 @@
               <a:bodyPr/>
               <a:lstStyle/>
               <a:p>
-                <a:endParaRPr lang="en-US"/>
+                <a:endParaRPr lang="en-US" dirty="0"/>
               </a:p>
             </p:txBody>
           </p:sp>
@@ -18131,7 +17204,7 @@
               <a:bodyPr/>
               <a:lstStyle/>
               <a:p>
-                <a:endParaRPr lang="en-US"/>
+                <a:endParaRPr lang="en-US" dirty="0"/>
               </a:p>
             </p:txBody>
           </p:sp>
@@ -18166,7 +17239,7 @@
               <a:lstStyle/>
               <a:p>
                 <a:pPr algn="l" eaLnBrk="0" hangingPunct="0"/>
-                <a:endParaRPr lang="en-US" sz="1800">
+                <a:endParaRPr lang="en-US" sz="1800" dirty="0">
                   <a:solidFill>
                     <a:srgbClr val="000000"/>
                   </a:solidFill>
@@ -18255,7 +17328,7 @@
               <a:bodyPr/>
               <a:lstStyle/>
               <a:p>
-                <a:endParaRPr lang="en-US"/>
+                <a:endParaRPr lang="en-US" dirty="0"/>
               </a:p>
             </p:txBody>
           </p:sp>
@@ -18382,7 +17455,7 @@
               <a:bodyPr/>
               <a:lstStyle/>
               <a:p>
-                <a:endParaRPr lang="en-US"/>
+                <a:endParaRPr lang="en-US" dirty="0"/>
               </a:p>
             </p:txBody>
           </p:sp>
@@ -18416,7 +17489,7 @@
               <a:bodyPr/>
               <a:lstStyle/>
               <a:p>
-                <a:endParaRPr lang="en-US"/>
+                <a:endParaRPr lang="en-US" dirty="0"/>
               </a:p>
             </p:txBody>
           </p:sp>
@@ -18501,7 +17574,7 @@
               <a:bodyPr/>
               <a:lstStyle/>
               <a:p>
-                <a:endParaRPr lang="en-US"/>
+                <a:endParaRPr lang="en-US" dirty="0"/>
               </a:p>
             </p:txBody>
           </p:sp>
@@ -18586,7 +17659,7 @@
               <a:bodyPr/>
               <a:lstStyle/>
               <a:p>
-                <a:endParaRPr lang="en-US"/>
+                <a:endParaRPr lang="en-US" dirty="0"/>
               </a:p>
             </p:txBody>
           </p:sp>
@@ -18620,7 +17693,7 @@
               <a:bodyPr/>
               <a:lstStyle/>
               <a:p>
-                <a:endParaRPr lang="en-US"/>
+                <a:endParaRPr lang="en-US" dirty="0"/>
               </a:p>
             </p:txBody>
           </p:sp>
@@ -18705,7 +17778,7 @@
               <a:bodyPr/>
               <a:lstStyle/>
               <a:p>
-                <a:endParaRPr lang="en-US"/>
+                <a:endParaRPr lang="en-US" dirty="0"/>
               </a:p>
             </p:txBody>
           </p:sp>
@@ -18790,7 +17863,7 @@
               <a:bodyPr/>
               <a:lstStyle/>
               <a:p>
-                <a:endParaRPr lang="en-US"/>
+                <a:endParaRPr lang="en-US" dirty="0"/>
               </a:p>
             </p:txBody>
           </p:sp>
@@ -18875,7 +17948,7 @@
               <a:bodyPr/>
               <a:lstStyle/>
               <a:p>
-                <a:endParaRPr lang="en-US"/>
+                <a:endParaRPr lang="en-US" dirty="0"/>
               </a:p>
             </p:txBody>
           </p:sp>
@@ -19005,7 +18078,7 @@
               <a:bodyPr/>
               <a:lstStyle/>
               <a:p>
-                <a:endParaRPr lang="en-US"/>
+                <a:endParaRPr lang="en-US" dirty="0"/>
               </a:p>
             </p:txBody>
           </p:sp>
@@ -19040,7 +18113,7 @@
               <a:lstStyle/>
               <a:p>
                 <a:pPr algn="l" eaLnBrk="0" hangingPunct="0"/>
-                <a:endParaRPr lang="en-US" sz="1800">
+                <a:endParaRPr lang="en-US" sz="1800" dirty="0">
                   <a:solidFill>
                     <a:srgbClr val="000000"/>
                   </a:solidFill>
@@ -19129,7 +18202,7 @@
               <a:bodyPr/>
               <a:lstStyle/>
               <a:p>
-                <a:endParaRPr lang="en-US"/>
+                <a:endParaRPr lang="en-US" dirty="0"/>
               </a:p>
             </p:txBody>
           </p:sp>
@@ -19262,7 +18335,7 @@
               <a:bodyPr/>
               <a:lstStyle/>
               <a:p>
-                <a:endParaRPr lang="en-US"/>
+                <a:endParaRPr lang="en-US" dirty="0"/>
               </a:p>
             </p:txBody>
           </p:sp>
@@ -19296,7 +18369,7 @@
               <a:bodyPr/>
               <a:lstStyle/>
               <a:p>
-                <a:endParaRPr lang="en-US"/>
+                <a:endParaRPr lang="en-US" dirty="0"/>
               </a:p>
             </p:txBody>
           </p:sp>
@@ -19381,7 +18454,7 @@
               <a:bodyPr/>
               <a:lstStyle/>
               <a:p>
-                <a:endParaRPr lang="en-US"/>
+                <a:endParaRPr lang="en-US" dirty="0"/>
               </a:p>
             </p:txBody>
           </p:sp>
@@ -19466,7 +18539,7 @@
               <a:bodyPr/>
               <a:lstStyle/>
               <a:p>
-                <a:endParaRPr lang="en-US"/>
+                <a:endParaRPr lang="en-US" dirty="0"/>
               </a:p>
             </p:txBody>
           </p:sp>
@@ -19500,7 +18573,7 @@
               <a:bodyPr/>
               <a:lstStyle/>
               <a:p>
-                <a:endParaRPr lang="en-US"/>
+                <a:endParaRPr lang="en-US" dirty="0"/>
               </a:p>
             </p:txBody>
           </p:sp>
@@ -19534,7 +18607,7 @@
               <a:bodyPr/>
               <a:lstStyle/>
               <a:p>
-                <a:endParaRPr lang="en-US"/>
+                <a:endParaRPr lang="en-US" dirty="0"/>
               </a:p>
             </p:txBody>
           </p:sp>
@@ -19568,7 +18641,7 @@
               <a:bodyPr/>
               <a:lstStyle/>
               <a:p>
-                <a:endParaRPr lang="en-US"/>
+                <a:endParaRPr lang="en-US" dirty="0"/>
               </a:p>
             </p:txBody>
           </p:sp>
@@ -19602,7 +18675,7 @@
               <a:bodyPr/>
               <a:lstStyle/>
               <a:p>
-                <a:endParaRPr lang="en-US"/>
+                <a:endParaRPr lang="en-US" dirty="0"/>
               </a:p>
             </p:txBody>
           </p:sp>
@@ -19636,7 +18709,7 @@
               <a:bodyPr/>
               <a:lstStyle/>
               <a:p>
-                <a:endParaRPr lang="en-US"/>
+                <a:endParaRPr lang="en-US" dirty="0"/>
               </a:p>
             </p:txBody>
           </p:sp>
@@ -19670,7 +18743,7 @@
               <a:bodyPr/>
               <a:lstStyle/>
               <a:p>
-                <a:endParaRPr lang="en-US"/>
+                <a:endParaRPr lang="en-US" dirty="0"/>
               </a:p>
             </p:txBody>
           </p:sp>
@@ -19704,7 +18777,7 @@
               <a:bodyPr/>
               <a:lstStyle/>
               <a:p>
-                <a:endParaRPr lang="en-US"/>
+                <a:endParaRPr lang="en-US" dirty="0"/>
               </a:p>
             </p:txBody>
           </p:sp>
@@ -19738,7 +18811,7 @@
               <a:bodyPr/>
               <a:lstStyle/>
               <a:p>
-                <a:endParaRPr lang="en-US"/>
+                <a:endParaRPr lang="en-US" dirty="0"/>
               </a:p>
             </p:txBody>
           </p:sp>
@@ -19772,7 +18845,7 @@
               <a:bodyPr/>
               <a:lstStyle/>
               <a:p>
-                <a:endParaRPr lang="en-US"/>
+                <a:endParaRPr lang="en-US" dirty="0"/>
               </a:p>
             </p:txBody>
           </p:sp>
@@ -19806,7 +18879,7 @@
               <a:bodyPr/>
               <a:lstStyle/>
               <a:p>
-                <a:endParaRPr lang="en-US"/>
+                <a:endParaRPr lang="en-US" dirty="0"/>
               </a:p>
             </p:txBody>
           </p:sp>
@@ -19840,7 +18913,7 @@
               <a:bodyPr/>
               <a:lstStyle/>
               <a:p>
-                <a:endParaRPr lang="en-US"/>
+                <a:endParaRPr lang="en-US" dirty="0"/>
               </a:p>
             </p:txBody>
           </p:sp>
@@ -19874,7 +18947,7 @@
               <a:bodyPr/>
               <a:lstStyle/>
               <a:p>
-                <a:endParaRPr lang="en-US"/>
+                <a:endParaRPr lang="en-US" dirty="0"/>
               </a:p>
             </p:txBody>
           </p:sp>
@@ -19908,7 +18981,7 @@
               <a:bodyPr/>
               <a:lstStyle/>
               <a:p>
-                <a:endParaRPr lang="en-US"/>
+                <a:endParaRPr lang="en-US" dirty="0"/>
               </a:p>
             </p:txBody>
           </p:sp>
@@ -19942,7 +19015,7 @@
               <a:bodyPr/>
               <a:lstStyle/>
               <a:p>
-                <a:endParaRPr lang="en-US"/>
+                <a:endParaRPr lang="en-US" dirty="0"/>
               </a:p>
             </p:txBody>
           </p:sp>
@@ -19976,7 +19049,7 @@
               <a:bodyPr/>
               <a:lstStyle/>
               <a:p>
-                <a:endParaRPr lang="en-US"/>
+                <a:endParaRPr lang="en-US" dirty="0"/>
               </a:p>
             </p:txBody>
           </p:sp>
@@ -20010,7 +19083,7 @@
               <a:bodyPr/>
               <a:lstStyle/>
               <a:p>
-                <a:endParaRPr lang="en-US"/>
+                <a:endParaRPr lang="en-US" dirty="0"/>
               </a:p>
             </p:txBody>
           </p:sp>
@@ -20044,7 +19117,7 @@
               <a:bodyPr/>
               <a:lstStyle/>
               <a:p>
-                <a:endParaRPr lang="en-US"/>
+                <a:endParaRPr lang="en-US" dirty="0"/>
               </a:p>
             </p:txBody>
           </p:sp>
@@ -20078,7 +19151,7 @@
               <a:bodyPr/>
               <a:lstStyle/>
               <a:p>
-                <a:endParaRPr lang="en-US"/>
+                <a:endParaRPr lang="en-US" dirty="0"/>
               </a:p>
             </p:txBody>
           </p:sp>
@@ -20160,7 +19233,7 @@
               <a:bodyPr/>
               <a:lstStyle/>
               <a:p>
-                <a:endParaRPr lang="en-US"/>
+                <a:endParaRPr lang="en-US" dirty="0"/>
               </a:p>
             </p:txBody>
           </p:sp>
@@ -20194,7 +19267,7 @@
               <a:bodyPr/>
               <a:lstStyle/>
               <a:p>
-                <a:endParaRPr lang="en-US"/>
+                <a:endParaRPr lang="en-US" dirty="0"/>
               </a:p>
             </p:txBody>
           </p:sp>
@@ -20228,7 +19301,7 @@
               <a:bodyPr/>
               <a:lstStyle/>
               <a:p>
-                <a:endParaRPr lang="en-US"/>
+                <a:endParaRPr lang="en-US" dirty="0"/>
               </a:p>
             </p:txBody>
           </p:sp>
@@ -20262,7 +19335,7 @@
               <a:bodyPr/>
               <a:lstStyle/>
               <a:p>
-                <a:endParaRPr lang="en-US"/>
+                <a:endParaRPr lang="en-US" dirty="0"/>
               </a:p>
             </p:txBody>
           </p:sp>
@@ -20296,7 +19369,7 @@
               <a:bodyPr/>
               <a:lstStyle/>
               <a:p>
-                <a:endParaRPr lang="en-US"/>
+                <a:endParaRPr lang="en-US" dirty="0"/>
               </a:p>
             </p:txBody>
           </p:sp>
@@ -20330,7 +19403,7 @@
               <a:bodyPr/>
               <a:lstStyle/>
               <a:p>
-                <a:endParaRPr lang="en-US"/>
+                <a:endParaRPr lang="en-US" dirty="0"/>
               </a:p>
             </p:txBody>
           </p:sp>
@@ -20364,7 +19437,7 @@
               <a:bodyPr/>
               <a:lstStyle/>
               <a:p>
-                <a:endParaRPr lang="en-US"/>
+                <a:endParaRPr lang="en-US" dirty="0"/>
               </a:p>
             </p:txBody>
           </p:sp>
@@ -20398,7 +19471,7 @@
               <a:bodyPr/>
               <a:lstStyle/>
               <a:p>
-                <a:endParaRPr lang="en-US"/>
+                <a:endParaRPr lang="en-US" dirty="0"/>
               </a:p>
             </p:txBody>
           </p:sp>
@@ -20432,7 +19505,7 @@
               <a:bodyPr/>
               <a:lstStyle/>
               <a:p>
-                <a:endParaRPr lang="en-US"/>
+                <a:endParaRPr lang="en-US" dirty="0"/>
               </a:p>
             </p:txBody>
           </p:sp>
@@ -20466,7 +19539,7 @@
               <a:bodyPr/>
               <a:lstStyle/>
               <a:p>
-                <a:endParaRPr lang="en-US"/>
+                <a:endParaRPr lang="en-US" dirty="0"/>
               </a:p>
             </p:txBody>
           </p:sp>
@@ -20500,7 +19573,7 @@
               <a:bodyPr/>
               <a:lstStyle/>
               <a:p>
-                <a:endParaRPr lang="en-US"/>
+                <a:endParaRPr lang="en-US" dirty="0"/>
               </a:p>
             </p:txBody>
           </p:sp>
@@ -20534,7 +19607,7 @@
               <a:bodyPr/>
               <a:lstStyle/>
               <a:p>
-                <a:endParaRPr lang="en-US"/>
+                <a:endParaRPr lang="en-US" dirty="0"/>
               </a:p>
             </p:txBody>
           </p:sp>
@@ -20568,7 +19641,7 @@
               <a:bodyPr/>
               <a:lstStyle/>
               <a:p>
-                <a:endParaRPr lang="en-US"/>
+                <a:endParaRPr lang="en-US" dirty="0"/>
               </a:p>
             </p:txBody>
           </p:sp>
@@ -20602,7 +19675,7 @@
               <a:bodyPr/>
               <a:lstStyle/>
               <a:p>
-                <a:endParaRPr lang="en-US"/>
+                <a:endParaRPr lang="en-US" dirty="0"/>
               </a:p>
             </p:txBody>
           </p:sp>
@@ -20684,7 +19757,7 @@
               <a:bodyPr/>
               <a:lstStyle/>
               <a:p>
-                <a:endParaRPr lang="en-US"/>
+                <a:endParaRPr lang="en-US" dirty="0"/>
               </a:p>
             </p:txBody>
           </p:sp>
@@ -20718,7 +19791,7 @@
               <a:bodyPr/>
               <a:lstStyle/>
               <a:p>
-                <a:endParaRPr lang="en-US"/>
+                <a:endParaRPr lang="en-US" dirty="0"/>
               </a:p>
             </p:txBody>
           </p:sp>
@@ -20752,7 +19825,7 @@
               <a:bodyPr/>
               <a:lstStyle/>
               <a:p>
-                <a:endParaRPr lang="en-US"/>
+                <a:endParaRPr lang="en-US" dirty="0"/>
               </a:p>
             </p:txBody>
           </p:sp>
@@ -20786,7 +19859,7 @@
               <a:bodyPr/>
               <a:lstStyle/>
               <a:p>
-                <a:endParaRPr lang="en-US"/>
+                <a:endParaRPr lang="en-US" dirty="0"/>
               </a:p>
             </p:txBody>
           </p:sp>
@@ -20820,7 +19893,7 @@
               <a:bodyPr/>
               <a:lstStyle/>
               <a:p>
-                <a:endParaRPr lang="en-US"/>
+                <a:endParaRPr lang="en-US" dirty="0"/>
               </a:p>
             </p:txBody>
           </p:sp>
@@ -20905,7 +19978,7 @@
               <a:bodyPr/>
               <a:lstStyle/>
               <a:p>
-                <a:endParaRPr lang="en-US"/>
+                <a:endParaRPr lang="en-US" dirty="0"/>
               </a:p>
             </p:txBody>
           </p:sp>
@@ -21035,7 +20108,7 @@
               <a:bodyPr/>
               <a:lstStyle/>
               <a:p>
-                <a:endParaRPr lang="en-US"/>
+                <a:endParaRPr lang="en-US" dirty="0"/>
               </a:p>
             </p:txBody>
           </p:sp>
@@ -21070,7 +20143,7 @@
               <a:lstStyle/>
               <a:p>
                 <a:pPr algn="l" eaLnBrk="0" hangingPunct="0"/>
-                <a:endParaRPr lang="en-US" sz="1800">
+                <a:endParaRPr lang="en-US" sz="1800" dirty="0">
                   <a:solidFill>
                     <a:srgbClr val="000000"/>
                   </a:solidFill>
@@ -21159,7 +20232,7 @@
               <a:bodyPr/>
               <a:lstStyle/>
               <a:p>
-                <a:endParaRPr lang="en-US"/>
+                <a:endParaRPr lang="en-US" dirty="0"/>
               </a:p>
             </p:txBody>
           </p:sp>
@@ -21309,7 +20382,7 @@
               <a:bodyPr/>
               <a:lstStyle/>
               <a:p>
-                <a:endParaRPr lang="en-US"/>
+                <a:endParaRPr lang="en-US" dirty="0"/>
               </a:p>
             </p:txBody>
           </p:sp>
@@ -21346,7 +20419,7 @@
               <a:lstStyle/>
               <a:p>
                 <a:pPr algn="l" eaLnBrk="0" hangingPunct="0"/>
-                <a:endParaRPr lang="en-US" sz="1800">
+                <a:endParaRPr lang="en-US" sz="1800" dirty="0">
                   <a:solidFill>
                     <a:srgbClr val="000000"/>
                   </a:solidFill>
@@ -21385,7 +20458,7 @@
               <a:lstStyle/>
               <a:p>
                 <a:pPr algn="l" eaLnBrk="0" hangingPunct="0"/>
-                <a:endParaRPr lang="en-US" sz="1800">
+                <a:endParaRPr lang="en-US" sz="1800" dirty="0">
                   <a:solidFill>
                     <a:srgbClr val="000000"/>
                   </a:solidFill>
@@ -21424,7 +20497,7 @@
               <a:lstStyle/>
               <a:p>
                 <a:pPr algn="l" eaLnBrk="0" hangingPunct="0"/>
-                <a:endParaRPr lang="en-US" sz="1800">
+                <a:endParaRPr lang="en-US" sz="1800" dirty="0">
                   <a:solidFill>
                     <a:srgbClr val="000000"/>
                   </a:solidFill>
@@ -21464,14 +20537,14 @@
               <a:p>
                 <a:pPr algn="l" eaLnBrk="0" hangingPunct="0"/>
                 <a:r>
-                  <a:rPr lang="en-US" sz="1000" b="1">
+                  <a:rPr lang="en-US" sz="1000" b="1" dirty="0">
                     <a:solidFill>
                       <a:srgbClr val="000000"/>
                     </a:solidFill>
                   </a:rPr>
                   <a:t>Packet</a:t>
                 </a:r>
-                <a:endParaRPr lang="en-US" sz="1800">
+                <a:endParaRPr lang="en-US" sz="1800" dirty="0">
                   <a:solidFill>
                     <a:srgbClr val="000000"/>
                   </a:solidFill>
@@ -21511,14 +20584,14 @@
               <a:p>
                 <a:pPr algn="l" eaLnBrk="0" hangingPunct="0"/>
                 <a:r>
-                  <a:rPr lang="en-US" sz="1000" b="1">
+                  <a:rPr lang="en-US" sz="1000" b="1" dirty="0">
                     <a:solidFill>
                       <a:srgbClr val="000000"/>
                     </a:solidFill>
                   </a:rPr>
                   <a:t>DMA</a:t>
                 </a:r>
-                <a:endParaRPr lang="en-US" sz="1800">
+                <a:endParaRPr lang="en-US" sz="1800" dirty="0">
                   <a:solidFill>
                     <a:srgbClr val="000000"/>
                   </a:solidFill>
@@ -21558,14 +20631,14 @@
               <a:p>
                 <a:pPr algn="l" eaLnBrk="0" hangingPunct="0"/>
                 <a:r>
-                  <a:rPr lang="en-US" sz="900" b="1">
+                  <a:rPr lang="en-US" sz="900" b="1" dirty="0">
                     <a:solidFill>
                       <a:srgbClr val="24211D"/>
                     </a:solidFill>
                   </a:rPr>
                   <a:t>Multicore Navigator</a:t>
                 </a:r>
-                <a:endParaRPr lang="en-US" sz="1800">
+                <a:endParaRPr lang="en-US" sz="1800" dirty="0">
                   <a:solidFill>
                     <a:srgbClr val="000000"/>
                   </a:solidFill>
@@ -21604,7 +20677,7 @@
               <a:lstStyle/>
               <a:p>
                 <a:pPr algn="l" eaLnBrk="0" hangingPunct="0"/>
-                <a:endParaRPr lang="en-US" sz="1800">
+                <a:endParaRPr lang="en-US" sz="1800" dirty="0">
                   <a:solidFill>
                     <a:srgbClr val="000000"/>
                   </a:solidFill>
@@ -21643,7 +20716,7 @@
               <a:lstStyle/>
               <a:p>
                 <a:pPr algn="l" eaLnBrk="0" hangingPunct="0"/>
-                <a:endParaRPr lang="en-US" sz="1800">
+                <a:endParaRPr lang="en-US" sz="1800" dirty="0">
                   <a:solidFill>
                     <a:srgbClr val="000000"/>
                   </a:solidFill>
@@ -21683,14 +20756,14 @@
               <a:p>
                 <a:pPr algn="l" eaLnBrk="0" hangingPunct="0"/>
                 <a:r>
-                  <a:rPr lang="en-US" sz="1000" b="1">
+                  <a:rPr lang="en-US" sz="1000" b="1" dirty="0">
                     <a:solidFill>
                       <a:srgbClr val="000000"/>
                     </a:solidFill>
                   </a:rPr>
                   <a:t>Queue</a:t>
                 </a:r>
-                <a:endParaRPr lang="en-US" sz="1800">
+                <a:endParaRPr lang="en-US" sz="1800" dirty="0">
                   <a:solidFill>
                     <a:srgbClr val="000000"/>
                   </a:solidFill>
@@ -21730,14 +20803,14 @@
               <a:p>
                 <a:pPr algn="l" eaLnBrk="0" hangingPunct="0"/>
                 <a:r>
-                  <a:rPr lang="en-US" sz="1000" b="1">
+                  <a:rPr lang="en-US" sz="1000" b="1" dirty="0">
                     <a:solidFill>
                       <a:srgbClr val="000000"/>
                     </a:solidFill>
                   </a:rPr>
                   <a:t>Manager</a:t>
                 </a:r>
-                <a:endParaRPr lang="en-US" sz="1800">
+                <a:endParaRPr lang="en-US" sz="1800" dirty="0">
                   <a:solidFill>
                     <a:srgbClr val="000000"/>
                   </a:solidFill>
@@ -21775,7 +20848,7 @@
               <a:bodyPr/>
               <a:lstStyle/>
               <a:p>
-                <a:endParaRPr lang="en-US"/>
+                <a:endParaRPr lang="en-US" dirty="0"/>
               </a:p>
             </p:txBody>
           </p:sp>
@@ -21860,7 +20933,7 @@
               <a:bodyPr/>
               <a:lstStyle/>
               <a:p>
-                <a:endParaRPr lang="en-US"/>
+                <a:endParaRPr lang="en-US" dirty="0"/>
               </a:p>
             </p:txBody>
           </p:sp>
@@ -21894,7 +20967,7 @@
               <a:bodyPr/>
               <a:lstStyle/>
               <a:p>
-                <a:endParaRPr lang="en-US"/>
+                <a:endParaRPr lang="en-US" dirty="0"/>
               </a:p>
             </p:txBody>
           </p:sp>
@@ -21979,7 +21052,7 @@
               <a:bodyPr/>
               <a:lstStyle/>
               <a:p>
-                <a:endParaRPr lang="en-US"/>
+                <a:endParaRPr lang="en-US" dirty="0"/>
               </a:p>
             </p:txBody>
           </p:sp>
@@ -22013,7 +21086,7 @@
               <a:bodyPr/>
               <a:lstStyle/>
               <a:p>
-                <a:endParaRPr lang="en-US"/>
+                <a:endParaRPr lang="en-US" dirty="0"/>
               </a:p>
             </p:txBody>
           </p:sp>
@@ -22098,7 +21171,7 @@
               <a:bodyPr/>
               <a:lstStyle/>
               <a:p>
-                <a:endParaRPr lang="en-US"/>
+                <a:endParaRPr lang="en-US" dirty="0"/>
               </a:p>
             </p:txBody>
           </p:sp>
@@ -22132,7 +21205,7 @@
               <a:bodyPr/>
               <a:lstStyle/>
               <a:p>
-                <a:endParaRPr lang="en-US"/>
+                <a:endParaRPr lang="en-US" dirty="0"/>
               </a:p>
             </p:txBody>
           </p:sp>
@@ -22217,7 +21290,7 @@
               <a:bodyPr/>
               <a:lstStyle/>
               <a:p>
-                <a:endParaRPr lang="en-US"/>
+                <a:endParaRPr lang="en-US" dirty="0"/>
               </a:p>
             </p:txBody>
           </p:sp>
@@ -22252,7 +21325,7 @@
               <a:lstStyle/>
               <a:p>
                 <a:pPr algn="l" eaLnBrk="0" hangingPunct="0"/>
-                <a:endParaRPr lang="en-US" sz="1800">
+                <a:endParaRPr lang="en-US" sz="1800" dirty="0">
                   <a:solidFill>
                     <a:srgbClr val="000000"/>
                   </a:solidFill>
@@ -22291,7 +21364,7 @@
               <a:lstStyle/>
               <a:p>
                 <a:pPr algn="l" eaLnBrk="0" hangingPunct="0"/>
-                <a:endParaRPr lang="en-US" sz="1800">
+                <a:endParaRPr lang="en-US" sz="1800" dirty="0">
                   <a:solidFill>
                     <a:srgbClr val="000000"/>
                   </a:solidFill>
@@ -22331,14 +21404,14 @@
               <a:p>
                 <a:pPr algn="l" eaLnBrk="0" hangingPunct="0"/>
                 <a:r>
-                  <a:rPr lang="en-US" sz="1000" b="1">
+                  <a:rPr lang="en-US" sz="1000" b="1" dirty="0">
                     <a:solidFill>
                       <a:srgbClr val="000000"/>
                     </a:solidFill>
                   </a:rPr>
                   <a:t>O</a:t>
                 </a:r>
-                <a:endParaRPr lang="en-US" sz="1800">
+                <a:endParaRPr lang="en-US" sz="1800" dirty="0">
                   <a:solidFill>
                     <a:srgbClr val="000000"/>
                   </a:solidFill>
@@ -22378,14 +21451,14 @@
               <a:p>
                 <a:pPr algn="l" eaLnBrk="0" hangingPunct="0"/>
                 <a:r>
-                  <a:rPr lang="en-US" sz="1000" b="1">
+                  <a:rPr lang="en-US" sz="1000" b="1" dirty="0">
                     <a:solidFill>
                       <a:srgbClr val="000000"/>
                     </a:solidFill>
                   </a:rPr>
                   <a:t>t</a:t>
                 </a:r>
-                <a:endParaRPr lang="en-US" sz="1800">
+                <a:endParaRPr lang="en-US" sz="1800" dirty="0">
                   <a:solidFill>
                     <a:srgbClr val="000000"/>
                   </a:solidFill>
@@ -22425,14 +21498,14 @@
               <a:p>
                 <a:pPr algn="l" eaLnBrk="0" hangingPunct="0"/>
                 <a:r>
-                  <a:rPr lang="en-US" sz="1000" b="1">
+                  <a:rPr lang="en-US" sz="1000" b="1" dirty="0">
                     <a:solidFill>
                       <a:srgbClr val="000000"/>
                     </a:solidFill>
                   </a:rPr>
                   <a:t>h</a:t>
                 </a:r>
-                <a:endParaRPr lang="en-US" sz="1800">
+                <a:endParaRPr lang="en-US" sz="1800" dirty="0">
                   <a:solidFill>
                     <a:srgbClr val="000000"/>
                   </a:solidFill>
@@ -22472,14 +21545,14 @@
               <a:p>
                 <a:pPr algn="l" eaLnBrk="0" hangingPunct="0"/>
                 <a:r>
-                  <a:rPr lang="en-US" sz="1000" b="1">
+                  <a:rPr lang="en-US" sz="1000" b="1" dirty="0">
                     <a:solidFill>
                       <a:srgbClr val="000000"/>
                     </a:solidFill>
                   </a:rPr>
                   <a:t>e</a:t>
                 </a:r>
-                <a:endParaRPr lang="en-US" sz="1800">
+                <a:endParaRPr lang="en-US" sz="1800" dirty="0">
                   <a:solidFill>
                     <a:srgbClr val="000000"/>
                   </a:solidFill>
@@ -22519,14 +21592,14 @@
               <a:p>
                 <a:pPr algn="l" eaLnBrk="0" hangingPunct="0"/>
                 <a:r>
-                  <a:rPr lang="en-US" sz="1000" b="1">
+                  <a:rPr lang="en-US" sz="1000" b="1" dirty="0">
                     <a:solidFill>
                       <a:srgbClr val="000000"/>
                     </a:solidFill>
                   </a:rPr>
                   <a:t>r</a:t>
                 </a:r>
-                <a:endParaRPr lang="en-US" sz="1800">
+                <a:endParaRPr lang="en-US" sz="1800" dirty="0">
                   <a:solidFill>
                     <a:srgbClr val="000000"/>
                   </a:solidFill>
@@ -22566,14 +21639,14 @@
               <a:p>
                 <a:pPr algn="l" eaLnBrk="0" hangingPunct="0"/>
                 <a:r>
-                  <a:rPr lang="en-US" sz="1000" b="1">
+                  <a:rPr lang="en-US" sz="1000" b="1" dirty="0">
                     <a:solidFill>
                       <a:srgbClr val="000000"/>
                     </a:solidFill>
                   </a:rPr>
                   <a:t>s</a:t>
                 </a:r>
-                <a:endParaRPr lang="en-US" sz="1800">
+                <a:endParaRPr lang="en-US" sz="1800" dirty="0">
                   <a:solidFill>
                     <a:srgbClr val="000000"/>
                   </a:solidFill>
@@ -22611,7 +21684,7 @@
               <a:bodyPr/>
               <a:lstStyle/>
               <a:p>
-                <a:endParaRPr lang="en-US"/>
+                <a:endParaRPr lang="en-US" dirty="0"/>
               </a:p>
             </p:txBody>
           </p:sp>
@@ -22696,7 +21769,7 @@
               <a:bodyPr/>
               <a:lstStyle/>
               <a:p>
-                <a:endParaRPr lang="en-US"/>
+                <a:endParaRPr lang="en-US" dirty="0"/>
               </a:p>
             </p:txBody>
           </p:sp>
@@ -22781,7 +21854,7 @@
               <a:bodyPr/>
               <a:lstStyle/>
               <a:p>
-                <a:endParaRPr lang="en-US"/>
+                <a:endParaRPr lang="en-US" dirty="0"/>
               </a:p>
             </p:txBody>
           </p:sp>
@@ -22815,7 +21888,7 @@
               <a:bodyPr/>
               <a:lstStyle/>
               <a:p>
-                <a:endParaRPr lang="en-US"/>
+                <a:endParaRPr lang="en-US" dirty="0"/>
               </a:p>
             </p:txBody>
           </p:sp>
@@ -22900,7 +21973,7 @@
               <a:bodyPr/>
               <a:lstStyle/>
               <a:p>
-                <a:endParaRPr lang="en-US"/>
+                <a:endParaRPr lang="en-US" dirty="0"/>
               </a:p>
             </p:txBody>
           </p:sp>
@@ -22985,7 +22058,7 @@
               <a:bodyPr/>
               <a:lstStyle/>
               <a:p>
-                <a:endParaRPr lang="en-US"/>
+                <a:endParaRPr lang="en-US" dirty="0"/>
               </a:p>
             </p:txBody>
           </p:sp>
@@ -23019,7 +22092,7 @@
               <a:bodyPr/>
               <a:lstStyle/>
               <a:p>
-                <a:endParaRPr lang="en-US"/>
+                <a:endParaRPr lang="en-US" dirty="0"/>
               </a:p>
             </p:txBody>
           </p:sp>
@@ -23104,7 +22177,7 @@
               <a:bodyPr/>
               <a:lstStyle/>
               <a:p>
-                <a:endParaRPr lang="en-US"/>
+                <a:endParaRPr lang="en-US" dirty="0"/>
               </a:p>
             </p:txBody>
           </p:sp>
@@ -23189,7 +22262,7 @@
               <a:bodyPr/>
               <a:lstStyle/>
               <a:p>
-                <a:endParaRPr lang="en-US"/>
+                <a:endParaRPr lang="en-US" dirty="0"/>
               </a:p>
             </p:txBody>
           </p:sp>
@@ -23223,7 +22296,7 @@
               <a:bodyPr/>
               <a:lstStyle/>
               <a:p>
-                <a:endParaRPr lang="en-US"/>
+                <a:endParaRPr lang="en-US" dirty="0"/>
               </a:p>
             </p:txBody>
           </p:sp>
@@ -23308,7 +22381,7 @@
               <a:bodyPr/>
               <a:lstStyle/>
               <a:p>
-                <a:endParaRPr lang="en-US"/>
+                <a:endParaRPr lang="en-US" dirty="0"/>
               </a:p>
             </p:txBody>
           </p:sp>
@@ -23393,7 +22466,7 @@
               <a:bodyPr/>
               <a:lstStyle/>
               <a:p>
-                <a:endParaRPr lang="en-US"/>
+                <a:endParaRPr lang="en-US" dirty="0"/>
               </a:p>
             </p:txBody>
           </p:sp>
@@ -23427,7 +22500,7 @@
               <a:bodyPr/>
               <a:lstStyle/>
               <a:p>
-                <a:endParaRPr lang="en-US"/>
+                <a:endParaRPr lang="en-US" dirty="0"/>
               </a:p>
             </p:txBody>
           </p:sp>
@@ -23512,7 +22585,7 @@
               <a:bodyPr/>
               <a:lstStyle/>
               <a:p>
-                <a:endParaRPr lang="en-US"/>
+                <a:endParaRPr lang="en-US" dirty="0"/>
               </a:p>
             </p:txBody>
           </p:sp>
@@ -23597,7 +22670,7 @@
               <a:bodyPr/>
               <a:lstStyle/>
               <a:p>
-                <a:endParaRPr lang="en-US"/>
+                <a:endParaRPr lang="en-US" dirty="0"/>
               </a:p>
             </p:txBody>
           </p:sp>
@@ -23631,7 +22704,7 @@
               <a:bodyPr/>
               <a:lstStyle/>
               <a:p>
-                <a:endParaRPr lang="en-US"/>
+                <a:endParaRPr lang="en-US" dirty="0"/>
               </a:p>
             </p:txBody>
           </p:sp>
@@ -23716,7 +22789,7 @@
               <a:bodyPr/>
               <a:lstStyle/>
               <a:p>
-                <a:endParaRPr lang="en-US"/>
+                <a:endParaRPr lang="en-US" dirty="0"/>
               </a:p>
             </p:txBody>
           </p:sp>
@@ -23801,7 +22874,7 @@
               <a:bodyPr/>
               <a:lstStyle/>
               <a:p>
-                <a:endParaRPr lang="en-US"/>
+                <a:endParaRPr lang="en-US" dirty="0"/>
               </a:p>
             </p:txBody>
           </p:sp>
@@ -23835,7 +22908,7 @@
               <a:bodyPr/>
               <a:lstStyle/>
               <a:p>
-                <a:endParaRPr lang="en-US"/>
+                <a:endParaRPr lang="en-US" dirty="0"/>
               </a:p>
             </p:txBody>
           </p:sp>
@@ -23920,7 +22993,7 @@
               <a:bodyPr/>
               <a:lstStyle/>
               <a:p>
-                <a:endParaRPr lang="en-US"/>
+                <a:endParaRPr lang="en-US" dirty="0"/>
               </a:p>
             </p:txBody>
           </p:sp>
@@ -24005,7 +23078,7 @@
               <a:bodyPr/>
               <a:lstStyle/>
               <a:p>
-                <a:endParaRPr lang="en-US"/>
+                <a:endParaRPr lang="en-US" dirty="0"/>
               </a:p>
             </p:txBody>
           </p:sp>
@@ -24039,7 +23112,7 @@
               <a:bodyPr/>
               <a:lstStyle/>
               <a:p>
-                <a:endParaRPr lang="en-US"/>
+                <a:endParaRPr lang="en-US" dirty="0"/>
               </a:p>
             </p:txBody>
           </p:sp>
@@ -24124,7 +23197,7 @@
               <a:bodyPr/>
               <a:lstStyle/>
               <a:p>
-                <a:endParaRPr lang="en-US"/>
+                <a:endParaRPr lang="en-US" dirty="0"/>
               </a:p>
             </p:txBody>
           </p:sp>
@@ -24209,7 +23282,7 @@
               <a:bodyPr/>
               <a:lstStyle/>
               <a:p>
-                <a:endParaRPr lang="en-US"/>
+                <a:endParaRPr lang="en-US" dirty="0"/>
               </a:p>
             </p:txBody>
           </p:sp>
@@ -24246,7 +23319,7 @@
               <a:lstStyle/>
               <a:p>
                 <a:pPr algn="l" eaLnBrk="0" hangingPunct="0"/>
-                <a:endParaRPr lang="en-US" sz="1800">
+                <a:endParaRPr lang="en-US" sz="1800" dirty="0">
                   <a:solidFill>
                     <a:srgbClr val="000000"/>
                   </a:solidFill>
@@ -24287,7 +23360,7 @@
               <a:lstStyle/>
               <a:p>
                 <a:pPr algn="l" eaLnBrk="0" hangingPunct="0"/>
-                <a:endParaRPr lang="en-US" sz="1800">
+                <a:endParaRPr lang="en-US" sz="1800" dirty="0">
                   <a:solidFill>
                     <a:srgbClr val="000000"/>
                   </a:solidFill>
@@ -24325,7 +23398,7 @@
               <a:bodyPr/>
               <a:lstStyle/>
               <a:p>
-                <a:endParaRPr lang="en-US"/>
+                <a:endParaRPr lang="en-US" dirty="0"/>
               </a:p>
             </p:txBody>
           </p:sp>
@@ -24410,7 +23483,7 @@
               <a:bodyPr/>
               <a:lstStyle/>
               <a:p>
-                <a:endParaRPr lang="en-US"/>
+                <a:endParaRPr lang="en-US" dirty="0"/>
               </a:p>
             </p:txBody>
           </p:sp>
@@ -24495,7 +23568,7 @@
               <a:bodyPr/>
               <a:lstStyle/>
               <a:p>
-                <a:endParaRPr lang="en-US"/>
+                <a:endParaRPr lang="en-US" dirty="0"/>
               </a:p>
             </p:txBody>
           </p:sp>
@@ -24530,7 +23603,7 @@
               <a:lstStyle/>
               <a:p>
                 <a:pPr algn="l" eaLnBrk="0" hangingPunct="0"/>
-                <a:endParaRPr lang="en-US" sz="1800">
+                <a:endParaRPr lang="en-US" sz="1800" dirty="0">
                   <a:solidFill>
                     <a:srgbClr val="000000"/>
                   </a:solidFill>
@@ -24570,14 +23643,14 @@
               <a:p>
                 <a:pPr algn="l" eaLnBrk="0" hangingPunct="0"/>
                 <a:r>
-                  <a:rPr lang="en-US" sz="900" b="1">
+                  <a:rPr lang="en-US" sz="900" b="1" dirty="0">
                     <a:solidFill>
                       <a:srgbClr val="24211D"/>
                     </a:solidFill>
                   </a:rPr>
                   <a:t>x3</a:t>
                 </a:r>
-                <a:endParaRPr lang="en-US" sz="1800">
+                <a:endParaRPr lang="en-US" sz="1800" dirty="0">
                   <a:solidFill>
                     <a:srgbClr val="000000"/>
                   </a:solidFill>
@@ -24615,7 +23688,7 @@
               <a:bodyPr/>
               <a:lstStyle/>
               <a:p>
-                <a:endParaRPr lang="en-US"/>
+                <a:endParaRPr lang="en-US" dirty="0"/>
               </a:p>
             </p:txBody>
           </p:sp>
@@ -24700,7 +23773,7 @@
               <a:bodyPr/>
               <a:lstStyle/>
               <a:p>
-                <a:endParaRPr lang="en-US"/>
+                <a:endParaRPr lang="en-US" dirty="0"/>
               </a:p>
             </p:txBody>
           </p:sp>
@@ -24785,7 +23858,7 @@
               <a:bodyPr/>
               <a:lstStyle/>
               <a:p>
-                <a:endParaRPr lang="en-US"/>
+                <a:endParaRPr lang="en-US" dirty="0"/>
               </a:p>
             </p:txBody>
           </p:sp>
@@ -24819,7 +23892,7 @@
               <a:bodyPr/>
               <a:lstStyle/>
               <a:p>
-                <a:endParaRPr lang="en-US"/>
+                <a:endParaRPr lang="en-US" dirty="0"/>
               </a:p>
             </p:txBody>
           </p:sp>
@@ -24904,7 +23977,7 @@
               <a:bodyPr/>
               <a:lstStyle/>
               <a:p>
-                <a:endParaRPr lang="en-US"/>
+                <a:endParaRPr lang="en-US" dirty="0"/>
               </a:p>
             </p:txBody>
           </p:sp>
@@ -24989,7 +24062,7 @@
               <a:bodyPr/>
               <a:lstStyle/>
               <a:p>
-                <a:endParaRPr lang="en-US"/>
+                <a:endParaRPr lang="en-US" dirty="0"/>
               </a:p>
             </p:txBody>
           </p:sp>
@@ -25026,7 +24099,7 @@
               <a:lstStyle/>
               <a:p>
                 <a:pPr algn="l" eaLnBrk="0" hangingPunct="0"/>
-                <a:endParaRPr lang="en-US" sz="1800">
+                <a:endParaRPr lang="en-US" sz="1800" dirty="0">
                   <a:solidFill>
                     <a:srgbClr val="000000"/>
                   </a:solidFill>
@@ -25064,7 +24137,7 @@
               <a:bodyPr/>
               <a:lstStyle/>
               <a:p>
-                <a:endParaRPr lang="en-US"/>
+                <a:endParaRPr lang="en-US" dirty="0"/>
               </a:p>
             </p:txBody>
           </p:sp>
@@ -25149,7 +24222,7 @@
               <a:bodyPr/>
               <a:lstStyle/>
               <a:p>
-                <a:endParaRPr lang="en-US"/>
+                <a:endParaRPr lang="en-US" dirty="0"/>
               </a:p>
             </p:txBody>
           </p:sp>
@@ -25234,7 +24307,7 @@
               <a:bodyPr/>
               <a:lstStyle/>
               <a:p>
-                <a:endParaRPr lang="en-US"/>
+                <a:endParaRPr lang="en-US" dirty="0"/>
               </a:p>
             </p:txBody>
           </p:sp>
@@ -25270,14 +24343,14 @@
               <a:p>
                 <a:pPr algn="l" eaLnBrk="0" hangingPunct="0"/>
                 <a:r>
-                  <a:rPr lang="en-US" sz="900" b="1">
+                  <a:rPr lang="en-US" sz="900" b="1" dirty="0">
                     <a:solidFill>
                       <a:srgbClr val="24211D"/>
                     </a:solidFill>
                   </a:rPr>
                   <a:t>Network Coprocessor</a:t>
                 </a:r>
-                <a:endParaRPr lang="en-US" sz="1800">
+                <a:endParaRPr lang="en-US" sz="1800" dirty="0">
                   <a:solidFill>
                     <a:srgbClr val="000000"/>
                   </a:solidFill>
@@ -25316,7 +24389,7 @@
               <a:lstStyle/>
               <a:p>
                 <a:pPr algn="l" eaLnBrk="0" hangingPunct="0"/>
-                <a:endParaRPr lang="en-US" sz="1800">
+                <a:endParaRPr lang="en-US" sz="1800" dirty="0">
                   <a:solidFill>
                     <a:srgbClr val="000000"/>
                   </a:solidFill>
@@ -25355,7 +24428,7 @@
               <a:lstStyle/>
               <a:p>
                 <a:pPr algn="l" eaLnBrk="0" hangingPunct="0"/>
-                <a:endParaRPr lang="en-US" sz="1800">
+                <a:endParaRPr lang="en-US" sz="1800" dirty="0">
                   <a:solidFill>
                     <a:srgbClr val="000000"/>
                   </a:solidFill>
@@ -25395,14 +24468,14 @@
               <a:p>
                 <a:pPr algn="l" eaLnBrk="0" hangingPunct="0"/>
                 <a:r>
-                  <a:rPr lang="en-US" sz="1000" b="1">
+                  <a:rPr lang="en-US" sz="1000" b="1" dirty="0">
                     <a:solidFill>
                       <a:srgbClr val="000000"/>
                     </a:solidFill>
                   </a:rPr>
                   <a:t>S</a:t>
                 </a:r>
-                <a:endParaRPr lang="en-US" sz="1800">
+                <a:endParaRPr lang="en-US" sz="1800" dirty="0">
                   <a:solidFill>
                     <a:srgbClr val="000000"/>
                   </a:solidFill>
@@ -25442,14 +24515,14 @@
               <a:p>
                 <a:pPr algn="l" eaLnBrk="0" hangingPunct="0"/>
                 <a:r>
-                  <a:rPr lang="en-US" sz="1000" b="1">
+                  <a:rPr lang="en-US" sz="1000" b="1" dirty="0">
                     <a:solidFill>
                       <a:srgbClr val="000000"/>
                     </a:solidFill>
                   </a:rPr>
                   <a:t>w</a:t>
                 </a:r>
-                <a:endParaRPr lang="en-US" sz="1800">
+                <a:endParaRPr lang="en-US" sz="1800" dirty="0">
                   <a:solidFill>
                     <a:srgbClr val="000000"/>
                   </a:solidFill>
@@ -25489,14 +24562,14 @@
               <a:p>
                 <a:pPr algn="l" eaLnBrk="0" hangingPunct="0"/>
                 <a:r>
-                  <a:rPr lang="en-US" sz="1000" b="1">
+                  <a:rPr lang="en-US" sz="1000" b="1" dirty="0">
                     <a:solidFill>
                       <a:srgbClr val="000000"/>
                     </a:solidFill>
                   </a:rPr>
                   <a:t>i</a:t>
                 </a:r>
-                <a:endParaRPr lang="en-US" sz="1800">
+                <a:endParaRPr lang="en-US" sz="1800" dirty="0">
                   <a:solidFill>
                     <a:srgbClr val="000000"/>
                   </a:solidFill>
@@ -25536,14 +24609,14 @@
               <a:p>
                 <a:pPr algn="l" eaLnBrk="0" hangingPunct="0"/>
                 <a:r>
-                  <a:rPr lang="en-US" sz="1000" b="1">
+                  <a:rPr lang="en-US" sz="1000" b="1" dirty="0">
                     <a:solidFill>
                       <a:srgbClr val="000000"/>
                     </a:solidFill>
                   </a:rPr>
                   <a:t>t</a:t>
                 </a:r>
-                <a:endParaRPr lang="en-US" sz="1800">
+                <a:endParaRPr lang="en-US" sz="1800" dirty="0">
                   <a:solidFill>
                     <a:srgbClr val="000000"/>
                   </a:solidFill>
@@ -25583,14 +24656,14 @@
               <a:p>
                 <a:pPr algn="l" eaLnBrk="0" hangingPunct="0"/>
                 <a:r>
-                  <a:rPr lang="en-US" sz="1000" b="1">
+                  <a:rPr lang="en-US" sz="1000" b="1" dirty="0">
                     <a:solidFill>
                       <a:srgbClr val="000000"/>
                     </a:solidFill>
                   </a:rPr>
                   <a:t>c</a:t>
                 </a:r>
-                <a:endParaRPr lang="en-US" sz="1800">
+                <a:endParaRPr lang="en-US" sz="1800" dirty="0">
                   <a:solidFill>
                     <a:srgbClr val="000000"/>
                   </a:solidFill>
@@ -25630,14 +24703,14 @@
               <a:p>
                 <a:pPr algn="l" eaLnBrk="0" hangingPunct="0"/>
                 <a:r>
-                  <a:rPr lang="en-US" sz="1000" b="1">
+                  <a:rPr lang="en-US" sz="1000" b="1" dirty="0">
                     <a:solidFill>
                       <a:srgbClr val="000000"/>
                     </a:solidFill>
                   </a:rPr>
                   <a:t>h</a:t>
                 </a:r>
-                <a:endParaRPr lang="en-US" sz="1800">
+                <a:endParaRPr lang="en-US" sz="1800" dirty="0">
                   <a:solidFill>
                     <a:srgbClr val="000000"/>
                   </a:solidFill>
@@ -25678,7 +24751,7 @@
               <a:lstStyle/>
               <a:p>
                 <a:pPr algn="l" eaLnBrk="0" hangingPunct="0"/>
-                <a:endParaRPr lang="en-US" sz="1800">
+                <a:endParaRPr lang="en-US" sz="1800" dirty="0">
                   <a:solidFill>
                     <a:srgbClr val="000000"/>
                   </a:solidFill>
@@ -25718,14 +24791,14 @@
               <a:p>
                 <a:pPr algn="l" eaLnBrk="0" hangingPunct="0"/>
                 <a:r>
-                  <a:rPr lang="en-US" sz="1000" b="1">
+                  <a:rPr lang="en-US" sz="1000" b="1" dirty="0">
                     <a:solidFill>
                       <a:srgbClr val="000000"/>
                     </a:solidFill>
                   </a:rPr>
                   <a:t>E</a:t>
                 </a:r>
-                <a:endParaRPr lang="en-US" sz="1800">
+                <a:endParaRPr lang="en-US" sz="1800" dirty="0">
                   <a:solidFill>
                     <a:srgbClr val="000000"/>
                   </a:solidFill>
@@ -25765,14 +24838,14 @@
               <a:p>
                 <a:pPr algn="l" eaLnBrk="0" hangingPunct="0"/>
                 <a:r>
-                  <a:rPr lang="en-US" sz="1000" b="1">
+                  <a:rPr lang="en-US" sz="1000" b="1" dirty="0">
                     <a:solidFill>
                       <a:srgbClr val="000000"/>
                     </a:solidFill>
                   </a:rPr>
                   <a:t>t</a:t>
                 </a:r>
-                <a:endParaRPr lang="en-US" sz="1800">
+                <a:endParaRPr lang="en-US" sz="1800" dirty="0">
                   <a:solidFill>
                     <a:srgbClr val="000000"/>
                   </a:solidFill>
@@ -25812,14 +24885,14 @@
               <a:p>
                 <a:pPr algn="l" eaLnBrk="0" hangingPunct="0"/>
                 <a:r>
-                  <a:rPr lang="en-US" sz="1000" b="1">
+                  <a:rPr lang="en-US" sz="1000" b="1" dirty="0">
                     <a:solidFill>
                       <a:srgbClr val="000000"/>
                     </a:solidFill>
                   </a:rPr>
                   <a:t>h</a:t>
                 </a:r>
-                <a:endParaRPr lang="en-US" sz="1800">
+                <a:endParaRPr lang="en-US" sz="1800" dirty="0">
                   <a:solidFill>
                     <a:srgbClr val="000000"/>
                   </a:solidFill>
@@ -25859,14 +24932,14 @@
               <a:p>
                 <a:pPr algn="l" eaLnBrk="0" hangingPunct="0"/>
                 <a:r>
-                  <a:rPr lang="en-US" sz="1000" b="1">
+                  <a:rPr lang="en-US" sz="1000" b="1" dirty="0">
                     <a:solidFill>
                       <a:srgbClr val="000000"/>
                     </a:solidFill>
                   </a:rPr>
                   <a:t>e</a:t>
                 </a:r>
-                <a:endParaRPr lang="en-US" sz="1800">
+                <a:endParaRPr lang="en-US" sz="1800" dirty="0">
                   <a:solidFill>
                     <a:srgbClr val="000000"/>
                   </a:solidFill>
@@ -25906,14 +24979,14 @@
               <a:p>
                 <a:pPr algn="l" eaLnBrk="0" hangingPunct="0"/>
                 <a:r>
-                  <a:rPr lang="en-US" sz="1000" b="1">
+                  <a:rPr lang="en-US" sz="1000" b="1" dirty="0">
                     <a:solidFill>
                       <a:srgbClr val="000000"/>
                     </a:solidFill>
                   </a:rPr>
                   <a:t>r</a:t>
                 </a:r>
-                <a:endParaRPr lang="en-US" sz="1800">
+                <a:endParaRPr lang="en-US" sz="1800" dirty="0">
                   <a:solidFill>
                     <a:srgbClr val="000000"/>
                   </a:solidFill>
@@ -25953,14 +25026,14 @@
               <a:p>
                 <a:pPr algn="l" eaLnBrk="0" hangingPunct="0"/>
                 <a:r>
-                  <a:rPr lang="en-US" sz="1000" b="1">
+                  <a:rPr lang="en-US" sz="1000" b="1" dirty="0">
                     <a:solidFill>
                       <a:srgbClr val="000000"/>
                     </a:solidFill>
                   </a:rPr>
                   <a:t>n</a:t>
                 </a:r>
-                <a:endParaRPr lang="en-US" sz="1800">
+                <a:endParaRPr lang="en-US" sz="1800" dirty="0">
                   <a:solidFill>
                     <a:srgbClr val="000000"/>
                   </a:solidFill>
@@ -26000,14 +25073,14 @@
               <a:p>
                 <a:pPr algn="l" eaLnBrk="0" hangingPunct="0"/>
                 <a:r>
-                  <a:rPr lang="en-US" sz="1000" b="1">
+                  <a:rPr lang="en-US" sz="1000" b="1" dirty="0">
                     <a:solidFill>
                       <a:srgbClr val="000000"/>
                     </a:solidFill>
                   </a:rPr>
                   <a:t>e</a:t>
                 </a:r>
-                <a:endParaRPr lang="en-US" sz="1800">
+                <a:endParaRPr lang="en-US" sz="1800" dirty="0">
                   <a:solidFill>
                     <a:srgbClr val="000000"/>
                   </a:solidFill>
@@ -26047,14 +25120,14 @@
               <a:p>
                 <a:pPr algn="l" eaLnBrk="0" hangingPunct="0"/>
                 <a:r>
-                  <a:rPr lang="en-US" sz="1000" b="1">
+                  <a:rPr lang="en-US" sz="1000" b="1" dirty="0">
                     <a:solidFill>
                       <a:srgbClr val="000000"/>
                     </a:solidFill>
                   </a:rPr>
                   <a:t>t</a:t>
                 </a:r>
-                <a:endParaRPr lang="en-US" sz="1800">
+                <a:endParaRPr lang="en-US" sz="1800" dirty="0">
                   <a:solidFill>
                     <a:srgbClr val="000000"/>
                   </a:solidFill>
@@ -26094,14 +25167,14 @@
               <a:p>
                 <a:pPr algn="l" eaLnBrk="0" hangingPunct="0"/>
                 <a:r>
-                  <a:rPr lang="en-US" sz="1000" b="1">
+                  <a:rPr lang="en-US" sz="1000" b="1" dirty="0">
                     <a:solidFill>
                       <a:srgbClr val="000000"/>
                     </a:solidFill>
                   </a:rPr>
                   <a:t>S</a:t>
                 </a:r>
-                <a:endParaRPr lang="en-US" sz="1800">
+                <a:endParaRPr lang="en-US" sz="1800" dirty="0">
                   <a:solidFill>
                     <a:srgbClr val="000000"/>
                   </a:solidFill>
@@ -26141,14 +25214,14 @@
               <a:p>
                 <a:pPr algn="l" eaLnBrk="0" hangingPunct="0"/>
                 <a:r>
-                  <a:rPr lang="en-US" sz="1000" b="1">
+                  <a:rPr lang="en-US" sz="1000" b="1" dirty="0">
                     <a:solidFill>
                       <a:srgbClr val="000000"/>
                     </a:solidFill>
                   </a:rPr>
                   <a:t>w</a:t>
                 </a:r>
-                <a:endParaRPr lang="en-US" sz="1800">
+                <a:endParaRPr lang="en-US" sz="1800" dirty="0">
                   <a:solidFill>
                     <a:srgbClr val="000000"/>
                   </a:solidFill>
@@ -26188,14 +25261,14 @@
               <a:p>
                 <a:pPr algn="l" eaLnBrk="0" hangingPunct="0"/>
                 <a:r>
-                  <a:rPr lang="en-US" sz="1000" b="1">
+                  <a:rPr lang="en-US" sz="1000" b="1" dirty="0">
                     <a:solidFill>
                       <a:srgbClr val="000000"/>
                     </a:solidFill>
                   </a:rPr>
                   <a:t>i</a:t>
                 </a:r>
-                <a:endParaRPr lang="en-US" sz="1800">
+                <a:endParaRPr lang="en-US" sz="1800" dirty="0">
                   <a:solidFill>
                     <a:srgbClr val="000000"/>
                   </a:solidFill>
@@ -26235,14 +25308,14 @@
               <a:p>
                 <a:pPr algn="l" eaLnBrk="0" hangingPunct="0"/>
                 <a:r>
-                  <a:rPr lang="en-US" sz="1000" b="1">
+                  <a:rPr lang="en-US" sz="1000" b="1" dirty="0">
                     <a:solidFill>
                       <a:srgbClr val="000000"/>
                     </a:solidFill>
                   </a:rPr>
                   <a:t>t</a:t>
                 </a:r>
-                <a:endParaRPr lang="en-US" sz="1800">
+                <a:endParaRPr lang="en-US" sz="1800" dirty="0">
                   <a:solidFill>
                     <a:srgbClr val="000000"/>
                   </a:solidFill>
@@ -26282,14 +25355,14 @@
               <a:p>
                 <a:pPr algn="l" eaLnBrk="0" hangingPunct="0"/>
                 <a:r>
-                  <a:rPr lang="en-US" sz="1000" b="1">
+                  <a:rPr lang="en-US" sz="1000" b="1" dirty="0">
                     <a:solidFill>
                       <a:srgbClr val="000000"/>
                     </a:solidFill>
                   </a:rPr>
                   <a:t>c</a:t>
                 </a:r>
-                <a:endParaRPr lang="en-US" sz="1800">
+                <a:endParaRPr lang="en-US" sz="1800" dirty="0">
                   <a:solidFill>
                     <a:srgbClr val="000000"/>
                   </a:solidFill>
@@ -26329,14 +25402,14 @@
               <a:p>
                 <a:pPr algn="l" eaLnBrk="0" hangingPunct="0"/>
                 <a:r>
-                  <a:rPr lang="en-US" sz="1000" b="1">
+                  <a:rPr lang="en-US" sz="1000" b="1" dirty="0">
                     <a:solidFill>
                       <a:srgbClr val="000000"/>
                     </a:solidFill>
                   </a:rPr>
                   <a:t>h</a:t>
                 </a:r>
-                <a:endParaRPr lang="en-US" sz="1800">
+                <a:endParaRPr lang="en-US" sz="1800" dirty="0">
                   <a:solidFill>
                     <a:srgbClr val="000000"/>
                   </a:solidFill>
@@ -26375,7 +25448,7 @@
               <a:lstStyle/>
               <a:p>
                 <a:pPr algn="l" eaLnBrk="0" hangingPunct="0"/>
-                <a:endParaRPr lang="en-US" sz="1800">
+                <a:endParaRPr lang="en-US" sz="1800" dirty="0">
                   <a:solidFill>
                     <a:srgbClr val="000000"/>
                   </a:solidFill>
@@ -26414,7 +25487,7 @@
               <a:lstStyle/>
               <a:p>
                 <a:pPr algn="l" eaLnBrk="0" hangingPunct="0"/>
-                <a:endParaRPr lang="en-US" sz="1800">
+                <a:endParaRPr lang="en-US" sz="1800" dirty="0">
                   <a:solidFill>
                     <a:srgbClr val="000000"/>
                   </a:solidFill>
@@ -26454,14 +25527,14 @@
               <a:p>
                 <a:pPr algn="l" eaLnBrk="0" hangingPunct="0"/>
                 <a:r>
-                  <a:rPr lang="en-US" sz="800" b="1">
+                  <a:rPr lang="en-US" sz="800" b="1" dirty="0">
                     <a:solidFill>
                       <a:srgbClr val="000000"/>
                     </a:solidFill>
                   </a:rPr>
                   <a:t>S</a:t>
                 </a:r>
-                <a:endParaRPr lang="en-US" sz="1800">
+                <a:endParaRPr lang="en-US" sz="1800" dirty="0">
                   <a:solidFill>
                     <a:srgbClr val="000000"/>
                   </a:solidFill>
@@ -26501,14 +25574,14 @@
               <a:p>
                 <a:pPr algn="l" eaLnBrk="0" hangingPunct="0"/>
                 <a:r>
-                  <a:rPr lang="en-US" sz="800" b="1">
+                  <a:rPr lang="en-US" sz="800" b="1" dirty="0">
                     <a:solidFill>
                       <a:srgbClr val="000000"/>
                     </a:solidFill>
                   </a:rPr>
                   <a:t>G</a:t>
                 </a:r>
-                <a:endParaRPr lang="en-US" sz="1800">
+                <a:endParaRPr lang="en-US" sz="1800" dirty="0">
                   <a:solidFill>
                     <a:srgbClr val="000000"/>
                   </a:solidFill>
@@ -26548,14 +25621,14 @@
               <a:p>
                 <a:pPr algn="l" eaLnBrk="0" hangingPunct="0"/>
                 <a:r>
-                  <a:rPr lang="en-US" sz="800" b="1">
+                  <a:rPr lang="en-US" sz="800" b="1" dirty="0">
                     <a:solidFill>
                       <a:srgbClr val="000000"/>
                     </a:solidFill>
                   </a:rPr>
                   <a:t>M</a:t>
                 </a:r>
-                <a:endParaRPr lang="en-US" sz="1800">
+                <a:endParaRPr lang="en-US" sz="1800" dirty="0">
                   <a:solidFill>
                     <a:srgbClr val="000000"/>
                   </a:solidFill>
@@ -26595,14 +25668,14 @@
               <a:p>
                 <a:pPr algn="l" eaLnBrk="0" hangingPunct="0"/>
                 <a:r>
-                  <a:rPr lang="en-US" sz="800" b="1">
+                  <a:rPr lang="en-US" sz="800" b="1" dirty="0">
                     <a:solidFill>
                       <a:srgbClr val="000000"/>
                     </a:solidFill>
                   </a:rPr>
                   <a:t>I</a:t>
                 </a:r>
-                <a:endParaRPr lang="en-US" sz="1800">
+                <a:endParaRPr lang="en-US" sz="1800" dirty="0">
                   <a:solidFill>
                     <a:srgbClr val="000000"/>
                   </a:solidFill>
@@ -26642,14 +25715,14 @@
               <a:p>
                 <a:pPr algn="l" eaLnBrk="0" hangingPunct="0"/>
                 <a:r>
-                  <a:rPr lang="en-US" sz="800" b="1">
+                  <a:rPr lang="en-US" sz="800" b="1" dirty="0">
                     <a:solidFill>
                       <a:srgbClr val="000000"/>
                     </a:solidFill>
                   </a:rPr>
                   <a:t>I</a:t>
                 </a:r>
-                <a:endParaRPr lang="en-US" sz="1800">
+                <a:endParaRPr lang="en-US" sz="1800" dirty="0">
                   <a:solidFill>
                     <a:srgbClr val="000000"/>
                   </a:solidFill>
@@ -26689,14 +25762,14 @@
               <a:p>
                 <a:pPr algn="l" eaLnBrk="0" hangingPunct="0"/>
                 <a:r>
-                  <a:rPr lang="en-US" sz="800" b="1">
+                  <a:rPr lang="en-US" sz="800" b="1" dirty="0">
                     <a:solidFill>
                       <a:srgbClr val="000000"/>
                     </a:solidFill>
                   </a:rPr>
                   <a:t>x2</a:t>
                 </a:r>
-                <a:endParaRPr lang="en-US" sz="1800">
+                <a:endParaRPr lang="en-US" sz="1800" dirty="0">
                   <a:solidFill>
                     <a:srgbClr val="000000"/>
                   </a:solidFill>
@@ -26735,7 +25808,7 @@
               <a:lstStyle/>
               <a:p>
                 <a:pPr algn="l" eaLnBrk="0" hangingPunct="0"/>
-                <a:endParaRPr lang="en-US" sz="1800">
+                <a:endParaRPr lang="en-US" sz="1800" dirty="0">
                   <a:solidFill>
                     <a:srgbClr val="000000"/>
                   </a:solidFill>
@@ -26773,7 +25846,7 @@
               <a:bodyPr/>
               <a:lstStyle/>
               <a:p>
-                <a:endParaRPr lang="en-US"/>
+                <a:endParaRPr lang="en-US" dirty="0"/>
               </a:p>
             </p:txBody>
           </p:sp>
@@ -26858,7 +25931,7 @@
               <a:bodyPr/>
               <a:lstStyle/>
               <a:p>
-                <a:endParaRPr lang="en-US"/>
+                <a:endParaRPr lang="en-US" dirty="0"/>
               </a:p>
             </p:txBody>
           </p:sp>
@@ -26943,7 +26016,7 @@
               <a:bodyPr/>
               <a:lstStyle/>
               <a:p>
-                <a:endParaRPr lang="en-US"/>
+                <a:endParaRPr lang="en-US" dirty="0"/>
               </a:p>
             </p:txBody>
           </p:sp>
@@ -26980,7 +26053,7 @@
               <a:lstStyle/>
               <a:p>
                 <a:pPr algn="l" eaLnBrk="0" hangingPunct="0"/>
-                <a:endParaRPr lang="en-US" sz="1800">
+                <a:endParaRPr lang="en-US" sz="1800" dirty="0">
                   <a:solidFill>
                     <a:srgbClr val="000000"/>
                   </a:solidFill>
@@ -27020,14 +26093,14 @@
               <a:p>
                 <a:pPr algn="l" eaLnBrk="0" hangingPunct="0"/>
                 <a:r>
-                  <a:rPr lang="en-US" sz="800" b="1">
+                  <a:rPr lang="en-US" sz="800" b="1" dirty="0">
                     <a:solidFill>
                       <a:srgbClr val="000000"/>
                     </a:solidFill>
                   </a:rPr>
                   <a:t>Packet</a:t>
                 </a:r>
-                <a:endParaRPr lang="en-US" sz="1800">
+                <a:endParaRPr lang="en-US" sz="1800" dirty="0">
                   <a:solidFill>
                     <a:srgbClr val="000000"/>
                   </a:solidFill>
@@ -27067,14 +26140,14 @@
               <a:p>
                 <a:pPr algn="l" eaLnBrk="0" hangingPunct="0"/>
                 <a:r>
-                  <a:rPr lang="en-US" sz="800" b="1">
+                  <a:rPr lang="en-US" sz="800" b="1" dirty="0">
                     <a:solidFill>
                       <a:srgbClr val="000000"/>
                     </a:solidFill>
                   </a:rPr>
                   <a:t>Accelerator</a:t>
                 </a:r>
-                <a:endParaRPr lang="en-US" sz="1800">
+                <a:endParaRPr lang="en-US" sz="1800" dirty="0">
                   <a:solidFill>
                     <a:srgbClr val="000000"/>
                   </a:solidFill>
@@ -27112,7 +26185,7 @@
               <a:bodyPr/>
               <a:lstStyle/>
               <a:p>
-                <a:endParaRPr lang="en-US"/>
+                <a:endParaRPr lang="en-US" dirty="0"/>
               </a:p>
             </p:txBody>
           </p:sp>
@@ -27197,7 +26270,7 @@
               <a:bodyPr/>
               <a:lstStyle/>
               <a:p>
-                <a:endParaRPr lang="en-US"/>
+                <a:endParaRPr lang="en-US" dirty="0"/>
               </a:p>
             </p:txBody>
           </p:sp>
@@ -27282,7 +26355,7 @@
               <a:bodyPr/>
               <a:lstStyle/>
               <a:p>
-                <a:endParaRPr lang="en-US"/>
+                <a:endParaRPr lang="en-US" dirty="0"/>
               </a:p>
             </p:txBody>
           </p:sp>
@@ -27316,7 +26389,7 @@
               <a:bodyPr/>
               <a:lstStyle/>
               <a:p>
-                <a:endParaRPr lang="en-US"/>
+                <a:endParaRPr lang="en-US" dirty="0"/>
               </a:p>
             </p:txBody>
           </p:sp>
@@ -27401,7 +26474,7 @@
               <a:bodyPr/>
               <a:lstStyle/>
               <a:p>
-                <a:endParaRPr lang="en-US"/>
+                <a:endParaRPr lang="en-US" dirty="0"/>
               </a:p>
             </p:txBody>
           </p:sp>
@@ -27486,7 +26559,7 @@
               <a:bodyPr/>
               <a:lstStyle/>
               <a:p>
-                <a:endParaRPr lang="en-US"/>
+                <a:endParaRPr lang="en-US" dirty="0"/>
               </a:p>
             </p:txBody>
           </p:sp>
@@ -27520,7 +26593,7 @@
               <a:bodyPr/>
               <a:lstStyle/>
               <a:p>
-                <a:endParaRPr lang="en-US"/>
+                <a:endParaRPr lang="en-US" dirty="0"/>
               </a:p>
             </p:txBody>
           </p:sp>
@@ -27605,7 +26678,7 @@
               <a:bodyPr/>
               <a:lstStyle/>
               <a:p>
-                <a:endParaRPr lang="en-US"/>
+                <a:endParaRPr lang="en-US" dirty="0"/>
               </a:p>
             </p:txBody>
           </p:sp>
@@ -27690,7 +26763,7 @@
               <a:bodyPr/>
               <a:lstStyle/>
               <a:p>
-                <a:endParaRPr lang="en-US"/>
+                <a:endParaRPr lang="en-US" dirty="0"/>
               </a:p>
             </p:txBody>
           </p:sp>
@@ -27724,7 +26797,7 @@
               <a:bodyPr/>
               <a:lstStyle/>
               <a:p>
-                <a:endParaRPr lang="en-US"/>
+                <a:endParaRPr lang="en-US" dirty="0"/>
               </a:p>
             </p:txBody>
           </p:sp>
@@ -27809,7 +26882,7 @@
               <a:bodyPr/>
               <a:lstStyle/>
               <a:p>
-                <a:endParaRPr lang="en-US"/>
+                <a:endParaRPr lang="en-US" dirty="0"/>
               </a:p>
             </p:txBody>
           </p:sp>
@@ -27894,7 +26967,7 @@
               <a:bodyPr/>
               <a:lstStyle/>
               <a:p>
-                <a:endParaRPr lang="en-US"/>
+                <a:endParaRPr lang="en-US" dirty="0"/>
               </a:p>
             </p:txBody>
           </p:sp>
@@ -27931,7 +27004,7 @@
               <a:lstStyle/>
               <a:p>
                 <a:pPr algn="l" eaLnBrk="0" hangingPunct="0"/>
-                <a:endParaRPr lang="en-US" sz="1800">
+                <a:endParaRPr lang="en-US" sz="1800" dirty="0">
                   <a:solidFill>
                     <a:srgbClr val="000000"/>
                   </a:solidFill>
@@ -27971,14 +27044,14 @@
               <a:p>
                 <a:pPr algn="l" eaLnBrk="0" hangingPunct="0"/>
                 <a:r>
-                  <a:rPr lang="en-US" sz="800" b="1">
+                  <a:rPr lang="en-US" sz="800" b="1" dirty="0">
                     <a:solidFill>
                       <a:srgbClr val="000000"/>
                     </a:solidFill>
                   </a:rPr>
                   <a:t>Security</a:t>
                 </a:r>
-                <a:endParaRPr lang="en-US" sz="1800">
+                <a:endParaRPr lang="en-US" sz="1800" dirty="0">
                   <a:solidFill>
                     <a:srgbClr val="000000"/>
                   </a:solidFill>
@@ -28018,14 +27091,14 @@
               <a:p>
                 <a:pPr algn="l" eaLnBrk="0" hangingPunct="0"/>
                 <a:r>
-                  <a:rPr lang="en-US" sz="800" b="1">
+                  <a:rPr lang="en-US" sz="800" b="1" dirty="0">
                     <a:solidFill>
                       <a:srgbClr val="000000"/>
                     </a:solidFill>
                   </a:rPr>
                   <a:t>Accelerator</a:t>
                 </a:r>
-                <a:endParaRPr lang="en-US" sz="1800">
+                <a:endParaRPr lang="en-US" sz="1800" dirty="0">
                   <a:solidFill>
                     <a:srgbClr val="000000"/>
                   </a:solidFill>
@@ -28066,7 +27139,7 @@
               <a:lstStyle/>
               <a:p>
                 <a:pPr algn="l" eaLnBrk="0" hangingPunct="0"/>
-                <a:endParaRPr lang="en-US" sz="1800">
+                <a:endParaRPr lang="en-US" sz="1800" dirty="0">
                   <a:solidFill>
                     <a:srgbClr val="000000"/>
                   </a:solidFill>
@@ -28106,14 +27179,14 @@
               <a:p>
                 <a:pPr algn="l" eaLnBrk="0" hangingPunct="0"/>
                 <a:r>
-                  <a:rPr lang="en-US" sz="800" b="1">
+                  <a:rPr lang="en-US" sz="800" b="1" dirty="0">
                     <a:solidFill>
                       <a:srgbClr val="000000"/>
                     </a:solidFill>
                   </a:rPr>
                   <a:t>PLL</a:t>
                 </a:r>
-                <a:endParaRPr lang="en-US" sz="1800">
+                <a:endParaRPr lang="en-US" sz="1800" dirty="0">
                   <a:solidFill>
                     <a:srgbClr val="000000"/>
                   </a:solidFill>
@@ -28154,7 +27227,7 @@
               <a:lstStyle/>
               <a:p>
                 <a:pPr algn="l" eaLnBrk="0" hangingPunct="0"/>
-                <a:endParaRPr lang="en-US" sz="1800">
+                <a:endParaRPr lang="en-US" sz="1800" dirty="0">
                   <a:solidFill>
                     <a:srgbClr val="000000"/>
                   </a:solidFill>
@@ -28195,7 +27268,7 @@
               <a:lstStyle/>
               <a:p>
                 <a:pPr algn="l" eaLnBrk="0" hangingPunct="0"/>
-                <a:endParaRPr lang="en-US" sz="1800">
+                <a:endParaRPr lang="en-US" sz="1800" dirty="0">
                   <a:solidFill>
                     <a:srgbClr val="000000"/>
                   </a:solidFill>
@@ -28236,7 +27309,7 @@
               <a:lstStyle/>
               <a:p>
                 <a:pPr algn="l" eaLnBrk="0" hangingPunct="0"/>
-                <a:endParaRPr lang="en-US" sz="1800">
+                <a:endParaRPr lang="en-US" sz="1800" dirty="0">
                   <a:solidFill>
                     <a:srgbClr val="000000"/>
                   </a:solidFill>
@@ -28276,14 +27349,14 @@
               <a:p>
                 <a:pPr algn="l" eaLnBrk="0" hangingPunct="0"/>
                 <a:r>
-                  <a:rPr lang="en-US" sz="800" b="1">
+                  <a:rPr lang="en-US" sz="800" b="1" dirty="0">
                     <a:solidFill>
                       <a:srgbClr val="000000"/>
                     </a:solidFill>
                   </a:rPr>
                   <a:t>EDMA</a:t>
                 </a:r>
-                <a:endParaRPr lang="en-US" sz="1800">
+                <a:endParaRPr lang="en-US" sz="1800" dirty="0">
                   <a:solidFill>
                     <a:srgbClr val="000000"/>
                   </a:solidFill>
@@ -28372,7 +27445,7 @@
               <a:bodyPr/>
               <a:lstStyle/>
               <a:p>
-                <a:endParaRPr lang="en-US"/>
+                <a:endParaRPr lang="en-US" dirty="0"/>
               </a:p>
             </p:txBody>
           </p:sp>
@@ -28502,7 +27575,7 @@
               <a:bodyPr/>
               <a:lstStyle/>
               <a:p>
-                <a:endParaRPr lang="en-US"/>
+                <a:endParaRPr lang="en-US" dirty="0"/>
               </a:p>
             </p:txBody>
           </p:sp>
@@ -28537,7 +27610,7 @@
               <a:lstStyle/>
               <a:p>
                 <a:pPr algn="l" eaLnBrk="0" hangingPunct="0"/>
-                <a:endParaRPr lang="en-US" sz="1800">
+                <a:endParaRPr lang="en-US" sz="1800" dirty="0">
                   <a:solidFill>
                     <a:srgbClr val="000000"/>
                   </a:solidFill>
@@ -28626,7 +27699,7 @@
               <a:bodyPr/>
               <a:lstStyle/>
               <a:p>
-                <a:endParaRPr lang="en-US"/>
+                <a:endParaRPr lang="en-US" dirty="0"/>
               </a:p>
             </p:txBody>
           </p:sp>
@@ -28756,7 +27829,7 @@
               <a:bodyPr/>
               <a:lstStyle/>
               <a:p>
-                <a:endParaRPr lang="en-US"/>
+                <a:endParaRPr lang="en-US" dirty="0"/>
               </a:p>
             </p:txBody>
           </p:sp>
@@ -28791,7 +27864,7 @@
               <a:lstStyle/>
               <a:p>
                 <a:pPr algn="l" eaLnBrk="0" hangingPunct="0"/>
-                <a:endParaRPr lang="en-US" sz="1800">
+                <a:endParaRPr lang="en-US" sz="1800" dirty="0">
                   <a:solidFill>
                     <a:srgbClr val="000000"/>
                   </a:solidFill>
@@ -28831,14 +27904,14 @@
               <a:p>
                 <a:pPr algn="l" eaLnBrk="0" hangingPunct="0"/>
                 <a:r>
-                  <a:rPr lang="en-US" sz="900" b="1">
+                  <a:rPr lang="en-US" sz="900" b="1" dirty="0">
                     <a:solidFill>
                       <a:srgbClr val="24211D"/>
                     </a:solidFill>
                   </a:rPr>
                   <a:t>x3</a:t>
                 </a:r>
-                <a:endParaRPr lang="en-US" sz="1800">
+                <a:endParaRPr lang="en-US" sz="1800" dirty="0">
                   <a:solidFill>
                     <a:srgbClr val="000000"/>
                   </a:solidFill>
@@ -28927,7 +28000,7 @@
               <a:bodyPr/>
               <a:lstStyle/>
               <a:p>
-                <a:endParaRPr lang="en-US"/>
+                <a:endParaRPr lang="en-US" dirty="0"/>
               </a:p>
             </p:txBody>
           </p:sp>
@@ -29054,7 +28127,7 @@
               <a:bodyPr/>
               <a:lstStyle/>
               <a:p>
-                <a:endParaRPr lang="en-US"/>
+                <a:endParaRPr lang="en-US" dirty="0"/>
               </a:p>
             </p:txBody>
           </p:sp>
@@ -29089,7 +28162,7 @@
               <a:lstStyle/>
               <a:p>
                 <a:pPr algn="l" eaLnBrk="0" hangingPunct="0"/>
-                <a:endParaRPr lang="en-US" sz="1800">
+                <a:endParaRPr lang="en-US" sz="1800" dirty="0">
                   <a:solidFill>
                     <a:srgbClr val="000000"/>
                   </a:solidFill>
@@ -29178,7 +28251,7 @@
               <a:bodyPr/>
               <a:lstStyle/>
               <a:p>
-                <a:endParaRPr lang="en-US"/>
+                <a:endParaRPr lang="en-US" dirty="0"/>
               </a:p>
             </p:txBody>
           </p:sp>
@@ -29308,7 +28381,7 @@
               <a:bodyPr/>
               <a:lstStyle/>
               <a:p>
-                <a:endParaRPr lang="en-US"/>
+                <a:endParaRPr lang="en-US" dirty="0"/>
               </a:p>
             </p:txBody>
           </p:sp>
@@ -29393,7 +28466,7 @@
               <a:bodyPr/>
               <a:lstStyle/>
               <a:p>
-                <a:endParaRPr lang="en-US"/>
+                <a:endParaRPr lang="en-US" dirty="0"/>
               </a:p>
             </p:txBody>
           </p:sp>
@@ -29523,7 +28596,7 @@
               <a:bodyPr/>
               <a:lstStyle/>
               <a:p>
-                <a:endParaRPr lang="en-US"/>
+                <a:endParaRPr lang="en-US" dirty="0"/>
               </a:p>
             </p:txBody>
           </p:sp>
@@ -29558,7 +28631,7 @@
               <a:lstStyle/>
               <a:p>
                 <a:pPr algn="l" eaLnBrk="0" hangingPunct="0"/>
-                <a:endParaRPr lang="en-US" sz="1800">
+                <a:endParaRPr lang="en-US" sz="1800" dirty="0">
                   <a:solidFill>
                     <a:srgbClr val="000000"/>
                   </a:solidFill>
@@ -29692,7 +28765,7 @@
               <a:bodyPr/>
               <a:lstStyle/>
               <a:p>
-                <a:endParaRPr lang="en-US"/>
+                <a:endParaRPr lang="en-US" dirty="0"/>
               </a:p>
             </p:txBody>
           </p:sp>
@@ -29777,7 +28850,7 @@
               <a:bodyPr/>
               <a:lstStyle/>
               <a:p>
-                <a:endParaRPr lang="en-US"/>
+                <a:endParaRPr lang="en-US" dirty="0"/>
               </a:p>
             </p:txBody>
           </p:sp>
@@ -29907,7 +28980,7 @@
               <a:bodyPr/>
               <a:lstStyle/>
               <a:p>
-                <a:endParaRPr lang="en-US"/>
+                <a:endParaRPr lang="en-US" dirty="0"/>
               </a:p>
             </p:txBody>
           </p:sp>
@@ -29942,7 +29015,7 @@
               <a:lstStyle/>
               <a:p>
                 <a:pPr algn="l" eaLnBrk="0" hangingPunct="0"/>
-                <a:endParaRPr lang="en-US" sz="1800">
+                <a:endParaRPr lang="en-US" sz="1800" dirty="0">
                   <a:solidFill>
                     <a:srgbClr val="000000"/>
                   </a:solidFill>
@@ -30076,7 +29149,7 @@
               <a:bodyPr/>
               <a:lstStyle/>
               <a:p>
-                <a:endParaRPr lang="en-US"/>
+                <a:endParaRPr lang="en-US" dirty="0"/>
               </a:p>
             </p:txBody>
           </p:sp>
@@ -30110,7 +29183,7 @@
               <a:bodyPr/>
               <a:lstStyle/>
               <a:p>
-                <a:endParaRPr lang="en-US"/>
+                <a:endParaRPr lang="en-US" dirty="0"/>
               </a:p>
             </p:txBody>
           </p:sp>
@@ -30195,7 +29268,7 @@
               <a:bodyPr/>
               <a:lstStyle/>
               <a:p>
-                <a:endParaRPr lang="en-US"/>
+                <a:endParaRPr lang="en-US" dirty="0"/>
               </a:p>
             </p:txBody>
           </p:sp>
@@ -30280,7 +29353,7 @@
               <a:bodyPr/>
               <a:lstStyle/>
               <a:p>
-                <a:endParaRPr lang="en-US"/>
+                <a:endParaRPr lang="en-US" dirty="0"/>
               </a:p>
             </p:txBody>
           </p:sp>
@@ -30314,7 +29387,7 @@
               <a:bodyPr/>
               <a:lstStyle/>
               <a:p>
-                <a:endParaRPr lang="en-US"/>
+                <a:endParaRPr lang="en-US" dirty="0"/>
               </a:p>
             </p:txBody>
           </p:sp>
@@ -30399,7 +29472,7 @@
               <a:bodyPr/>
               <a:lstStyle/>
               <a:p>
-                <a:endParaRPr lang="en-US"/>
+                <a:endParaRPr lang="en-US" dirty="0"/>
               </a:p>
             </p:txBody>
           </p:sp>
@@ -30484,7 +29557,7 @@
               <a:bodyPr/>
               <a:lstStyle/>
               <a:p>
-                <a:endParaRPr lang="en-US"/>
+                <a:endParaRPr lang="en-US" dirty="0"/>
               </a:p>
             </p:txBody>
           </p:sp>
@@ -30521,7 +29594,7 @@
               <a:lstStyle/>
               <a:p>
                 <a:pPr algn="l" eaLnBrk="0" hangingPunct="0"/>
-                <a:endParaRPr lang="en-US" sz="1800">
+                <a:endParaRPr lang="en-US" sz="1800" dirty="0">
                   <a:solidFill>
                     <a:srgbClr val="000000"/>
                   </a:solidFill>
@@ -30562,7 +29635,7 @@
               <a:lstStyle/>
               <a:p>
                 <a:pPr algn="l" eaLnBrk="0" hangingPunct="0"/>
-                <a:endParaRPr lang="en-US" sz="1800">
+                <a:endParaRPr lang="en-US" sz="1800" dirty="0">
                   <a:solidFill>
                     <a:srgbClr val="000000"/>
                   </a:solidFill>
@@ -30603,7 +29676,7 @@
               <a:lstStyle/>
               <a:p>
                 <a:pPr algn="l" eaLnBrk="0" hangingPunct="0"/>
-                <a:endParaRPr lang="en-US" sz="1800">
+                <a:endParaRPr lang="en-US" sz="1800" dirty="0">
                   <a:solidFill>
                     <a:srgbClr val="000000"/>
                   </a:solidFill>
@@ -30644,7 +29717,7 @@
               <a:lstStyle/>
               <a:p>
                 <a:pPr algn="l" eaLnBrk="0" hangingPunct="0"/>
-                <a:endParaRPr lang="en-US" sz="1800">
+                <a:endParaRPr lang="en-US" sz="1800" dirty="0">
                   <a:solidFill>
                     <a:srgbClr val="000000"/>
                   </a:solidFill>
@@ -30685,7 +29758,7 @@
               <a:lstStyle/>
               <a:p>
                 <a:pPr algn="l" eaLnBrk="0" hangingPunct="0"/>
-                <a:endParaRPr lang="en-US" sz="1800">
+                <a:endParaRPr lang="en-US" sz="1800" dirty="0">
                   <a:solidFill>
                     <a:srgbClr val="000000"/>
                   </a:solidFill>
@@ -30726,7 +29799,7 @@
               <a:lstStyle/>
               <a:p>
                 <a:pPr algn="l" eaLnBrk="0" hangingPunct="0"/>
-                <a:endParaRPr lang="en-US" sz="1800">
+                <a:endParaRPr lang="en-US" sz="1800" dirty="0">
                   <a:solidFill>
                     <a:srgbClr val="000000"/>
                   </a:solidFill>
@@ -30767,7 +29840,7 @@
               <a:lstStyle/>
               <a:p>
                 <a:pPr algn="l" eaLnBrk="0" hangingPunct="0"/>
-                <a:endParaRPr lang="en-US" sz="1800">
+                <a:endParaRPr lang="en-US" sz="1800" dirty="0">
                   <a:solidFill>
                     <a:srgbClr val="000000"/>
                   </a:solidFill>
@@ -30808,7 +29881,7 @@
               <a:lstStyle/>
               <a:p>
                 <a:pPr algn="l" eaLnBrk="0" hangingPunct="0"/>
-                <a:endParaRPr lang="en-US" sz="1800">
+                <a:endParaRPr lang="en-US" sz="1800" dirty="0">
                   <a:solidFill>
                     <a:srgbClr val="000000"/>
                   </a:solidFill>
@@ -30849,7 +29922,7 @@
               <a:lstStyle/>
               <a:p>
                 <a:pPr algn="l" eaLnBrk="0" hangingPunct="0"/>
-                <a:endParaRPr lang="en-US" sz="1800">
+                <a:endParaRPr lang="en-US" sz="1800" dirty="0">
                   <a:solidFill>
                     <a:srgbClr val="000000"/>
                   </a:solidFill>
@@ -30889,14 +29962,14 @@
               <a:p>
                 <a:pPr algn="l" eaLnBrk="0" hangingPunct="0"/>
                 <a:r>
-                  <a:rPr lang="en-US" sz="1300" b="1">
+                  <a:rPr lang="en-US" sz="1300" b="1" dirty="0">
                     <a:solidFill>
                       <a:srgbClr val="24211D"/>
                     </a:solidFill>
                   </a:rPr>
                   <a:t>C66x™</a:t>
                 </a:r>
-                <a:endParaRPr lang="en-US" sz="1800">
+                <a:endParaRPr lang="en-US" sz="1800" dirty="0">
                   <a:solidFill>
                     <a:srgbClr val="000000"/>
                   </a:solidFill>
@@ -30936,14 +30009,14 @@
               <a:p>
                 <a:pPr algn="l" eaLnBrk="0" hangingPunct="0"/>
                 <a:r>
-                  <a:rPr lang="en-US" sz="1300" b="1">
+                  <a:rPr lang="en-US" sz="1300" b="1" dirty="0">
                     <a:solidFill>
                       <a:srgbClr val="24211D"/>
                     </a:solidFill>
                   </a:rPr>
                   <a:t>CorePac</a:t>
                 </a:r>
-                <a:endParaRPr lang="en-US" sz="1800">
+                <a:endParaRPr lang="en-US" sz="1800" dirty="0">
                   <a:solidFill>
                     <a:srgbClr val="000000"/>
                   </a:solidFill>
@@ -30983,14 +30056,14 @@
               <a:p>
                 <a:pPr algn="l" eaLnBrk="0" hangingPunct="0"/>
                 <a:r>
-                  <a:rPr lang="en-US" sz="800" b="1">
+                  <a:rPr lang="en-US" sz="800" b="1" dirty="0">
                     <a:solidFill>
                       <a:srgbClr val="000000"/>
                     </a:solidFill>
                   </a:rPr>
                   <a:t> L1</a:t>
                 </a:r>
-                <a:endParaRPr lang="en-US" sz="1800">
+                <a:endParaRPr lang="en-US" sz="1800" dirty="0">
                   <a:solidFill>
                     <a:srgbClr val="000000"/>
                   </a:solidFill>
@@ -31030,14 +30103,14 @@
               <a:p>
                 <a:pPr algn="l" eaLnBrk="0" hangingPunct="0"/>
                 <a:r>
-                  <a:rPr lang="en-US" sz="800" b="1">
+                  <a:rPr lang="en-US" sz="800" b="1" dirty="0">
                     <a:solidFill>
                       <a:srgbClr val="000000"/>
                     </a:solidFill>
                   </a:rPr>
                   <a:t>P-Cache</a:t>
                 </a:r>
-                <a:endParaRPr lang="en-US" sz="1800">
+                <a:endParaRPr lang="en-US" sz="1800" dirty="0">
                   <a:solidFill>
                     <a:srgbClr val="000000"/>
                   </a:solidFill>
@@ -31077,14 +30150,14 @@
               <a:p>
                 <a:pPr algn="l" eaLnBrk="0" hangingPunct="0"/>
                 <a:r>
-                  <a:rPr lang="en-US" sz="800" b="1">
+                  <a:rPr lang="en-US" sz="800" b="1" dirty="0">
                     <a:solidFill>
                       <a:srgbClr val="000000"/>
                     </a:solidFill>
                   </a:rPr>
                   <a:t>L1</a:t>
                 </a:r>
-                <a:endParaRPr lang="en-US" sz="1800">
+                <a:endParaRPr lang="en-US" sz="1800" dirty="0">
                   <a:solidFill>
                     <a:srgbClr val="000000"/>
                   </a:solidFill>
@@ -31124,14 +30197,14 @@
               <a:p>
                 <a:pPr algn="l" eaLnBrk="0" hangingPunct="0"/>
                 <a:r>
-                  <a:rPr lang="en-US" sz="800" b="1">
+                  <a:rPr lang="en-US" sz="800" b="1" dirty="0">
                     <a:solidFill>
                       <a:srgbClr val="000000"/>
                     </a:solidFill>
                   </a:rPr>
                   <a:t>D-Cache</a:t>
                 </a:r>
-                <a:endParaRPr lang="en-US" sz="1800">
+                <a:endParaRPr lang="en-US" sz="1800" dirty="0">
                   <a:solidFill>
                     <a:srgbClr val="000000"/>
                   </a:solidFill>
@@ -31171,14 +30244,14 @@
               <a:p>
                 <a:pPr algn="l" eaLnBrk="0" hangingPunct="0"/>
                 <a:r>
-                  <a:rPr lang="en-US" sz="800" b="1">
+                  <a:rPr lang="en-US" sz="800" b="1" dirty="0">
                     <a:solidFill>
                       <a:srgbClr val="000000"/>
                     </a:solidFill>
                   </a:rPr>
                   <a:t>L2 SRAM</a:t>
                 </a:r>
-                <a:endParaRPr lang="en-US" sz="1800">
+                <a:endParaRPr lang="en-US" sz="1800" dirty="0">
                   <a:solidFill>
                     <a:srgbClr val="000000"/>
                   </a:solidFill>
@@ -31216,7 +30289,7 @@
               <a:bodyPr/>
               <a:lstStyle/>
               <a:p>
-                <a:endParaRPr lang="en-US"/>
+                <a:endParaRPr lang="en-US" dirty="0"/>
               </a:p>
             </p:txBody>
           </p:sp>
@@ -31250,7 +30323,7 @@
               <a:bodyPr/>
               <a:lstStyle/>
               <a:p>
-                <a:endParaRPr lang="en-US"/>
+                <a:endParaRPr lang="en-US" dirty="0"/>
               </a:p>
             </p:txBody>
           </p:sp>
@@ -31284,7 +30357,7 @@
               <a:bodyPr/>
               <a:lstStyle/>
               <a:p>
-                <a:endParaRPr lang="en-US"/>
+                <a:endParaRPr lang="en-US" dirty="0"/>
               </a:p>
             </p:txBody>
           </p:sp>
@@ -31483,7 +30556,7 @@
               <a:bodyPr/>
               <a:lstStyle/>
               <a:p>
-                <a:endParaRPr lang="en-US"/>
+                <a:endParaRPr lang="en-US" dirty="0"/>
               </a:p>
             </p:txBody>
           </p:sp>
@@ -31518,7 +30591,7 @@
               <a:lstStyle/>
               <a:p>
                 <a:pPr algn="l" eaLnBrk="0" hangingPunct="0"/>
-                <a:endParaRPr lang="en-US" sz="1800">
+                <a:endParaRPr lang="en-US" sz="1800" dirty="0">
                   <a:solidFill>
                     <a:srgbClr val="000000"/>
                   </a:solidFill>
@@ -31607,7 +30680,7 @@
               <a:bodyPr/>
               <a:lstStyle/>
               <a:p>
-                <a:endParaRPr lang="en-US"/>
+                <a:endParaRPr lang="en-US" dirty="0"/>
               </a:p>
             </p:txBody>
           </p:sp>
@@ -31806,7 +30879,7 @@
               <a:bodyPr/>
               <a:lstStyle/>
               <a:p>
-                <a:endParaRPr lang="en-US"/>
+                <a:endParaRPr lang="en-US" dirty="0"/>
               </a:p>
             </p:txBody>
           </p:sp>
@@ -32008,7 +31081,7 @@
               <a:bodyPr/>
               <a:lstStyle/>
               <a:p>
-                <a:endParaRPr lang="en-US"/>
+                <a:endParaRPr lang="en-US" dirty="0"/>
               </a:p>
             </p:txBody>
           </p:sp>
@@ -32043,7 +31116,7 @@
               <a:lstStyle/>
               <a:p>
                 <a:pPr algn="l" eaLnBrk="0" hangingPunct="0"/>
-                <a:endParaRPr lang="en-US" sz="1800">
+                <a:endParaRPr lang="en-US" sz="1800" dirty="0">
                   <a:solidFill>
                     <a:srgbClr val="000000"/>
                   </a:solidFill>
@@ -32132,7 +31205,7 @@
               <a:bodyPr/>
               <a:lstStyle/>
               <a:p>
-                <a:endParaRPr lang="en-US"/>
+                <a:endParaRPr lang="en-US" dirty="0"/>
               </a:p>
             </p:txBody>
           </p:sp>
@@ -32328,7 +31401,7 @@
               <a:bodyPr/>
               <a:lstStyle/>
               <a:p>
-                <a:endParaRPr lang="en-US"/>
+                <a:endParaRPr lang="en-US" dirty="0"/>
               </a:p>
             </p:txBody>
           </p:sp>
@@ -32365,7 +31438,7 @@
               <a:lstStyle/>
               <a:p>
                 <a:pPr algn="l" eaLnBrk="0" hangingPunct="0"/>
-                <a:endParaRPr lang="en-US" sz="1800">
+                <a:endParaRPr lang="en-US" sz="1800" dirty="0">
                   <a:solidFill>
                     <a:srgbClr val="000000"/>
                   </a:solidFill>
@@ -32454,7 +31527,7 @@
               <a:bodyPr/>
               <a:lstStyle/>
               <a:p>
-                <a:endParaRPr lang="en-US"/>
+                <a:endParaRPr lang="en-US" dirty="0"/>
               </a:p>
             </p:txBody>
           </p:sp>
@@ -32584,7 +31657,7 @@
               <a:bodyPr/>
               <a:lstStyle/>
               <a:p>
-                <a:endParaRPr lang="en-US"/>
+                <a:endParaRPr lang="en-US" dirty="0"/>
               </a:p>
             </p:txBody>
           </p:sp>
@@ -32619,7 +31692,7 @@
               <a:lstStyle/>
               <a:p>
                 <a:pPr algn="l" eaLnBrk="0" hangingPunct="0"/>
-                <a:endParaRPr lang="en-US" sz="1800">
+                <a:endParaRPr lang="en-US" sz="1800" dirty="0">
                   <a:solidFill>
                     <a:srgbClr val="000000"/>
                   </a:solidFill>
@@ -32708,7 +31781,7 @@
               <a:bodyPr/>
               <a:lstStyle/>
               <a:p>
-                <a:endParaRPr lang="en-US"/>
+                <a:endParaRPr lang="en-US" dirty="0"/>
               </a:p>
             </p:txBody>
           </p:sp>
@@ -32841,7 +31914,7 @@
               <a:bodyPr/>
               <a:lstStyle/>
               <a:p>
-                <a:endParaRPr lang="en-US"/>
+                <a:endParaRPr lang="en-US" dirty="0"/>
               </a:p>
             </p:txBody>
           </p:sp>
@@ -32876,7 +31949,7 @@
               <a:lstStyle/>
               <a:p>
                 <a:pPr algn="l" eaLnBrk="0" hangingPunct="0"/>
-                <a:endParaRPr lang="en-US" sz="1800">
+                <a:endParaRPr lang="en-US" sz="1800" dirty="0">
                   <a:solidFill>
                     <a:srgbClr val="000000"/>
                   </a:solidFill>
@@ -32916,14 +31989,14 @@
               <a:p>
                 <a:pPr algn="l" eaLnBrk="0" hangingPunct="0"/>
                 <a:r>
-                  <a:rPr lang="en-US" sz="1000" b="1">
+                  <a:rPr lang="en-US" sz="1000" b="1" dirty="0">
                     <a:solidFill>
                       <a:srgbClr val="24211D"/>
                     </a:solidFill>
                   </a:rPr>
                   <a:t>HyperLink</a:t>
                 </a:r>
-                <a:endParaRPr lang="en-US" sz="1800">
+                <a:endParaRPr lang="en-US" sz="1800" dirty="0">
                   <a:solidFill>
                     <a:srgbClr val="000000"/>
                   </a:solidFill>
@@ -32961,7 +32034,7 @@
               <a:bodyPr/>
               <a:lstStyle/>
               <a:p>
-                <a:endParaRPr lang="en-US"/>
+                <a:endParaRPr lang="en-US" dirty="0"/>
               </a:p>
             </p:txBody>
           </p:sp>
@@ -32995,7 +32068,7 @@
               <a:bodyPr/>
               <a:lstStyle/>
               <a:p>
-                <a:endParaRPr lang="en-US"/>
+                <a:endParaRPr lang="en-US" dirty="0"/>
               </a:p>
             </p:txBody>
           </p:sp>
@@ -33029,7 +32102,7 @@
               <a:bodyPr/>
               <a:lstStyle/>
               <a:p>
-                <a:endParaRPr lang="en-US"/>
+                <a:endParaRPr lang="en-US" dirty="0"/>
               </a:p>
             </p:txBody>
           </p:sp>
@@ -33063,7 +32136,7 @@
               <a:bodyPr/>
               <a:lstStyle/>
               <a:p>
-                <a:endParaRPr lang="en-US"/>
+                <a:endParaRPr lang="en-US" dirty="0"/>
               </a:p>
             </p:txBody>
           </p:sp>
@@ -33098,7 +32171,7 @@
               <a:lstStyle/>
               <a:p>
                 <a:pPr algn="l" eaLnBrk="0" hangingPunct="0"/>
-                <a:endParaRPr lang="en-US" sz="1800">
+                <a:endParaRPr lang="en-US" sz="1800" dirty="0">
                   <a:solidFill>
                     <a:srgbClr val="000000"/>
                   </a:solidFill>
@@ -33136,7 +32209,7 @@
               <a:bodyPr/>
               <a:lstStyle/>
               <a:p>
-                <a:endParaRPr lang="en-US"/>
+                <a:endParaRPr lang="en-US" dirty="0"/>
               </a:p>
             </p:txBody>
           </p:sp>
@@ -33171,7 +32244,7 @@
               <a:lstStyle/>
               <a:p>
                 <a:pPr algn="l" eaLnBrk="0" hangingPunct="0"/>
-                <a:endParaRPr lang="en-US" sz="1800">
+                <a:endParaRPr lang="en-US" sz="1800" dirty="0">
                   <a:solidFill>
                     <a:srgbClr val="000000"/>
                   </a:solidFill>
@@ -33210,7 +32283,7 @@
               <a:lstStyle/>
               <a:p>
                 <a:pPr algn="l" eaLnBrk="0" hangingPunct="0"/>
-                <a:endParaRPr lang="en-US" sz="1800">
+                <a:endParaRPr lang="en-US" sz="1800" dirty="0">
                   <a:solidFill>
                     <a:srgbClr val="000000"/>
                   </a:solidFill>
@@ -33248,7 +32321,7 @@
               <a:bodyPr/>
               <a:lstStyle/>
               <a:p>
-                <a:endParaRPr lang="en-US"/>
+                <a:endParaRPr lang="en-US" dirty="0"/>
               </a:p>
             </p:txBody>
           </p:sp>
@@ -33282,7 +32355,7 @@
               <a:bodyPr/>
               <a:lstStyle/>
               <a:p>
-                <a:endParaRPr lang="en-US"/>
+                <a:endParaRPr lang="en-US" dirty="0"/>
               </a:p>
             </p:txBody>
           </p:sp>
@@ -33316,7 +32389,7 @@
               <a:bodyPr/>
               <a:lstStyle/>
               <a:p>
-                <a:endParaRPr lang="en-US"/>
+                <a:endParaRPr lang="en-US" dirty="0"/>
               </a:p>
             </p:txBody>
           </p:sp>
@@ -33352,7 +32425,7 @@
             <a:lstStyle/>
             <a:p>
               <a:pPr algn="l" eaLnBrk="0" hangingPunct="0"/>
-              <a:endParaRPr lang="en-US" sz="1800">
+              <a:endParaRPr lang="en-US" sz="1800" dirty="0">
                 <a:solidFill>
                   <a:srgbClr val="000000"/>
                 </a:solidFill>
@@ -33390,7 +32463,7 @@
             <a:bodyPr/>
             <a:lstStyle/>
             <a:p>
-              <a:endParaRPr lang="en-US"/>
+              <a:endParaRPr lang="en-US" dirty="0"/>
             </a:p>
           </p:txBody>
         </p:sp>
@@ -33424,7 +32497,7 @@
             <a:bodyPr/>
             <a:lstStyle/>
             <a:p>
-              <a:endParaRPr lang="en-US"/>
+              <a:endParaRPr lang="en-US" dirty="0"/>
             </a:p>
           </p:txBody>
         </p:sp>
@@ -33458,7 +32531,7 @@
             <a:bodyPr/>
             <a:lstStyle/>
             <a:p>
-              <a:endParaRPr lang="en-US"/>
+              <a:endParaRPr lang="en-US" dirty="0"/>
             </a:p>
           </p:txBody>
         </p:sp>
@@ -33494,14 +32567,14 @@
             <a:p>
               <a:pPr algn="l" eaLnBrk="0" hangingPunct="0"/>
               <a:r>
-                <a:rPr lang="en-US" sz="1000" b="1">
+                <a:rPr lang="en-US" sz="1000" b="1" dirty="0">
                   <a:solidFill>
                     <a:srgbClr val="24211D"/>
                   </a:solidFill>
                 </a:rPr>
                 <a:t>TeraNet</a:t>
               </a:r>
-              <a:endParaRPr lang="en-US" sz="1800">
+              <a:endParaRPr lang="en-US" sz="1800" dirty="0">
                 <a:solidFill>
                   <a:srgbClr val="000000"/>
                 </a:solidFill>
@@ -33539,7 +32612,7 @@
             <a:bodyPr/>
             <a:lstStyle/>
             <a:p>
-              <a:endParaRPr lang="en-US"/>
+              <a:endParaRPr lang="en-US" dirty="0"/>
             </a:p>
           </p:txBody>
         </p:sp>
@@ -33573,7 +32646,7 @@
             <a:bodyPr/>
             <a:lstStyle/>
             <a:p>
-              <a:endParaRPr lang="en-US"/>
+              <a:endParaRPr lang="en-US" dirty="0"/>
             </a:p>
           </p:txBody>
         </p:sp>
@@ -34110,8 +33183,13 @@
             </a:pPr>
             <a:r>
               <a:rPr lang="en-US" sz="2000" dirty="0"/>
-              <a:t>BAR: used to accept/reject TLP. </a:t>
+              <a:t>BAR: used to accept/reject </a:t>
             </a:r>
+            <a:r>
+              <a:rPr lang="en-US" sz="2000" dirty="0" smtClean="0"/>
+              <a:t>TLP (Transport Layer Protocol). </a:t>
+            </a:r>
+            <a:endParaRPr lang="en-US" sz="2000" dirty="0"/>
           </a:p>
         </p:txBody>
       </p:sp>
@@ -34311,13 +33389,7 @@
               <a:rPr lang="en-US" altLang="zh-CN" sz="2400" dirty="0" smtClean="0">
                 <a:ea typeface="宋体" charset="-122"/>
               </a:rPr>
-              <a:t>outbound (OB)</a:t>
-            </a:r>
-            <a:r>
-              <a:rPr lang="en-US" altLang="zh-CN" sz="2400" dirty="0" smtClean="0">
-                <a:ea typeface="宋体" charset="-122"/>
-              </a:rPr>
-              <a:t>:</a:t>
+              <a:t>outbound (OB):</a:t>
             </a:r>
             <a:endParaRPr lang="en-US" altLang="zh-CN" sz="2400" dirty="0">
               <a:ea typeface="宋体" charset="-122"/>
@@ -34345,12 +33417,20 @@
               </a:lnSpc>
             </a:pPr>
             <a:r>
-              <a:rPr lang="en-US" sz="2000" b="1" dirty="0" err="1"/>
+              <a:rPr lang="en-US" sz="2000" b="1" dirty="0" err="1" smtClean="0"/>
               <a:t>OB_OFFSET_INDEXn</a:t>
             </a:r>
             <a:r>
+              <a:rPr lang="en-US" sz="2000" b="1" dirty="0" smtClean="0"/>
+              <a:t> (n =0;31)</a:t>
+            </a:r>
+            <a:r>
+              <a:rPr lang="en-US" sz="2000" dirty="0" smtClean="0"/>
+              <a:t>: </a:t>
+            </a:r>
+            <a:r>
               <a:rPr lang="en-US" sz="2000" dirty="0"/>
-              <a:t>: represent bits[31:20] of the </a:t>
+              <a:t>represent bits[31:20] of the </a:t>
             </a:r>
             <a:r>
               <a:rPr lang="en-US" sz="2000" dirty="0" smtClean="0"/>
@@ -34368,12 +33448,20 @@
               </a:lnSpc>
             </a:pPr>
             <a:r>
-              <a:rPr lang="en-US" sz="2000" b="1" dirty="0" err="1"/>
+              <a:rPr lang="en-US" sz="2000" b="1" dirty="0" err="1" smtClean="0"/>
               <a:t>OB_OFFSETn_HI</a:t>
             </a:r>
             <a:r>
+              <a:rPr lang="en-US" sz="2000" b="1" dirty="0" smtClean="0"/>
+              <a:t> (n =0;31)</a:t>
+            </a:r>
+            <a:r>
+              <a:rPr lang="en-US" sz="2000" dirty="0" smtClean="0"/>
+              <a:t> : </a:t>
+            </a:r>
+            <a:r>
               <a:rPr lang="en-US" sz="2000" dirty="0"/>
-              <a:t>: represent bits[63:32] of the PCIe address for 64-bit addressing; must be zero for 32-bit addressing</a:t>
+              <a:t>represent bits[63:32] of the PCIe address for 64-bit addressing; must be zero for 32-bit addressing</a:t>
             </a:r>
           </a:p>
         </p:txBody>

--- a/slides/KeyStone PCI Express.pptx
+++ b/slides/KeyStone PCI Express.pptx
@@ -5,7 +5,7 @@
     <p:sldMasterId id="2147483725" r:id="rId1"/>
   </p:sldMasterIdLst>
   <p:notesMasterIdLst>
-    <p:notesMasterId r:id="rId24"/>
+    <p:notesMasterId r:id="rId28"/>
   </p:notesMasterIdLst>
   <p:sldIdLst>
     <p:sldId id="259" r:id="rId2"/>
@@ -29,12 +29,16 @@
     <p:sldId id="321" r:id="rId20"/>
     <p:sldId id="322" r:id="rId21"/>
     <p:sldId id="323" r:id="rId22"/>
-    <p:sldId id="327" r:id="rId23"/>
+    <p:sldId id="333" r:id="rId23"/>
+    <p:sldId id="334" r:id="rId24"/>
+    <p:sldId id="335" r:id="rId25"/>
+    <p:sldId id="336" r:id="rId26"/>
+    <p:sldId id="327" r:id="rId27"/>
   </p:sldIdLst>
   <p:sldSz cx="9144000" cy="6858000" type="screen4x3"/>
   <p:notesSz cx="7315200" cy="9601200"/>
   <p:custDataLst>
-    <p:tags r:id="rId25"/>
+    <p:tags r:id="rId29"/>
   </p:custDataLst>
   <p:defaultTextStyle>
     <a:defPPr>
@@ -1764,6 +1768,334 @@
       </p:grpSpPr>
       <p:sp>
         <p:nvSpPr>
+          <p:cNvPr id="2" name="Slide Image Placeholder 1"/>
+          <p:cNvSpPr>
+            <a:spLocks noGrp="1" noRot="1" noChangeAspect="1"/>
+          </p:cNvSpPr>
+          <p:nvPr>
+            <p:ph type="sldImg"/>
+          </p:nvPr>
+        </p:nvSpPr>
+        <p:spPr/>
+      </p:sp>
+      <p:sp>
+        <p:nvSpPr>
+          <p:cNvPr id="3" name="Notes Placeholder 2"/>
+          <p:cNvSpPr>
+            <a:spLocks noGrp="1"/>
+          </p:cNvSpPr>
+          <p:nvPr>
+            <p:ph type="body" idx="1"/>
+          </p:nvPr>
+        </p:nvSpPr>
+        <p:spPr/>
+        <p:txBody>
+          <a:bodyPr>
+            <a:normAutofit/>
+          </a:bodyPr>
+          <a:lstStyle/>
+          <a:p>
+            <a:endParaRPr lang="en-US" dirty="0"/>
+          </a:p>
+        </p:txBody>
+      </p:sp>
+      <p:sp>
+        <p:nvSpPr>
+          <p:cNvPr id="4" name="Slide Number Placeholder 3"/>
+          <p:cNvSpPr>
+            <a:spLocks noGrp="1"/>
+          </p:cNvSpPr>
+          <p:nvPr>
+            <p:ph type="sldNum" sz="quarter" idx="10"/>
+          </p:nvPr>
+        </p:nvSpPr>
+        <p:spPr/>
+        <p:txBody>
+          <a:bodyPr/>
+          <a:lstStyle/>
+          <a:p>
+            <a:fld id="{7D85CFDE-532E-417C-A2AD-0C5C8E337136}" type="slidenum">
+              <a:rPr lang="en-US" smtClean="0"/>
+              <a:pPr/>
+              <a:t>22</a:t>
+            </a:fld>
+            <a:endParaRPr lang="en-US" dirty="0"/>
+          </a:p>
+        </p:txBody>
+      </p:sp>
+    </p:spTree>
+  </p:cSld>
+  <p:clrMapOvr>
+    <a:masterClrMapping/>
+  </p:clrMapOvr>
+</p:notes>
+</file>
+
+<file path=ppt/notesSlides/notesSlide23.xml><?xml version="1.0" encoding="utf-8"?>
+<p:notes xmlns:a="http://schemas.openxmlformats.org/drawingml/2006/main" xmlns:r="http://schemas.openxmlformats.org/officeDocument/2006/relationships" xmlns:p="http://schemas.openxmlformats.org/presentationml/2006/main">
+  <p:cSld>
+    <p:spTree>
+      <p:nvGrpSpPr>
+        <p:cNvPr id="1" name=""/>
+        <p:cNvGrpSpPr/>
+        <p:nvPr/>
+      </p:nvGrpSpPr>
+      <p:grpSpPr>
+        <a:xfrm>
+          <a:off x="0" y="0"/>
+          <a:ext cx="0" cy="0"/>
+          <a:chOff x="0" y="0"/>
+          <a:chExt cx="0" cy="0"/>
+        </a:xfrm>
+      </p:grpSpPr>
+      <p:sp>
+        <p:nvSpPr>
+          <p:cNvPr id="2" name="Slide Image Placeholder 1"/>
+          <p:cNvSpPr>
+            <a:spLocks noGrp="1" noRot="1" noChangeAspect="1"/>
+          </p:cNvSpPr>
+          <p:nvPr>
+            <p:ph type="sldImg"/>
+          </p:nvPr>
+        </p:nvSpPr>
+        <p:spPr/>
+      </p:sp>
+      <p:sp>
+        <p:nvSpPr>
+          <p:cNvPr id="3" name="Notes Placeholder 2"/>
+          <p:cNvSpPr>
+            <a:spLocks noGrp="1"/>
+          </p:cNvSpPr>
+          <p:nvPr>
+            <p:ph type="body" idx="1"/>
+          </p:nvPr>
+        </p:nvSpPr>
+        <p:spPr/>
+        <p:txBody>
+          <a:bodyPr>
+            <a:normAutofit/>
+          </a:bodyPr>
+          <a:lstStyle/>
+          <a:p>
+            <a:endParaRPr lang="en-US" dirty="0"/>
+          </a:p>
+        </p:txBody>
+      </p:sp>
+      <p:sp>
+        <p:nvSpPr>
+          <p:cNvPr id="4" name="Slide Number Placeholder 3"/>
+          <p:cNvSpPr>
+            <a:spLocks noGrp="1"/>
+          </p:cNvSpPr>
+          <p:nvPr>
+            <p:ph type="sldNum" sz="quarter" idx="10"/>
+          </p:nvPr>
+        </p:nvSpPr>
+        <p:spPr/>
+        <p:txBody>
+          <a:bodyPr/>
+          <a:lstStyle/>
+          <a:p>
+            <a:fld id="{7D85CFDE-532E-417C-A2AD-0C5C8E337136}" type="slidenum">
+              <a:rPr lang="en-US" smtClean="0"/>
+              <a:pPr/>
+              <a:t>23</a:t>
+            </a:fld>
+            <a:endParaRPr lang="en-US" dirty="0"/>
+          </a:p>
+        </p:txBody>
+      </p:sp>
+    </p:spTree>
+  </p:cSld>
+  <p:clrMapOvr>
+    <a:masterClrMapping/>
+  </p:clrMapOvr>
+</p:notes>
+</file>
+
+<file path=ppt/notesSlides/notesSlide24.xml><?xml version="1.0" encoding="utf-8"?>
+<p:notes xmlns:a="http://schemas.openxmlformats.org/drawingml/2006/main" xmlns:r="http://schemas.openxmlformats.org/officeDocument/2006/relationships" xmlns:p="http://schemas.openxmlformats.org/presentationml/2006/main">
+  <p:cSld>
+    <p:spTree>
+      <p:nvGrpSpPr>
+        <p:cNvPr id="1" name=""/>
+        <p:cNvGrpSpPr/>
+        <p:nvPr/>
+      </p:nvGrpSpPr>
+      <p:grpSpPr>
+        <a:xfrm>
+          <a:off x="0" y="0"/>
+          <a:ext cx="0" cy="0"/>
+          <a:chOff x="0" y="0"/>
+          <a:chExt cx="0" cy="0"/>
+        </a:xfrm>
+      </p:grpSpPr>
+      <p:sp>
+        <p:nvSpPr>
+          <p:cNvPr id="2" name="Slide Image Placeholder 1"/>
+          <p:cNvSpPr>
+            <a:spLocks noGrp="1" noRot="1" noChangeAspect="1"/>
+          </p:cNvSpPr>
+          <p:nvPr>
+            <p:ph type="sldImg"/>
+          </p:nvPr>
+        </p:nvSpPr>
+        <p:spPr/>
+      </p:sp>
+      <p:sp>
+        <p:nvSpPr>
+          <p:cNvPr id="3" name="Notes Placeholder 2"/>
+          <p:cNvSpPr>
+            <a:spLocks noGrp="1"/>
+          </p:cNvSpPr>
+          <p:nvPr>
+            <p:ph type="body" idx="1"/>
+          </p:nvPr>
+        </p:nvSpPr>
+        <p:spPr/>
+        <p:txBody>
+          <a:bodyPr>
+            <a:normAutofit/>
+          </a:bodyPr>
+          <a:lstStyle/>
+          <a:p>
+            <a:endParaRPr lang="en-US" dirty="0"/>
+          </a:p>
+        </p:txBody>
+      </p:sp>
+      <p:sp>
+        <p:nvSpPr>
+          <p:cNvPr id="4" name="Slide Number Placeholder 3"/>
+          <p:cNvSpPr>
+            <a:spLocks noGrp="1"/>
+          </p:cNvSpPr>
+          <p:nvPr>
+            <p:ph type="sldNum" sz="quarter" idx="10"/>
+          </p:nvPr>
+        </p:nvSpPr>
+        <p:spPr/>
+        <p:txBody>
+          <a:bodyPr/>
+          <a:lstStyle/>
+          <a:p>
+            <a:fld id="{7D85CFDE-532E-417C-A2AD-0C5C8E337136}" type="slidenum">
+              <a:rPr lang="en-US" smtClean="0"/>
+              <a:pPr/>
+              <a:t>24</a:t>
+            </a:fld>
+            <a:endParaRPr lang="en-US" dirty="0"/>
+          </a:p>
+        </p:txBody>
+      </p:sp>
+    </p:spTree>
+  </p:cSld>
+  <p:clrMapOvr>
+    <a:masterClrMapping/>
+  </p:clrMapOvr>
+</p:notes>
+</file>
+
+<file path=ppt/notesSlides/notesSlide25.xml><?xml version="1.0" encoding="utf-8"?>
+<p:notes xmlns:a="http://schemas.openxmlformats.org/drawingml/2006/main" xmlns:r="http://schemas.openxmlformats.org/officeDocument/2006/relationships" xmlns:p="http://schemas.openxmlformats.org/presentationml/2006/main">
+  <p:cSld>
+    <p:spTree>
+      <p:nvGrpSpPr>
+        <p:cNvPr id="1" name=""/>
+        <p:cNvGrpSpPr/>
+        <p:nvPr/>
+      </p:nvGrpSpPr>
+      <p:grpSpPr>
+        <a:xfrm>
+          <a:off x="0" y="0"/>
+          <a:ext cx="0" cy="0"/>
+          <a:chOff x="0" y="0"/>
+          <a:chExt cx="0" cy="0"/>
+        </a:xfrm>
+      </p:grpSpPr>
+      <p:sp>
+        <p:nvSpPr>
+          <p:cNvPr id="2" name="Slide Image Placeholder 1"/>
+          <p:cNvSpPr>
+            <a:spLocks noGrp="1" noRot="1" noChangeAspect="1"/>
+          </p:cNvSpPr>
+          <p:nvPr>
+            <p:ph type="sldImg"/>
+          </p:nvPr>
+        </p:nvSpPr>
+        <p:spPr/>
+      </p:sp>
+      <p:sp>
+        <p:nvSpPr>
+          <p:cNvPr id="3" name="Notes Placeholder 2"/>
+          <p:cNvSpPr>
+            <a:spLocks noGrp="1"/>
+          </p:cNvSpPr>
+          <p:nvPr>
+            <p:ph type="body" idx="1"/>
+          </p:nvPr>
+        </p:nvSpPr>
+        <p:spPr/>
+        <p:txBody>
+          <a:bodyPr>
+            <a:normAutofit/>
+          </a:bodyPr>
+          <a:lstStyle/>
+          <a:p>
+            <a:endParaRPr lang="en-US" dirty="0"/>
+          </a:p>
+        </p:txBody>
+      </p:sp>
+      <p:sp>
+        <p:nvSpPr>
+          <p:cNvPr id="4" name="Slide Number Placeholder 3"/>
+          <p:cNvSpPr>
+            <a:spLocks noGrp="1"/>
+          </p:cNvSpPr>
+          <p:nvPr>
+            <p:ph type="sldNum" sz="quarter" idx="10"/>
+          </p:nvPr>
+        </p:nvSpPr>
+        <p:spPr/>
+        <p:txBody>
+          <a:bodyPr/>
+          <a:lstStyle/>
+          <a:p>
+            <a:fld id="{7D85CFDE-532E-417C-A2AD-0C5C8E337136}" type="slidenum">
+              <a:rPr lang="en-US" smtClean="0"/>
+              <a:pPr/>
+              <a:t>25</a:t>
+            </a:fld>
+            <a:endParaRPr lang="en-US" dirty="0"/>
+          </a:p>
+        </p:txBody>
+      </p:sp>
+    </p:spTree>
+  </p:cSld>
+  <p:clrMapOvr>
+    <a:masterClrMapping/>
+  </p:clrMapOvr>
+</p:notes>
+</file>
+
+<file path=ppt/notesSlides/notesSlide26.xml><?xml version="1.0" encoding="utf-8"?>
+<p:notes xmlns:a="http://schemas.openxmlformats.org/drawingml/2006/main" xmlns:r="http://schemas.openxmlformats.org/officeDocument/2006/relationships" xmlns:p="http://schemas.openxmlformats.org/presentationml/2006/main">
+  <p:cSld>
+    <p:spTree>
+      <p:nvGrpSpPr>
+        <p:cNvPr id="1" name=""/>
+        <p:cNvGrpSpPr/>
+        <p:nvPr/>
+      </p:nvGrpSpPr>
+      <p:grpSpPr>
+        <a:xfrm>
+          <a:off x="0" y="0"/>
+          <a:ext cx="0" cy="0"/>
+          <a:chOff x="0" y="0"/>
+          <a:chExt cx="0" cy="0"/>
+        </a:xfrm>
+      </p:grpSpPr>
+      <p:sp>
+        <p:nvSpPr>
           <p:cNvPr id="171010" name="Slide Image Placeholder 1"/>
           <p:cNvSpPr>
             <a:spLocks noGrp="1" noRot="1" noChangeAspect="1" noTextEdit="1"/>
@@ -1829,7 +2161,7 @@
                 <a:latin typeface="Arial" pitchFamily="34" charset="0"/>
               </a:rPr>
               <a:pPr defTabSz="943567"/>
-              <a:t>22</a:t>
+              <a:t>26</a:t>
             </a:fld>
             <a:endParaRPr lang="en-US" dirty="0" smtClean="0">
               <a:solidFill>
@@ -6206,21 +6538,8 @@
             <a:pPr lvl="1"/>
             <a:r>
               <a:rPr lang="en-US" sz="2000" dirty="0" smtClean="0"/>
-              <a:t>IB_BAR Inbound Translation Match Register </a:t>
+              <a:t>IB_BAR Inbound Translation Match Register (write the  MASK into IB_BAR, read gives the BAR set number)</a:t>
             </a:r>
-            <a:r>
-              <a:rPr lang="en-US" sz="2000" dirty="0" smtClean="0"/>
-              <a:t>(write </a:t>
-            </a:r>
-            <a:r>
-              <a:rPr lang="en-US" sz="2000" dirty="0" smtClean="0"/>
-              <a:t>the  MASK </a:t>
-            </a:r>
-            <a:r>
-              <a:rPr lang="en-US" sz="2000" dirty="0" smtClean="0"/>
-              <a:t>into IB_BAR, read gives the BAR set number)</a:t>
-            </a:r>
-            <a:endParaRPr lang="en-US" sz="2000" dirty="0" smtClean="0"/>
           </a:p>
           <a:p>
             <a:pPr lvl="1"/>
@@ -6735,13 +7054,7 @@
               <a:rPr lang="en-US" altLang="zh-CN" dirty="0" smtClean="0">
                 <a:ea typeface="宋体" charset="-122"/>
               </a:rPr>
-              <a:t>PCIe </a:t>
-            </a:r>
-            <a:r>
-              <a:rPr lang="en-US" altLang="zh-CN" dirty="0" smtClean="0">
-                <a:ea typeface="宋体" charset="-122"/>
-              </a:rPr>
-              <a:t>Demo </a:t>
+              <a:t>PCIe Demo </a:t>
             </a:r>
             <a:endParaRPr lang="en-US" altLang="zh-CN" dirty="0">
               <a:ea typeface="宋体" charset="-122"/>
@@ -7218,13 +7531,7 @@
               <a:rPr lang="en-US" altLang="zh-CN" dirty="0" smtClean="0">
                 <a:ea typeface="宋体" charset="-122"/>
               </a:rPr>
-              <a:t>PCIe </a:t>
-            </a:r>
-            <a:r>
-              <a:rPr lang="en-US" altLang="zh-CN" dirty="0" smtClean="0">
-                <a:ea typeface="宋体" charset="-122"/>
-              </a:rPr>
-              <a:t>Demo </a:t>
+              <a:t>PCIe Demo </a:t>
             </a:r>
             <a:endParaRPr lang="en-US" altLang="zh-CN" dirty="0">
               <a:ea typeface="宋体" charset="-122"/>
@@ -7400,7 +7707,17 @@
           <a:p>
             <a:r>
               <a:rPr lang="en-US" sz="2400" dirty="0" smtClean="0"/>
-              <a:t>C:\ti\pdk_C6678_xx_yy\packages\ti\drv\pcie\example\sample</a:t>
+              <a:t>C:\</a:t>
+            </a:r>
+            <a:r>
+              <a:rPr lang="en-US" sz="2400" dirty="0" smtClean="0"/>
+              <a:t>ti\pdk_C6678_xx_yy\packages\ti\drv\pcie\example\sample</a:t>
+            </a:r>
+          </a:p>
+          <a:p>
+            <a:r>
+              <a:rPr lang="en-US" sz="2400" dirty="0" smtClean="0"/>
+              <a:t>Example instructions are in the readme file and in the next slides</a:t>
             </a:r>
             <a:endParaRPr lang="en-US" sz="2400" dirty="0"/>
           </a:p>
@@ -7415,6 +7732,650 @@
 </file>
 
 <file path=ppt/slides/slide22.xml><?xml version="1.0" encoding="utf-8"?>
+<p:sld xmlns:a="http://schemas.openxmlformats.org/drawingml/2006/main" xmlns:r="http://schemas.openxmlformats.org/officeDocument/2006/relationships" xmlns:p="http://schemas.openxmlformats.org/presentationml/2006/main">
+  <p:cSld>
+    <p:spTree>
+      <p:nvGrpSpPr>
+        <p:cNvPr id="1" name=""/>
+        <p:cNvGrpSpPr/>
+        <p:nvPr/>
+      </p:nvGrpSpPr>
+      <p:grpSpPr>
+        <a:xfrm>
+          <a:off x="0" y="0"/>
+          <a:ext cx="0" cy="0"/>
+          <a:chOff x="0" y="0"/>
+          <a:chExt cx="0" cy="0"/>
+        </a:xfrm>
+      </p:grpSpPr>
+      <p:sp>
+        <p:nvSpPr>
+          <p:cNvPr id="266242" name="Rectangle 2"/>
+          <p:cNvSpPr>
+            <a:spLocks noGrp="1" noChangeArrowheads="1"/>
+          </p:cNvSpPr>
+          <p:nvPr>
+            <p:ph type="title"/>
+          </p:nvPr>
+        </p:nvSpPr>
+        <p:spPr/>
+        <p:txBody>
+          <a:bodyPr/>
+          <a:lstStyle/>
+          <a:p>
+            <a:r>
+              <a:rPr lang="en-US" dirty="0" smtClean="0"/>
+              <a:t>Demo</a:t>
+            </a:r>
+            <a:endParaRPr lang="en-US" dirty="0"/>
+          </a:p>
+        </p:txBody>
+      </p:sp>
+      <p:sp>
+        <p:nvSpPr>
+          <p:cNvPr id="7" name="Rectangle 6"/>
+          <p:cNvSpPr/>
+          <p:nvPr/>
+        </p:nvSpPr>
+        <p:spPr>
+          <a:xfrm>
+            <a:off x="402336" y="1563624"/>
+            <a:ext cx="8010144" cy="4708981"/>
+          </a:xfrm>
+          <a:prstGeom prst="rect">
+            <a:avLst/>
+          </a:prstGeom>
+        </p:spPr>
+        <p:txBody>
+          <a:bodyPr wrap="square">
+            <a:spAutoFit/>
+          </a:bodyPr>
+          <a:lstStyle/>
+          <a:p>
+            <a:r>
+              <a:rPr lang="en-US" sz="1200" dirty="0" smtClean="0"/>
+              <a:t> ******************************************************************************</a:t>
+            </a:r>
+          </a:p>
+          <a:p>
+            <a:r>
+              <a:rPr lang="en-US" sz="1200" dirty="0" smtClean="0"/>
+              <a:t> * FILE PURPOSE: Readme File for the PCIE Example Project</a:t>
+            </a:r>
+          </a:p>
+          <a:p>
+            <a:r>
+              <a:rPr lang="en-US" sz="1200" dirty="0" smtClean="0"/>
+              <a:t> ******************************************************************************</a:t>
+            </a:r>
+          </a:p>
+          <a:p>
+            <a:r>
+              <a:rPr lang="en-US" sz="1200" dirty="0" smtClean="0"/>
+              <a:t> * FILE NAME: Readme.txt</a:t>
+            </a:r>
+          </a:p>
+          <a:p>
+            <a:r>
+              <a:rPr lang="en-US" sz="1200" dirty="0" smtClean="0"/>
+              <a:t> * Copyright (C) 2011, Texas Instruments, Inc.</a:t>
+            </a:r>
+          </a:p>
+          <a:p>
+            <a:r>
+              <a:rPr lang="en-US" sz="1200" dirty="0" smtClean="0"/>
+              <a:t> *****************************************************************************</a:t>
+            </a:r>
+          </a:p>
+          <a:p>
+            <a:endParaRPr lang="en-US" sz="1200" dirty="0" smtClean="0"/>
+          </a:p>
+          <a:p>
+            <a:r>
+              <a:rPr lang="en-US" sz="1200" dirty="0" smtClean="0"/>
+              <a:t>The example demonstrates the use of APIs provided in PCIE LLD. This example does NOT work</a:t>
+            </a:r>
+          </a:p>
+          <a:p>
+            <a:r>
+              <a:rPr lang="en-US" sz="1200" dirty="0" smtClean="0"/>
+              <a:t>in the Shannon Simulator.</a:t>
+            </a:r>
+          </a:p>
+          <a:p>
+            <a:r>
+              <a:rPr lang="en-US" sz="1200" dirty="0" smtClean="0"/>
+              <a:t>Check the release notes for pre-requisites, tools and version information.</a:t>
+            </a:r>
+          </a:p>
+          <a:p>
+            <a:endParaRPr lang="en-US" sz="1200" dirty="0" smtClean="0"/>
+          </a:p>
+          <a:p>
+            <a:r>
+              <a:rPr lang="en-US" sz="1200" dirty="0" smtClean="0"/>
+              <a:t>------------------</a:t>
+            </a:r>
+          </a:p>
+          <a:p>
+            <a:r>
+              <a:rPr lang="en-US" sz="1200" dirty="0" smtClean="0"/>
+              <a:t>Example Overview</a:t>
+            </a:r>
+          </a:p>
+          <a:p>
+            <a:r>
+              <a:rPr lang="en-US" sz="1200" dirty="0" smtClean="0"/>
+              <a:t>------------------</a:t>
+            </a:r>
+          </a:p>
+          <a:p>
+            <a:endParaRPr lang="en-US" sz="1200" dirty="0" smtClean="0"/>
+          </a:p>
+          <a:p>
+            <a:r>
+              <a:rPr lang="en-US" sz="1200" dirty="0" smtClean="0"/>
+              <a:t>In the PCIe sample example two Shannon EVMs are used to test the PCIe driver. As described in the following figure, Shannon 1 is configured as a Root Complex and Shannon 2 is configured as End Point.</a:t>
+            </a:r>
+          </a:p>
+          <a:p>
+            <a:endParaRPr lang="en-US" sz="1200" dirty="0" smtClean="0"/>
+          </a:p>
+          <a:p>
+            <a:r>
+              <a:rPr lang="en-US" sz="1200" dirty="0" smtClean="0"/>
+              <a:t>       Shannon 1                                       Shannon 2</a:t>
+            </a:r>
+          </a:p>
+          <a:p>
+            <a:r>
+              <a:rPr lang="en-US" sz="1200" dirty="0" smtClean="0"/>
+              <a:t>   ------------------                             ------------------</a:t>
+            </a:r>
+          </a:p>
+          <a:p>
+            <a:r>
+              <a:rPr lang="en-US" sz="1200" dirty="0" smtClean="0"/>
+              <a:t>   |                |                             |                |</a:t>
+            </a:r>
+          </a:p>
+          <a:p>
+            <a:r>
+              <a:rPr lang="en-US" sz="1200" dirty="0" smtClean="0"/>
+              <a:t>   |   Root         |          PCIe Link          |  End Point     |</a:t>
+            </a:r>
+          </a:p>
+          <a:p>
+            <a:r>
+              <a:rPr lang="en-US" sz="1200" dirty="0" smtClean="0"/>
+              <a:t>   |   Complex      | &lt;--------------------------&gt;|                |</a:t>
+            </a:r>
+          </a:p>
+          <a:p>
+            <a:r>
+              <a:rPr lang="en-US" sz="1200" dirty="0" smtClean="0"/>
+              <a:t>   |                |                             |                |</a:t>
+            </a:r>
+          </a:p>
+          <a:p>
+            <a:r>
+              <a:rPr lang="en-US" sz="1200" dirty="0" smtClean="0"/>
+              <a:t>   ------------------                             ------------------</a:t>
+            </a:r>
+            <a:endParaRPr lang="en-US" sz="1200" dirty="0"/>
+          </a:p>
+        </p:txBody>
+      </p:sp>
+    </p:spTree>
+  </p:cSld>
+  <p:clrMapOvr>
+    <a:masterClrMapping/>
+  </p:clrMapOvr>
+</p:sld>
+</file>
+
+<file path=ppt/slides/slide23.xml><?xml version="1.0" encoding="utf-8"?>
+<p:sld xmlns:a="http://schemas.openxmlformats.org/drawingml/2006/main" xmlns:r="http://schemas.openxmlformats.org/officeDocument/2006/relationships" xmlns:p="http://schemas.openxmlformats.org/presentationml/2006/main">
+  <p:cSld>
+    <p:spTree>
+      <p:nvGrpSpPr>
+        <p:cNvPr id="1" name=""/>
+        <p:cNvGrpSpPr/>
+        <p:nvPr/>
+      </p:nvGrpSpPr>
+      <p:grpSpPr>
+        <a:xfrm>
+          <a:off x="0" y="0"/>
+          <a:ext cx="0" cy="0"/>
+          <a:chOff x="0" y="0"/>
+          <a:chExt cx="0" cy="0"/>
+        </a:xfrm>
+      </p:grpSpPr>
+      <p:sp>
+        <p:nvSpPr>
+          <p:cNvPr id="266242" name="Rectangle 2"/>
+          <p:cNvSpPr>
+            <a:spLocks noGrp="1" noChangeArrowheads="1"/>
+          </p:cNvSpPr>
+          <p:nvPr>
+            <p:ph type="title"/>
+          </p:nvPr>
+        </p:nvSpPr>
+        <p:spPr/>
+        <p:txBody>
+          <a:bodyPr/>
+          <a:lstStyle/>
+          <a:p>
+            <a:r>
+              <a:rPr lang="en-US" dirty="0" smtClean="0"/>
+              <a:t>Demo</a:t>
+            </a:r>
+            <a:endParaRPr lang="en-US" dirty="0"/>
+          </a:p>
+        </p:txBody>
+      </p:sp>
+      <p:sp>
+        <p:nvSpPr>
+          <p:cNvPr id="4" name="Rectangle 3"/>
+          <p:cNvSpPr/>
+          <p:nvPr/>
+        </p:nvSpPr>
+        <p:spPr>
+          <a:xfrm>
+            <a:off x="585216" y="1929384"/>
+            <a:ext cx="7680960" cy="3970318"/>
+          </a:xfrm>
+          <a:prstGeom prst="rect">
+            <a:avLst/>
+          </a:prstGeom>
+        </p:spPr>
+        <p:txBody>
+          <a:bodyPr wrap="square">
+            <a:spAutoFit/>
+          </a:bodyPr>
+          <a:lstStyle/>
+          <a:p>
+            <a:r>
+              <a:rPr lang="en-US" dirty="0" smtClean="0"/>
+              <a:t>At startup, each EVM configures its PCIe subsystem:</a:t>
+            </a:r>
+          </a:p>
+          <a:p>
+            <a:r>
+              <a:rPr lang="en-US" dirty="0" smtClean="0"/>
+              <a:t>• </a:t>
+            </a:r>
+            <a:r>
+              <a:rPr lang="en-US" dirty="0" err="1" smtClean="0"/>
+              <a:t>Serdes</a:t>
+            </a:r>
+            <a:r>
+              <a:rPr lang="en-US" dirty="0" smtClean="0"/>
+              <a:t>, clock, PLL</a:t>
+            </a:r>
+          </a:p>
+          <a:p>
+            <a:r>
+              <a:rPr lang="en-US" dirty="0" smtClean="0"/>
+              <a:t>• PCIe Mode and Power domain</a:t>
+            </a:r>
+          </a:p>
+          <a:p>
+            <a:r>
+              <a:rPr lang="en-US" dirty="0" smtClean="0"/>
+              <a:t>• Inbound/Outbound address translation and BAR registers</a:t>
+            </a:r>
+          </a:p>
+          <a:p>
+            <a:r>
+              <a:rPr lang="en-US" dirty="0" smtClean="0"/>
+              <a:t>• Link training is triggered</a:t>
+            </a:r>
+          </a:p>
+          <a:p>
+            <a:endParaRPr lang="en-US" dirty="0" smtClean="0"/>
+          </a:p>
+          <a:p>
+            <a:r>
+              <a:rPr lang="en-US" dirty="0" smtClean="0"/>
+              <a:t>Once the PCIe link is established, the following sequence of events will happen:</a:t>
+            </a:r>
+          </a:p>
+          <a:p>
+            <a:r>
+              <a:rPr lang="en-US" dirty="0" smtClean="0"/>
+              <a:t>• Shannon 1 sends data to Shannon 2</a:t>
+            </a:r>
+          </a:p>
+          <a:p>
+            <a:r>
+              <a:rPr lang="en-US" dirty="0" smtClean="0"/>
+              <a:t>• Shannon 2 waits to receive all the data</a:t>
+            </a:r>
+          </a:p>
+          <a:p>
+            <a:r>
+              <a:rPr lang="en-US" dirty="0" smtClean="0"/>
+              <a:t>• Shannon 2 sends the data back to Shannon 1</a:t>
+            </a:r>
+          </a:p>
+          <a:p>
+            <a:r>
+              <a:rPr lang="en-US" dirty="0" smtClean="0"/>
+              <a:t>• Shannon 1 waits to receive all the data</a:t>
+            </a:r>
+          </a:p>
+          <a:p>
+            <a:r>
+              <a:rPr lang="en-US" dirty="0" smtClean="0"/>
+              <a:t>• Shannon 1 verifies if the received data matches the sent data and declares test pass or fail.</a:t>
+            </a:r>
+            <a:endParaRPr lang="en-US" dirty="0"/>
+          </a:p>
+        </p:txBody>
+      </p:sp>
+    </p:spTree>
+  </p:cSld>
+  <p:clrMapOvr>
+    <a:masterClrMapping/>
+  </p:clrMapOvr>
+</p:sld>
+</file>
+
+<file path=ppt/slides/slide24.xml><?xml version="1.0" encoding="utf-8"?>
+<p:sld xmlns:a="http://schemas.openxmlformats.org/drawingml/2006/main" xmlns:r="http://schemas.openxmlformats.org/officeDocument/2006/relationships" xmlns:p="http://schemas.openxmlformats.org/presentationml/2006/main">
+  <p:cSld>
+    <p:spTree>
+      <p:nvGrpSpPr>
+        <p:cNvPr id="1" name=""/>
+        <p:cNvGrpSpPr/>
+        <p:nvPr/>
+      </p:nvGrpSpPr>
+      <p:grpSpPr>
+        <a:xfrm>
+          <a:off x="0" y="0"/>
+          <a:ext cx="0" cy="0"/>
+          <a:chOff x="0" y="0"/>
+          <a:chExt cx="0" cy="0"/>
+        </a:xfrm>
+      </p:grpSpPr>
+      <p:sp>
+        <p:nvSpPr>
+          <p:cNvPr id="266242" name="Rectangle 2"/>
+          <p:cNvSpPr>
+            <a:spLocks noGrp="1" noChangeArrowheads="1"/>
+          </p:cNvSpPr>
+          <p:nvPr>
+            <p:ph type="title"/>
+          </p:nvPr>
+        </p:nvSpPr>
+        <p:spPr/>
+        <p:txBody>
+          <a:bodyPr/>
+          <a:lstStyle/>
+          <a:p>
+            <a:r>
+              <a:rPr lang="en-US" dirty="0" smtClean="0"/>
+              <a:t>Demo</a:t>
+            </a:r>
+            <a:endParaRPr lang="en-US" dirty="0"/>
+          </a:p>
+        </p:txBody>
+      </p:sp>
+      <p:sp>
+        <p:nvSpPr>
+          <p:cNvPr id="5" name="Rectangle 4"/>
+          <p:cNvSpPr/>
+          <p:nvPr/>
+        </p:nvSpPr>
+        <p:spPr>
+          <a:xfrm>
+            <a:off x="621792" y="1892808"/>
+            <a:ext cx="7973568" cy="3970318"/>
+          </a:xfrm>
+          <a:prstGeom prst="rect">
+            <a:avLst/>
+          </a:prstGeom>
+        </p:spPr>
+        <p:txBody>
+          <a:bodyPr wrap="square">
+            <a:spAutoFit/>
+          </a:bodyPr>
+          <a:lstStyle/>
+          <a:p>
+            <a:r>
+              <a:rPr lang="en-US" dirty="0" smtClean="0"/>
+              <a:t>-------------------------</a:t>
+            </a:r>
+          </a:p>
+          <a:p>
+            <a:r>
+              <a:rPr lang="en-US" dirty="0" smtClean="0"/>
+              <a:t>Steps to run the example</a:t>
+            </a:r>
+          </a:p>
+          <a:p>
+            <a:r>
+              <a:rPr lang="en-US" dirty="0" smtClean="0"/>
+              <a:t>-------------------------</a:t>
+            </a:r>
+          </a:p>
+          <a:p>
+            <a:r>
+              <a:rPr lang="en-US" dirty="0" smtClean="0"/>
+              <a:t>1. Build the example</a:t>
+            </a:r>
+          </a:p>
+          <a:p>
+            <a:r>
+              <a:rPr lang="en-US" dirty="0" smtClean="0"/>
+              <a:t>2. Do a System Reset in both EVMs</a:t>
+            </a:r>
+          </a:p>
+          <a:p>
+            <a:r>
+              <a:rPr lang="en-US" dirty="0" smtClean="0"/>
+              <a:t>3. Load </a:t>
+            </a:r>
+            <a:r>
+              <a:rPr lang="en-US" dirty="0" err="1" smtClean="0"/>
+              <a:t>exampleProject.out</a:t>
+            </a:r>
+            <a:r>
+              <a:rPr lang="en-US" dirty="0" smtClean="0"/>
+              <a:t> in core zero in both EVMs</a:t>
+            </a:r>
+          </a:p>
+          <a:p>
+            <a:r>
+              <a:rPr lang="en-US" dirty="0" smtClean="0"/>
+              <a:t>4. In Shannon 1, use CCS watch window to modify the value of global</a:t>
+            </a:r>
+          </a:p>
+          <a:p>
+            <a:r>
+              <a:rPr lang="en-US" dirty="0" smtClean="0"/>
+              <a:t>   variable </a:t>
+            </a:r>
+            <a:r>
+              <a:rPr lang="en-US" dirty="0" err="1" smtClean="0"/>
+              <a:t>PcieModeGbl</a:t>
+            </a:r>
+            <a:r>
+              <a:rPr lang="en-US" dirty="0" smtClean="0"/>
+              <a:t>. In this example, Shannon 1 is a Root Complex,</a:t>
+            </a:r>
+          </a:p>
+          <a:p>
+            <a:r>
+              <a:rPr lang="en-US" dirty="0" smtClean="0"/>
+              <a:t>   therefore set </a:t>
+            </a:r>
+            <a:r>
+              <a:rPr lang="en-US" dirty="0" err="1" smtClean="0"/>
+              <a:t>PcieModeGbl</a:t>
+            </a:r>
+            <a:r>
+              <a:rPr lang="en-US" dirty="0" smtClean="0"/>
+              <a:t> to </a:t>
+            </a:r>
+            <a:r>
+              <a:rPr lang="en-US" dirty="0" err="1" smtClean="0"/>
+              <a:t>pcie_RC_MODE</a:t>
+            </a:r>
+            <a:r>
+              <a:rPr lang="en-US" dirty="0" smtClean="0"/>
+              <a:t> (this can be done through a drop down</a:t>
+            </a:r>
+          </a:p>
+          <a:p>
+            <a:r>
+              <a:rPr lang="en-US" dirty="0" smtClean="0"/>
+              <a:t>   menu in the watch window).</a:t>
+            </a:r>
+          </a:p>
+          <a:p>
+            <a:r>
+              <a:rPr lang="en-US" dirty="0" smtClean="0"/>
+              <a:t>5. Click the "Run" button in CCS for both EVMs (it is okay to have a few seconds between</a:t>
+            </a:r>
+          </a:p>
+          <a:p>
+            <a:r>
+              <a:rPr lang="en-US" dirty="0" smtClean="0"/>
+              <a:t>   the "Run" buttons are clicked in both sides).</a:t>
+            </a:r>
+            <a:endParaRPr lang="en-US" dirty="0"/>
+          </a:p>
+        </p:txBody>
+      </p:sp>
+    </p:spTree>
+  </p:cSld>
+  <p:clrMapOvr>
+    <a:masterClrMapping/>
+  </p:clrMapOvr>
+</p:sld>
+</file>
+
+<file path=ppt/slides/slide25.xml><?xml version="1.0" encoding="utf-8"?>
+<p:sld xmlns:a="http://schemas.openxmlformats.org/drawingml/2006/main" xmlns:r="http://schemas.openxmlformats.org/officeDocument/2006/relationships" xmlns:p="http://schemas.openxmlformats.org/presentationml/2006/main">
+  <p:cSld>
+    <p:spTree>
+      <p:nvGrpSpPr>
+        <p:cNvPr id="1" name=""/>
+        <p:cNvGrpSpPr/>
+        <p:nvPr/>
+      </p:nvGrpSpPr>
+      <p:grpSpPr>
+        <a:xfrm>
+          <a:off x="0" y="0"/>
+          <a:ext cx="0" cy="0"/>
+          <a:chOff x="0" y="0"/>
+          <a:chExt cx="0" cy="0"/>
+        </a:xfrm>
+      </p:grpSpPr>
+      <p:sp>
+        <p:nvSpPr>
+          <p:cNvPr id="266242" name="Rectangle 2"/>
+          <p:cNvSpPr>
+            <a:spLocks noGrp="1" noChangeArrowheads="1"/>
+          </p:cNvSpPr>
+          <p:nvPr>
+            <p:ph type="title"/>
+          </p:nvPr>
+        </p:nvSpPr>
+        <p:spPr/>
+        <p:txBody>
+          <a:bodyPr/>
+          <a:lstStyle/>
+          <a:p>
+            <a:r>
+              <a:rPr lang="en-US" dirty="0" smtClean="0"/>
+              <a:t>Demo</a:t>
+            </a:r>
+            <a:endParaRPr lang="en-US" dirty="0"/>
+          </a:p>
+        </p:txBody>
+      </p:sp>
+      <p:sp>
+        <p:nvSpPr>
+          <p:cNvPr id="4" name="Rectangle 3"/>
+          <p:cNvSpPr/>
+          <p:nvPr/>
+        </p:nvSpPr>
+        <p:spPr>
+          <a:xfrm>
+            <a:off x="548640" y="1582341"/>
+            <a:ext cx="8046720" cy="3139321"/>
+          </a:xfrm>
+          <a:prstGeom prst="rect">
+            <a:avLst/>
+          </a:prstGeom>
+        </p:spPr>
+        <p:txBody>
+          <a:bodyPr wrap="square">
+            <a:spAutoFit/>
+          </a:bodyPr>
+          <a:lstStyle/>
+          <a:p>
+            <a:r>
+              <a:rPr lang="en-US" dirty="0" smtClean="0"/>
+              <a:t>-------------------------</a:t>
+            </a:r>
+          </a:p>
+          <a:p>
+            <a:r>
+              <a:rPr lang="en-US" dirty="0" smtClean="0"/>
+              <a:t>Expected result</a:t>
+            </a:r>
+          </a:p>
+          <a:p>
+            <a:r>
+              <a:rPr lang="en-US" dirty="0" smtClean="0"/>
+              <a:t>-------------------------</a:t>
+            </a:r>
+          </a:p>
+          <a:p>
+            <a:r>
+              <a:rPr lang="en-US" dirty="0" smtClean="0"/>
+              <a:t>1. In Shannon 1 CCS console the status of the test will be updated. At the end, the message </a:t>
+            </a:r>
+          </a:p>
+          <a:p>
+            <a:r>
+              <a:rPr lang="en-US" dirty="0" smtClean="0"/>
+              <a:t>   "Test passed" is expected.</a:t>
+            </a:r>
+          </a:p>
+          <a:p>
+            <a:r>
+              <a:rPr lang="en-US" dirty="0" smtClean="0"/>
+              <a:t>2. In Shannon 2 CCS console the status of the test will be updated. At the end, the message </a:t>
+            </a:r>
+          </a:p>
+          <a:p>
+            <a:r>
+              <a:rPr lang="en-US" dirty="0" smtClean="0"/>
+              <a:t>   "End of test" is expected.</a:t>
+            </a:r>
+          </a:p>
+          <a:p>
+            <a:endParaRPr lang="en-US" dirty="0" smtClean="0"/>
+          </a:p>
+          <a:p>
+            <a:endParaRPr lang="en-US" dirty="0"/>
+          </a:p>
+        </p:txBody>
+      </p:sp>
+    </p:spTree>
+  </p:cSld>
+  <p:clrMapOvr>
+    <a:masterClrMapping/>
+  </p:clrMapOvr>
+</p:sld>
+</file>
+
+<file path=ppt/slides/slide26.xml><?xml version="1.0" encoding="utf-8"?>
 <p:sld xmlns:a="http://schemas.openxmlformats.org/drawingml/2006/main" xmlns:r="http://schemas.openxmlformats.org/officeDocument/2006/relationships" xmlns:p="http://schemas.openxmlformats.org/presentationml/2006/main">
   <p:cSld>
     <p:spTree>
@@ -7604,13 +8565,7 @@
               <a:rPr lang="en-US" altLang="zh-CN" dirty="0" smtClean="0">
                 <a:ea typeface="宋体" charset="-122"/>
               </a:rPr>
-              <a:t>PCIe </a:t>
-            </a:r>
-            <a:r>
-              <a:rPr lang="en-US" altLang="zh-CN" dirty="0" smtClean="0">
-                <a:ea typeface="宋体" charset="-122"/>
-              </a:rPr>
-              <a:t>Demo </a:t>
+              <a:t>PCIe Demo </a:t>
             </a:r>
             <a:endParaRPr lang="en-US" altLang="zh-CN" dirty="0">
               <a:ea typeface="宋体" charset="-122"/>

--- a/slides/KeyStone PCI Express.pptx
+++ b/slides/KeyStone PCI Express.pptx
@@ -6538,8 +6538,13 @@
             <a:pPr lvl="1"/>
             <a:r>
               <a:rPr lang="en-US" sz="2000" dirty="0" smtClean="0"/>
-              <a:t>IB_BAR Inbound Translation Match Register (write the  MASK into IB_BAR, read gives the BAR set number)</a:t>
-            </a:r>
+              <a:t>IB_BAR Inbound Translation Match Register (write the  MASK into IB_BAR, read gives the BAR </a:t>
+            </a:r>
+            <a:r>
+              <a:rPr lang="en-US" sz="2000" dirty="0" smtClean="0"/>
+              <a:t>number to match the inbound translation)</a:t>
+            </a:r>
+            <a:endParaRPr lang="en-US" sz="2000" dirty="0" smtClean="0"/>
           </a:p>
           <a:p>
             <a:pPr lvl="1"/>
@@ -6559,11 +6564,12 @@
             <a:pPr lvl="1"/>
             <a:r>
               <a:rPr lang="en-US" sz="2000" dirty="0" smtClean="0"/>
-              <a:t>IB_OFFSET Inbound Translation device base address</a:t>
-            </a:r>
-          </a:p>
-          <a:p>
-            <a:pPr lvl="1"/>
+              <a:t>IB_OFFSET Inbound Translation device base </a:t>
+            </a:r>
+            <a:r>
+              <a:rPr lang="en-US" sz="2000" dirty="0" smtClean="0"/>
+              <a:t>address</a:t>
+            </a:r>
             <a:endParaRPr lang="en-US" sz="2000" dirty="0" smtClean="0"/>
           </a:p>
           <a:p>
@@ -6576,7 +6582,15 @@
             <a:pPr lvl="2"/>
             <a:r>
               <a:rPr lang="en-US" sz="1600" dirty="0" smtClean="0"/>
-              <a:t>Using a IB_BAR MASK register, A is compared with the low and high address to see if there is a match</a:t>
+              <a:t>Using a IB_BAR MASK register, A is compared with the low and high address </a:t>
+            </a:r>
+            <a:r>
+              <a:rPr lang="en-US" sz="1600" dirty="0" smtClean="0"/>
+              <a:t> of BAR 0-5 to </a:t>
+            </a:r>
+            <a:r>
+              <a:rPr lang="en-US" sz="1600" dirty="0" smtClean="0"/>
+              <a:t>see if there is a match</a:t>
             </a:r>
           </a:p>
           <a:p>
@@ -6599,7 +6613,28 @@
             </a:pPr>
             <a:r>
               <a:rPr lang="en-US" sz="1600" dirty="0" smtClean="0"/>
-              <a:t>The difference between A – IB_START (64 bit, high and low) is calculated</a:t>
+              <a:t>The first BAR number that covers A is determine, then look up in </a:t>
+            </a:r>
+            <a:r>
+              <a:rPr lang="en-US" sz="1600" dirty="0" err="1" smtClean="0"/>
+              <a:t>IB_BARn</a:t>
+            </a:r>
+            <a:r>
+              <a:rPr lang="en-US" sz="1600" dirty="0" smtClean="0"/>
+              <a:t> (0-3) to see which IB_BAR has this BAR number</a:t>
+            </a:r>
+          </a:p>
+          <a:p>
+            <a:pPr lvl="2">
+              <a:buNone/>
+            </a:pPr>
+            <a:r>
+              <a:rPr lang="en-US" sz="1600" dirty="0" smtClean="0"/>
+              <a:t>The </a:t>
+            </a:r>
+            <a:r>
+              <a:rPr lang="en-US" sz="1600" dirty="0" smtClean="0"/>
+              <a:t>difference between A – IB_START (64 bit, high and low) is calculated</a:t>
             </a:r>
           </a:p>
           <a:p>
@@ -6687,9 +6722,18 @@
           <a:lstStyle/>
           <a:p>
             <a:r>
-              <a:rPr lang="en-US" dirty="0"/>
-              <a:t>Example:</a:t>
-            </a:r>
+              <a:rPr lang="en-US" dirty="0" smtClean="0"/>
+              <a:t>Example </a:t>
+            </a:r>
+            <a:r>
+              <a:rPr lang="en-US" sz="2000" dirty="0" smtClean="0"/>
+              <a:t>(assume that BAR1 covers the inbound address)</a:t>
+            </a:r>
+            <a:r>
+              <a:rPr lang="en-US" dirty="0" smtClean="0"/>
+              <a:t>:</a:t>
+            </a:r>
+            <a:endParaRPr lang="en-US" dirty="0"/>
           </a:p>
           <a:p>
             <a:pPr lvl="1"/>
@@ -6900,7 +6944,25 @@
               <a:rPr lang="en-US" altLang="zh-CN" dirty="0" smtClean="0">
                 <a:ea typeface="宋体" charset="-122"/>
               </a:rPr>
-              <a:t> with the MASK (Read from  BAR 1) 0x000F FFFF gives 0xF740 0000.  Matches </a:t>
+              <a:t>(covered by BAR </a:t>
+            </a:r>
+            <a:r>
+              <a:rPr lang="en-US" altLang="zh-CN" dirty="0" smtClean="0">
+                <a:ea typeface="宋体" charset="-122"/>
+              </a:rPr>
+              <a:t>1</a:t>
+            </a:r>
+            <a:r>
+              <a:rPr lang="en-US" altLang="zh-CN" dirty="0" smtClean="0">
+                <a:ea typeface="宋体" charset="-122"/>
+              </a:rPr>
+              <a:t>) with the mask </a:t>
+            </a:r>
+            <a:r>
+              <a:rPr lang="en-US" altLang="zh-CN" dirty="0" smtClean="0">
+                <a:ea typeface="宋体" charset="-122"/>
+              </a:rPr>
+              <a:t>0x000F FFFF gives 0xF740 0000.  Matches </a:t>
             </a:r>
             <a:r>
               <a:rPr lang="en-US" altLang="zh-CN" dirty="0">
@@ -6918,8 +6980,17 @@
               <a:rPr lang="en-US" altLang="zh-CN" dirty="0">
                 <a:ea typeface="宋体" charset="-122"/>
               </a:rPr>
-              <a:t>it is accepted</a:t>
-            </a:r>
+              <a:t>it is </a:t>
+            </a:r>
+            <a:r>
+              <a:rPr lang="en-US" altLang="zh-CN" dirty="0" smtClean="0">
+                <a:ea typeface="宋体" charset="-122"/>
+              </a:rPr>
+              <a:t>accepted, BAR1 is inside IB_BAR0</a:t>
+            </a:r>
+            <a:endParaRPr lang="en-US" altLang="zh-CN" dirty="0">
+              <a:ea typeface="宋体" charset="-122"/>
+            </a:endParaRPr>
           </a:p>
           <a:p>
             <a:pPr lvl="2"/>
@@ -6953,7 +7024,19 @@
               <a:rPr lang="en-US" altLang="zh-CN" dirty="0" smtClean="0">
                 <a:ea typeface="宋体" charset="-122"/>
               </a:rPr>
-              <a:t>	0xF740_1234 &amp; 0x000F FFFF </a:t>
+              <a:t>	0xF740_1234 </a:t>
+            </a:r>
+            <a:r>
+              <a:rPr lang="en-US" altLang="zh-CN" dirty="0" smtClean="0">
+                <a:ea typeface="宋体" charset="-122"/>
+              </a:rPr>
+              <a:t>- </a:t>
+            </a:r>
+            <a:r>
+              <a:rPr lang="en-US" altLang="zh-CN" dirty="0" smtClean="0">
+                <a:ea typeface="宋体" charset="-122"/>
+              </a:rPr>
+              <a:t>0x000F FFFF </a:t>
             </a:r>
             <a:r>
               <a:rPr lang="en-US" altLang="zh-CN" dirty="0">
@@ -7707,11 +7790,7 @@
           <a:p>
             <a:r>
               <a:rPr lang="en-US" sz="2400" dirty="0" smtClean="0"/>
-              <a:t>C:\</a:t>
-            </a:r>
-            <a:r>
-              <a:rPr lang="en-US" sz="2400" dirty="0" smtClean="0"/>
-              <a:t>ti\pdk_C6678_xx_yy\packages\ti\drv\pcie\example\sample</a:t>
+              <a:t>C:\ti\pdk_C6678_xx_yy\packages\ti\drv\pcie\example\sample</a:t>
             </a:r>
           </a:p>
           <a:p>
